--- a/Courses/Applied-Programmer/Programming-Basics/04-Повторения/10.Чертане-с-повторения.pptx
+++ b/Courses/Applied-Programmer/Programming-Basics/04-Повторения/10.Чертане-с-повторения.pptx
@@ -323,7 +323,7 @@
             <a:fld id="{FE5B4EDC-59C0-49C7-8ADA-5A781B329E02}" type="datetimeFigureOut">
               <a:rPr lang="en-US"/>
               <a:pPr/>
-              <a:t>16-Dec-19</a:t>
+              <a:t>09-Nov-20</a:t>
             </a:fld>
             <a:endParaRPr dirty="0"/>
           </a:p>
@@ -621,7 +621,7 @@
             <a:fld id="{F2D8D46A-B586-417D-BFBD-8C8FE0AAF762}" type="datetimeFigureOut">
               <a:rPr lang="en-US" smtClean="0"/>
               <a:pPr/>
-              <a:t>16-Dec-19</a:t>
+              <a:t>09-Nov-20</a:t>
             </a:fld>
             <a:endParaRPr lang="en-US" dirty="0"/>
           </a:p>
@@ -6257,6 +6257,69 @@
           </a:p>
         </p:txBody>
       </p:sp>
+      <p:sp>
+        <p:nvSpPr>
+          <p:cNvPr id="3" name="Текстово поле 2">
+            <a:extLst>
+              <a:ext uri="{FF2B5EF4-FFF2-40B4-BE49-F238E27FC236}">
+                <a16:creationId xmlns:a16="http://schemas.microsoft.com/office/drawing/2014/main" id="{8A17E21F-CA0E-4AFD-A641-A2ACBE32B98C}"/>
+              </a:ext>
+            </a:extLst>
+          </p:cNvPr>
+          <p:cNvSpPr txBox="1"/>
+          <p:nvPr/>
+        </p:nvSpPr>
+        <p:spPr>
+          <a:xfrm>
+            <a:off x="836614" y="6090710"/>
+            <a:ext cx="10515598" cy="461665"/>
+          </a:xfrm>
+          <a:prstGeom prst="rect">
+            <a:avLst/>
+          </a:prstGeom>
+          <a:noFill/>
+        </p:spPr>
+        <p:txBody>
+          <a:bodyPr wrap="square" rtlCol="0">
+            <a:spAutoFit/>
+          </a:bodyPr>
+          <a:lstStyle/>
+          <a:p>
+            <a:r>
+              <a:rPr lang="ru-RU" b="0" i="0" u="none" strike="noStrike" baseline="0" dirty="0">
+                <a:latin typeface="Calibri" panose="020F0502020204030204" pitchFamily="34" charset="0"/>
+              </a:rPr>
+              <a:t>Тествайте в </a:t>
+            </a:r>
+            <a:r>
+              <a:rPr lang="en-US" b="0" i="0" u="none" strike="noStrike" baseline="0" dirty="0">
+                <a:latin typeface="Calibri" panose="020F0502020204030204" pitchFamily="34" charset="0"/>
+              </a:rPr>
+              <a:t>Judge:</a:t>
+            </a:r>
+            <a:r>
+              <a:rPr lang="bg-BG" b="0" i="0" u="none" strike="noStrike" baseline="0" dirty="0">
+                <a:latin typeface="Calibri" panose="020F0502020204030204" pitchFamily="34" charset="0"/>
+              </a:rPr>
+              <a:t> </a:t>
+            </a:r>
+            <a:r>
+              <a:rPr lang="bg-BG" u="sng" dirty="0">
+                <a:solidFill>
+                  <a:srgbClr val="0563C1"/>
+                </a:solidFill>
+                <a:effectLst/>
+                <a:latin typeface="Calibri" panose="020F0502020204030204" pitchFamily="34" charset="0"/>
+                <a:ea typeface="Calibri" panose="020F0502020204030204" pitchFamily="34" charset="0"/>
+                <a:cs typeface="Times New Roman" panose="02020603050405020304" pitchFamily="18" charset="0"/>
+                <a:hlinkClick r:id="rId2"/>
+              </a:rPr>
+              <a:t>https://judge.softuni.bg/Contests/2639/Чертане-с-повторения</a:t>
+            </a:r>
+            <a:endParaRPr lang="en-US" dirty="0"/>
+          </a:p>
+        </p:txBody>
+      </p:sp>
     </p:spTree>
     <p:extLst>
       <p:ext uri="{BB962C8B-B14F-4D97-AF65-F5344CB8AC3E}">
@@ -7610,7 +7673,7 @@
         </p:nvSpPr>
         <p:spPr bwMode="auto">
           <a:xfrm>
-            <a:off x="760414" y="1231310"/>
+            <a:off x="757226" y="1145203"/>
             <a:ext cx="10667998" cy="5118362"/>
           </a:xfrm>
           <a:prstGeom prst="rect">
@@ -8410,6 +8473,69 @@
                 </a:prstClr>
               </a:solidFill>
             </a:endParaRPr>
+          </a:p>
+        </p:txBody>
+      </p:sp>
+      <p:sp>
+        <p:nvSpPr>
+          <p:cNvPr id="4" name="Текстово поле 3">
+            <a:extLst>
+              <a:ext uri="{FF2B5EF4-FFF2-40B4-BE49-F238E27FC236}">
+                <a16:creationId xmlns:a16="http://schemas.microsoft.com/office/drawing/2014/main" id="{43CDDD48-A69D-4D73-A1E0-F356739C11D6}"/>
+              </a:ext>
+            </a:extLst>
+          </p:cNvPr>
+          <p:cNvSpPr txBox="1"/>
+          <p:nvPr/>
+        </p:nvSpPr>
+        <p:spPr>
+          <a:xfrm>
+            <a:off x="833426" y="6313150"/>
+            <a:ext cx="10515598" cy="461665"/>
+          </a:xfrm>
+          <a:prstGeom prst="rect">
+            <a:avLst/>
+          </a:prstGeom>
+          <a:noFill/>
+        </p:spPr>
+        <p:txBody>
+          <a:bodyPr wrap="square" rtlCol="0">
+            <a:spAutoFit/>
+          </a:bodyPr>
+          <a:lstStyle/>
+          <a:p>
+            <a:r>
+              <a:rPr lang="ru-RU" b="0" i="0" u="none" strike="noStrike" baseline="0" dirty="0">
+                <a:latin typeface="Calibri" panose="020F0502020204030204" pitchFamily="34" charset="0"/>
+              </a:rPr>
+              <a:t>Тествайте в </a:t>
+            </a:r>
+            <a:r>
+              <a:rPr lang="en-US" b="0" i="0" u="none" strike="noStrike" baseline="0" dirty="0">
+                <a:latin typeface="Calibri" panose="020F0502020204030204" pitchFamily="34" charset="0"/>
+              </a:rPr>
+              <a:t>Judge:</a:t>
+            </a:r>
+            <a:r>
+              <a:rPr lang="bg-BG" b="0" i="0" u="none" strike="noStrike" baseline="0" dirty="0">
+                <a:latin typeface="Calibri" panose="020F0502020204030204" pitchFamily="34" charset="0"/>
+              </a:rPr>
+              <a:t> </a:t>
+            </a:r>
+            <a:r>
+              <a:rPr lang="bg-BG" u="sng" dirty="0">
+                <a:solidFill>
+                  <a:srgbClr val="0563C1"/>
+                </a:solidFill>
+                <a:effectLst/>
+                <a:latin typeface="Calibri" panose="020F0502020204030204" pitchFamily="34" charset="0"/>
+                <a:ea typeface="Calibri" panose="020F0502020204030204" pitchFamily="34" charset="0"/>
+                <a:cs typeface="Times New Roman" panose="02020603050405020304" pitchFamily="18" charset="0"/>
+                <a:hlinkClick r:id="rId2"/>
+              </a:rPr>
+              <a:t>https://judge.softuni.bg/Contests/2639/Чертане-с-повторения</a:t>
+            </a:r>
+            <a:endParaRPr lang="en-US" dirty="0"/>
           </a:p>
         </p:txBody>
       </p:sp>
@@ -10109,7 +10235,7 @@
         </p:nvSpPr>
         <p:spPr bwMode="auto">
           <a:xfrm>
-            <a:off x="760414" y="1095208"/>
+            <a:off x="757227" y="990600"/>
             <a:ext cx="10667998" cy="5327200"/>
           </a:xfrm>
           <a:prstGeom prst="rect">
@@ -12038,6 +12164,69 @@
                 </a:prstClr>
               </a:solidFill>
             </a:endParaRPr>
+          </a:p>
+        </p:txBody>
+      </p:sp>
+      <p:sp>
+        <p:nvSpPr>
+          <p:cNvPr id="4" name="Текстово поле 3">
+            <a:extLst>
+              <a:ext uri="{FF2B5EF4-FFF2-40B4-BE49-F238E27FC236}">
+                <a16:creationId xmlns:a16="http://schemas.microsoft.com/office/drawing/2014/main" id="{BF523EF0-9A89-472A-B642-CC72BBC10011}"/>
+              </a:ext>
+            </a:extLst>
+          </p:cNvPr>
+          <p:cNvSpPr txBox="1"/>
+          <p:nvPr/>
+        </p:nvSpPr>
+        <p:spPr>
+          <a:xfrm>
+            <a:off x="833427" y="6324600"/>
+            <a:ext cx="10515598" cy="461665"/>
+          </a:xfrm>
+          <a:prstGeom prst="rect">
+            <a:avLst/>
+          </a:prstGeom>
+          <a:noFill/>
+        </p:spPr>
+        <p:txBody>
+          <a:bodyPr wrap="square" rtlCol="0">
+            <a:spAutoFit/>
+          </a:bodyPr>
+          <a:lstStyle/>
+          <a:p>
+            <a:r>
+              <a:rPr lang="ru-RU" b="0" i="0" u="none" strike="noStrike" baseline="0" dirty="0">
+                <a:latin typeface="Calibri" panose="020F0502020204030204" pitchFamily="34" charset="0"/>
+              </a:rPr>
+              <a:t>Тествайте в </a:t>
+            </a:r>
+            <a:r>
+              <a:rPr lang="en-US" b="0" i="0" u="none" strike="noStrike" baseline="0" dirty="0">
+                <a:latin typeface="Calibri" panose="020F0502020204030204" pitchFamily="34" charset="0"/>
+              </a:rPr>
+              <a:t>Judge:</a:t>
+            </a:r>
+            <a:r>
+              <a:rPr lang="bg-BG" b="0" i="0" u="none" strike="noStrike" baseline="0" dirty="0">
+                <a:latin typeface="Calibri" panose="020F0502020204030204" pitchFamily="34" charset="0"/>
+              </a:rPr>
+              <a:t> </a:t>
+            </a:r>
+            <a:r>
+              <a:rPr lang="bg-BG" u="sng" dirty="0">
+                <a:solidFill>
+                  <a:srgbClr val="0563C1"/>
+                </a:solidFill>
+                <a:effectLst/>
+                <a:latin typeface="Calibri" panose="020F0502020204030204" pitchFamily="34" charset="0"/>
+                <a:ea typeface="Calibri" panose="020F0502020204030204" pitchFamily="34" charset="0"/>
+                <a:cs typeface="Times New Roman" panose="02020603050405020304" pitchFamily="18" charset="0"/>
+                <a:hlinkClick r:id="rId2"/>
+              </a:rPr>
+              <a:t>https://judge.softuni.bg/Contests/2639/Чертане-с-повторения</a:t>
+            </a:r>
+            <a:endParaRPr lang="en-US" dirty="0"/>
           </a:p>
         </p:txBody>
       </p:sp>
@@ -13362,7 +13551,7 @@
         </p:nvSpPr>
         <p:spPr bwMode="auto">
           <a:xfrm>
-            <a:off x="622414" y="1194036"/>
+            <a:off x="622414" y="1139267"/>
             <a:ext cx="10943998" cy="5173312"/>
           </a:xfrm>
           <a:prstGeom prst="rect">
@@ -13990,6 +14179,69 @@
                 </a:prstClr>
               </a:solidFill>
             </a:endParaRPr>
+          </a:p>
+        </p:txBody>
+      </p:sp>
+      <p:sp>
+        <p:nvSpPr>
+          <p:cNvPr id="4" name="Текстово поле 3">
+            <a:extLst>
+              <a:ext uri="{FF2B5EF4-FFF2-40B4-BE49-F238E27FC236}">
+                <a16:creationId xmlns:a16="http://schemas.microsoft.com/office/drawing/2014/main" id="{B38C6188-C050-46B0-99FA-66F8978B95A6}"/>
+              </a:ext>
+            </a:extLst>
+          </p:cNvPr>
+          <p:cNvSpPr txBox="1"/>
+          <p:nvPr/>
+        </p:nvSpPr>
+        <p:spPr>
+          <a:xfrm>
+            <a:off x="833427" y="6347388"/>
+            <a:ext cx="10515598" cy="461665"/>
+          </a:xfrm>
+          <a:prstGeom prst="rect">
+            <a:avLst/>
+          </a:prstGeom>
+          <a:noFill/>
+        </p:spPr>
+        <p:txBody>
+          <a:bodyPr wrap="square" rtlCol="0">
+            <a:spAutoFit/>
+          </a:bodyPr>
+          <a:lstStyle/>
+          <a:p>
+            <a:r>
+              <a:rPr lang="ru-RU" b="0" i="0" u="none" strike="noStrike" baseline="0" dirty="0">
+                <a:latin typeface="Calibri" panose="020F0502020204030204" pitchFamily="34" charset="0"/>
+              </a:rPr>
+              <a:t>Тествайте в </a:t>
+            </a:r>
+            <a:r>
+              <a:rPr lang="en-US" b="0" i="0" u="none" strike="noStrike" baseline="0" dirty="0">
+                <a:latin typeface="Calibri" panose="020F0502020204030204" pitchFamily="34" charset="0"/>
+              </a:rPr>
+              <a:t>Judge:</a:t>
+            </a:r>
+            <a:r>
+              <a:rPr lang="bg-BG" b="0" i="0" u="none" strike="noStrike" baseline="0" dirty="0">
+                <a:latin typeface="Calibri" panose="020F0502020204030204" pitchFamily="34" charset="0"/>
+              </a:rPr>
+              <a:t> </a:t>
+            </a:r>
+            <a:r>
+              <a:rPr lang="bg-BG" u="sng" dirty="0">
+                <a:solidFill>
+                  <a:srgbClr val="0563C1"/>
+                </a:solidFill>
+                <a:effectLst/>
+                <a:latin typeface="Calibri" panose="020F0502020204030204" pitchFamily="34" charset="0"/>
+                <a:ea typeface="Calibri" panose="020F0502020204030204" pitchFamily="34" charset="0"/>
+                <a:cs typeface="Times New Roman" panose="02020603050405020304" pitchFamily="18" charset="0"/>
+                <a:hlinkClick r:id="rId2"/>
+              </a:rPr>
+              <a:t>https://judge.softuni.bg/Contests/2639/Чертане-с-повторения</a:t>
+            </a:r>
+            <a:endParaRPr lang="en-US" dirty="0"/>
           </a:p>
         </p:txBody>
       </p:sp>
@@ -17388,7 +17640,7 @@
         </p:nvSpPr>
         <p:spPr bwMode="auto">
           <a:xfrm>
-            <a:off x="760414" y="1143000"/>
+            <a:off x="757227" y="990600"/>
             <a:ext cx="10667998" cy="5388756"/>
           </a:xfrm>
           <a:prstGeom prst="rect">
@@ -18488,6 +18740,69 @@
                 </a:prstClr>
               </a:solidFill>
             </a:endParaRPr>
+          </a:p>
+        </p:txBody>
+      </p:sp>
+      <p:sp>
+        <p:nvSpPr>
+          <p:cNvPr id="4" name="Текстово поле 3">
+            <a:extLst>
+              <a:ext uri="{FF2B5EF4-FFF2-40B4-BE49-F238E27FC236}">
+                <a16:creationId xmlns:a16="http://schemas.microsoft.com/office/drawing/2014/main" id="{67D4B3D8-3EB4-4885-BEC8-A08DC7AEC09D}"/>
+              </a:ext>
+            </a:extLst>
+          </p:cNvPr>
+          <p:cNvSpPr txBox="1"/>
+          <p:nvPr/>
+        </p:nvSpPr>
+        <p:spPr>
+          <a:xfrm>
+            <a:off x="833427" y="6379356"/>
+            <a:ext cx="10515598" cy="461665"/>
+          </a:xfrm>
+          <a:prstGeom prst="rect">
+            <a:avLst/>
+          </a:prstGeom>
+          <a:noFill/>
+        </p:spPr>
+        <p:txBody>
+          <a:bodyPr wrap="square" rtlCol="0">
+            <a:spAutoFit/>
+          </a:bodyPr>
+          <a:lstStyle/>
+          <a:p>
+            <a:r>
+              <a:rPr lang="ru-RU" b="0" i="0" u="none" strike="noStrike" baseline="0" dirty="0">
+                <a:latin typeface="Calibri" panose="020F0502020204030204" pitchFamily="34" charset="0"/>
+              </a:rPr>
+              <a:t>Тествайте в </a:t>
+            </a:r>
+            <a:r>
+              <a:rPr lang="en-US" b="0" i="0" u="none" strike="noStrike" baseline="0" dirty="0">
+                <a:latin typeface="Calibri" panose="020F0502020204030204" pitchFamily="34" charset="0"/>
+              </a:rPr>
+              <a:t>Judge:</a:t>
+            </a:r>
+            <a:r>
+              <a:rPr lang="bg-BG" b="0" i="0" u="none" strike="noStrike" baseline="0" dirty="0">
+                <a:latin typeface="Calibri" panose="020F0502020204030204" pitchFamily="34" charset="0"/>
+              </a:rPr>
+              <a:t> </a:t>
+            </a:r>
+            <a:r>
+              <a:rPr lang="bg-BG" u="sng" dirty="0">
+                <a:solidFill>
+                  <a:srgbClr val="0563C1"/>
+                </a:solidFill>
+                <a:effectLst/>
+                <a:latin typeface="Calibri" panose="020F0502020204030204" pitchFamily="34" charset="0"/>
+                <a:ea typeface="Calibri" panose="020F0502020204030204" pitchFamily="34" charset="0"/>
+                <a:cs typeface="Times New Roman" panose="02020603050405020304" pitchFamily="18" charset="0"/>
+                <a:hlinkClick r:id="rId2"/>
+              </a:rPr>
+              <a:t>https://judge.softuni.bg/Contests/2639/Чертане-с-повторения</a:t>
+            </a:r>
+            <a:endParaRPr lang="en-US" dirty="0"/>
           </a:p>
         </p:txBody>
       </p:sp>
@@ -21604,6 +21919,69 @@
           </a:p>
         </p:txBody>
       </p:sp>
+      <p:sp>
+        <p:nvSpPr>
+          <p:cNvPr id="2" name="Текстово поле 1">
+            <a:extLst>
+              <a:ext uri="{FF2B5EF4-FFF2-40B4-BE49-F238E27FC236}">
+                <a16:creationId xmlns:a16="http://schemas.microsoft.com/office/drawing/2014/main" id="{6E158D8B-4183-4C73-971B-3010D58CBEB2}"/>
+              </a:ext>
+            </a:extLst>
+          </p:cNvPr>
+          <p:cNvSpPr txBox="1"/>
+          <p:nvPr/>
+        </p:nvSpPr>
+        <p:spPr>
+          <a:xfrm>
+            <a:off x="836614" y="6090710"/>
+            <a:ext cx="10515598" cy="461665"/>
+          </a:xfrm>
+          <a:prstGeom prst="rect">
+            <a:avLst/>
+          </a:prstGeom>
+          <a:noFill/>
+        </p:spPr>
+        <p:txBody>
+          <a:bodyPr wrap="square" rtlCol="0">
+            <a:spAutoFit/>
+          </a:bodyPr>
+          <a:lstStyle/>
+          <a:p>
+            <a:r>
+              <a:rPr lang="ru-RU" b="0" i="0" u="none" strike="noStrike" baseline="0" dirty="0">
+                <a:latin typeface="Calibri" panose="020F0502020204030204" pitchFamily="34" charset="0"/>
+              </a:rPr>
+              <a:t>Тествайте в </a:t>
+            </a:r>
+            <a:r>
+              <a:rPr lang="en-US" b="0" i="0" u="none" strike="noStrike" baseline="0" dirty="0">
+                <a:latin typeface="Calibri" panose="020F0502020204030204" pitchFamily="34" charset="0"/>
+              </a:rPr>
+              <a:t>Judge:</a:t>
+            </a:r>
+            <a:r>
+              <a:rPr lang="bg-BG" b="0" i="0" u="none" strike="noStrike" baseline="0" dirty="0">
+                <a:latin typeface="Calibri" panose="020F0502020204030204" pitchFamily="34" charset="0"/>
+              </a:rPr>
+              <a:t> </a:t>
+            </a:r>
+            <a:r>
+              <a:rPr lang="bg-BG" u="sng" dirty="0">
+                <a:solidFill>
+                  <a:srgbClr val="0563C1"/>
+                </a:solidFill>
+                <a:effectLst/>
+                <a:latin typeface="Calibri" panose="020F0502020204030204" pitchFamily="34" charset="0"/>
+                <a:ea typeface="Calibri" panose="020F0502020204030204" pitchFamily="34" charset="0"/>
+                <a:cs typeface="Times New Roman" panose="02020603050405020304" pitchFamily="18" charset="0"/>
+                <a:hlinkClick r:id="rId3"/>
+              </a:rPr>
+              <a:t>https://judge.softuni.bg/Contests/2639/Чертане-с-повторения</a:t>
+            </a:r>
+            <a:endParaRPr lang="en-US" dirty="0"/>
+          </a:p>
+        </p:txBody>
+      </p:sp>
     </p:spTree>
     <p:extLst>
       <p:ext uri="{BB962C8B-B14F-4D97-AF65-F5344CB8AC3E}">
@@ -22231,6 +22609,69 @@
                 </a:prstClr>
               </a:solidFill>
             </a:endParaRPr>
+          </a:p>
+        </p:txBody>
+      </p:sp>
+      <p:sp>
+        <p:nvSpPr>
+          <p:cNvPr id="6" name="Текстово поле 5">
+            <a:extLst>
+              <a:ext uri="{FF2B5EF4-FFF2-40B4-BE49-F238E27FC236}">
+                <a16:creationId xmlns:a16="http://schemas.microsoft.com/office/drawing/2014/main" id="{A5571851-CA5E-4C6D-878A-CE59A926BCBF}"/>
+              </a:ext>
+            </a:extLst>
+          </p:cNvPr>
+          <p:cNvSpPr txBox="1"/>
+          <p:nvPr/>
+        </p:nvSpPr>
+        <p:spPr>
+          <a:xfrm>
+            <a:off x="833427" y="5994209"/>
+            <a:ext cx="10515598" cy="461665"/>
+          </a:xfrm>
+          <a:prstGeom prst="rect">
+            <a:avLst/>
+          </a:prstGeom>
+          <a:noFill/>
+        </p:spPr>
+        <p:txBody>
+          <a:bodyPr wrap="square" rtlCol="0">
+            <a:spAutoFit/>
+          </a:bodyPr>
+          <a:lstStyle/>
+          <a:p>
+            <a:r>
+              <a:rPr lang="ru-RU" b="0" i="0" u="none" strike="noStrike" baseline="0" dirty="0">
+                <a:latin typeface="Calibri" panose="020F0502020204030204" pitchFamily="34" charset="0"/>
+              </a:rPr>
+              <a:t>Тествайте в </a:t>
+            </a:r>
+            <a:r>
+              <a:rPr lang="en-US" b="0" i="0" u="none" strike="noStrike" baseline="0" dirty="0">
+                <a:latin typeface="Calibri" panose="020F0502020204030204" pitchFamily="34" charset="0"/>
+              </a:rPr>
+              <a:t>Judge:</a:t>
+            </a:r>
+            <a:r>
+              <a:rPr lang="bg-BG" b="0" i="0" u="none" strike="noStrike" baseline="0" dirty="0">
+                <a:latin typeface="Calibri" panose="020F0502020204030204" pitchFamily="34" charset="0"/>
+              </a:rPr>
+              <a:t> </a:t>
+            </a:r>
+            <a:r>
+              <a:rPr lang="bg-BG" u="sng" dirty="0">
+                <a:solidFill>
+                  <a:srgbClr val="0563C1"/>
+                </a:solidFill>
+                <a:effectLst/>
+                <a:latin typeface="Calibri" panose="020F0502020204030204" pitchFamily="34" charset="0"/>
+                <a:ea typeface="Calibri" panose="020F0502020204030204" pitchFamily="34" charset="0"/>
+                <a:cs typeface="Times New Roman" panose="02020603050405020304" pitchFamily="18" charset="0"/>
+                <a:hlinkClick r:id="rId3"/>
+              </a:rPr>
+              <a:t>https://judge.softuni.bg/Contests/2639/Чертане-с-повторения</a:t>
+            </a:r>
+            <a:endParaRPr lang="en-US" dirty="0"/>
           </a:p>
         </p:txBody>
       </p:sp>
@@ -24304,6 +24745,69 @@
           </a:p>
         </p:txBody>
       </p:sp>
+      <p:sp>
+        <p:nvSpPr>
+          <p:cNvPr id="3" name="Текстово поле 2">
+            <a:extLst>
+              <a:ext uri="{FF2B5EF4-FFF2-40B4-BE49-F238E27FC236}">
+                <a16:creationId xmlns:a16="http://schemas.microsoft.com/office/drawing/2014/main" id="{1C60CB45-4D6F-4A68-8579-BE5EEDEC812B}"/>
+              </a:ext>
+            </a:extLst>
+          </p:cNvPr>
+          <p:cNvSpPr txBox="1"/>
+          <p:nvPr/>
+        </p:nvSpPr>
+        <p:spPr>
+          <a:xfrm>
+            <a:off x="836614" y="6090710"/>
+            <a:ext cx="10515598" cy="461665"/>
+          </a:xfrm>
+          <a:prstGeom prst="rect">
+            <a:avLst/>
+          </a:prstGeom>
+          <a:noFill/>
+        </p:spPr>
+        <p:txBody>
+          <a:bodyPr wrap="square" rtlCol="0">
+            <a:spAutoFit/>
+          </a:bodyPr>
+          <a:lstStyle/>
+          <a:p>
+            <a:r>
+              <a:rPr lang="ru-RU" b="0" i="0" u="none" strike="noStrike" baseline="0" dirty="0">
+                <a:latin typeface="Calibri" panose="020F0502020204030204" pitchFamily="34" charset="0"/>
+              </a:rPr>
+              <a:t>Тествайте в </a:t>
+            </a:r>
+            <a:r>
+              <a:rPr lang="en-US" b="0" i="0" u="none" strike="noStrike" baseline="0" dirty="0">
+                <a:latin typeface="Calibri" panose="020F0502020204030204" pitchFamily="34" charset="0"/>
+              </a:rPr>
+              <a:t>Judge:</a:t>
+            </a:r>
+            <a:r>
+              <a:rPr lang="bg-BG" b="0" i="0" u="none" strike="noStrike" baseline="0" dirty="0">
+                <a:latin typeface="Calibri" panose="020F0502020204030204" pitchFamily="34" charset="0"/>
+              </a:rPr>
+              <a:t> </a:t>
+            </a:r>
+            <a:r>
+              <a:rPr lang="bg-BG" u="sng" dirty="0">
+                <a:solidFill>
+                  <a:srgbClr val="0563C1"/>
+                </a:solidFill>
+                <a:effectLst/>
+                <a:latin typeface="Calibri" panose="020F0502020204030204" pitchFamily="34" charset="0"/>
+                <a:ea typeface="Calibri" panose="020F0502020204030204" pitchFamily="34" charset="0"/>
+                <a:cs typeface="Times New Roman" panose="02020603050405020304" pitchFamily="18" charset="0"/>
+                <a:hlinkClick r:id="rId3"/>
+              </a:rPr>
+              <a:t>https://judge.softuni.bg/Contests/2639/Чертане-с-повторения</a:t>
+            </a:r>
+            <a:endParaRPr lang="en-US" dirty="0"/>
+          </a:p>
+        </p:txBody>
+      </p:sp>
     </p:spTree>
     <p:extLst>
       <p:ext uri="{BB962C8B-B14F-4D97-AF65-F5344CB8AC3E}">
@@ -25392,6 +25896,69 @@
                 </a:prstClr>
               </a:solidFill>
             </a:endParaRPr>
+          </a:p>
+        </p:txBody>
+      </p:sp>
+      <p:sp>
+        <p:nvSpPr>
+          <p:cNvPr id="11" name="Текстово поле 10">
+            <a:extLst>
+              <a:ext uri="{FF2B5EF4-FFF2-40B4-BE49-F238E27FC236}">
+                <a16:creationId xmlns:a16="http://schemas.microsoft.com/office/drawing/2014/main" id="{4C58EB5B-C848-436E-A272-4EF9263CF269}"/>
+              </a:ext>
+            </a:extLst>
+          </p:cNvPr>
+          <p:cNvSpPr txBox="1"/>
+          <p:nvPr/>
+        </p:nvSpPr>
+        <p:spPr>
+          <a:xfrm>
+            <a:off x="836614" y="6090710"/>
+            <a:ext cx="10515598" cy="461665"/>
+          </a:xfrm>
+          <a:prstGeom prst="rect">
+            <a:avLst/>
+          </a:prstGeom>
+          <a:noFill/>
+        </p:spPr>
+        <p:txBody>
+          <a:bodyPr wrap="square" rtlCol="0">
+            <a:spAutoFit/>
+          </a:bodyPr>
+          <a:lstStyle/>
+          <a:p>
+            <a:r>
+              <a:rPr lang="ru-RU" b="0" i="0" u="none" strike="noStrike" baseline="0" dirty="0">
+                <a:latin typeface="Calibri" panose="020F0502020204030204" pitchFamily="34" charset="0"/>
+              </a:rPr>
+              <a:t>Тествайте в </a:t>
+            </a:r>
+            <a:r>
+              <a:rPr lang="en-US" b="0" i="0" u="none" strike="noStrike" baseline="0" dirty="0">
+                <a:latin typeface="Calibri" panose="020F0502020204030204" pitchFamily="34" charset="0"/>
+              </a:rPr>
+              <a:t>Judge:</a:t>
+            </a:r>
+            <a:r>
+              <a:rPr lang="bg-BG" b="0" i="0" u="none" strike="noStrike" baseline="0" dirty="0">
+                <a:latin typeface="Calibri" panose="020F0502020204030204" pitchFamily="34" charset="0"/>
+              </a:rPr>
+              <a:t> </a:t>
+            </a:r>
+            <a:r>
+              <a:rPr lang="bg-BG" u="sng" dirty="0">
+                <a:solidFill>
+                  <a:srgbClr val="0563C1"/>
+                </a:solidFill>
+                <a:effectLst/>
+                <a:latin typeface="Calibri" panose="020F0502020204030204" pitchFamily="34" charset="0"/>
+                <a:ea typeface="Calibri" panose="020F0502020204030204" pitchFamily="34" charset="0"/>
+                <a:cs typeface="Times New Roman" panose="02020603050405020304" pitchFamily="18" charset="0"/>
+                <a:hlinkClick r:id="rId2"/>
+              </a:rPr>
+              <a:t>https://judge.softuni.bg/Contests/2639/Чертане-с-повторения</a:t>
+            </a:r>
+            <a:endParaRPr lang="en-US" dirty="0"/>
           </a:p>
         </p:txBody>
       </p:sp>
@@ -26302,6 +26869,69 @@
                 </a:prstClr>
               </a:solidFill>
             </a:endParaRPr>
+          </a:p>
+        </p:txBody>
+      </p:sp>
+      <p:sp>
+        <p:nvSpPr>
+          <p:cNvPr id="11" name="Текстово поле 10">
+            <a:extLst>
+              <a:ext uri="{FF2B5EF4-FFF2-40B4-BE49-F238E27FC236}">
+                <a16:creationId xmlns:a16="http://schemas.microsoft.com/office/drawing/2014/main" id="{18CC4D64-5988-4968-B5B0-417A3617FB1C}"/>
+              </a:ext>
+            </a:extLst>
+          </p:cNvPr>
+          <p:cNvSpPr txBox="1"/>
+          <p:nvPr/>
+        </p:nvSpPr>
+        <p:spPr>
+          <a:xfrm>
+            <a:off x="836614" y="6090710"/>
+            <a:ext cx="10515598" cy="461665"/>
+          </a:xfrm>
+          <a:prstGeom prst="rect">
+            <a:avLst/>
+          </a:prstGeom>
+          <a:noFill/>
+        </p:spPr>
+        <p:txBody>
+          <a:bodyPr wrap="square" rtlCol="0">
+            <a:spAutoFit/>
+          </a:bodyPr>
+          <a:lstStyle/>
+          <a:p>
+            <a:r>
+              <a:rPr lang="ru-RU" b="0" i="0" u="none" strike="noStrike" baseline="0" dirty="0">
+                <a:latin typeface="Calibri" panose="020F0502020204030204" pitchFamily="34" charset="0"/>
+              </a:rPr>
+              <a:t>Тествайте в </a:t>
+            </a:r>
+            <a:r>
+              <a:rPr lang="en-US" b="0" i="0" u="none" strike="noStrike" baseline="0" dirty="0">
+                <a:latin typeface="Calibri" panose="020F0502020204030204" pitchFamily="34" charset="0"/>
+              </a:rPr>
+              <a:t>Judge:</a:t>
+            </a:r>
+            <a:r>
+              <a:rPr lang="bg-BG" b="0" i="0" u="none" strike="noStrike" baseline="0" dirty="0">
+                <a:latin typeface="Calibri" panose="020F0502020204030204" pitchFamily="34" charset="0"/>
+              </a:rPr>
+              <a:t> </a:t>
+            </a:r>
+            <a:r>
+              <a:rPr lang="bg-BG" u="sng" dirty="0">
+                <a:solidFill>
+                  <a:srgbClr val="0563C1"/>
+                </a:solidFill>
+                <a:effectLst/>
+                <a:latin typeface="Calibri" panose="020F0502020204030204" pitchFamily="34" charset="0"/>
+                <a:ea typeface="Calibri" panose="020F0502020204030204" pitchFamily="34" charset="0"/>
+                <a:cs typeface="Times New Roman" panose="02020603050405020304" pitchFamily="18" charset="0"/>
+                <a:hlinkClick r:id="rId2"/>
+              </a:rPr>
+              <a:t>https://judge.softuni.bg/Contests/2639/Чертане-с-повторения</a:t>
+            </a:r>
+            <a:endParaRPr lang="en-US" dirty="0"/>
           </a:p>
         </p:txBody>
       </p:sp>

--- a/Courses/Applied-Programmer/Programming-Basics/04-Повторения/10.Чертане-с-повторения.pptx
+++ b/Courses/Applied-Programmer/Programming-Basics/04-Повторения/10.Чертане-с-повторения.pptx
@@ -323,7 +323,7 @@
             <a:fld id="{FE5B4EDC-59C0-49C7-8ADA-5A781B329E02}" type="datetimeFigureOut">
               <a:rPr lang="en-US"/>
               <a:pPr/>
-              <a:t>09-Nov-20</a:t>
+              <a:t>11-Nov-20</a:t>
             </a:fld>
             <a:endParaRPr dirty="0"/>
           </a:p>
@@ -621,7 +621,7 @@
             <a:fld id="{F2D8D46A-B586-417D-BFBD-8C8FE0AAF762}" type="datetimeFigureOut">
               <a:rPr lang="en-US" smtClean="0"/>
               <a:pPr/>
-              <a:t>09-Nov-20</a:t>
+              <a:t>11-Nov-20</a:t>
             </a:fld>
             <a:endParaRPr lang="en-US" dirty="0"/>
           </a:p>
@@ -4455,7 +4455,7 @@
         </p:blipFill>
         <p:spPr bwMode="auto">
           <a:xfrm>
-            <a:off x="745783" y="4076772"/>
+            <a:off x="760441" y="4377200"/>
             <a:ext cx="2175525" cy="761165"/>
           </a:xfrm>
           <a:prstGeom prst="roundRect">
@@ -4494,7 +4494,7 @@
         </p:nvSpPr>
         <p:spPr bwMode="auto">
           <a:xfrm>
-            <a:off x="760413" y="4998598"/>
+            <a:off x="699987" y="5188668"/>
             <a:ext cx="3187614" cy="444343"/>
           </a:xfrm>
           <a:prstGeom prst="rect">
@@ -4729,7 +4729,7 @@
               <a:t>Учителски</a:t>
             </a:r>
             <a:r>
-              <a:rPr lang="bg-BG"/>
+              <a:rPr lang="bg-BG" dirty="0"/>
               <a:t> екип</a:t>
             </a:r>
           </a:p>
@@ -4751,7 +4751,7 @@
         </p:nvSpPr>
         <p:spPr bwMode="auto">
           <a:xfrm>
-            <a:off x="760412" y="5403725"/>
+            <a:off x="689098" y="5562443"/>
             <a:ext cx="3187613" cy="382788"/>
           </a:xfrm>
           <a:prstGeom prst="rect">
@@ -4985,7 +4985,7 @@
           </a:lstStyle>
           <a:p>
             <a:r>
-              <a:rPr lang="bg-BG"/>
+              <a:rPr lang="bg-BG" dirty="0"/>
               <a:t>Обучение за ИТ кариера</a:t>
             </a:r>
           </a:p>
@@ -5007,7 +5007,7 @@
         </p:nvSpPr>
         <p:spPr bwMode="auto">
           <a:xfrm>
-            <a:off x="760412" y="5690893"/>
+            <a:off x="691426" y="5913174"/>
             <a:ext cx="3810000" cy="458462"/>
           </a:xfrm>
           <a:prstGeom prst="rect">
@@ -5238,12 +5238,12 @@
           </a:lstStyle>
           <a:p>
             <a:r>
-              <a:rPr lang="en-GB">
+              <a:rPr lang="en-GB" dirty="0">
                 <a:hlinkClick r:id="rId7"/>
               </a:rPr>
               <a:t>https://it-kariera.mon.bg/e-learning/</a:t>
             </a:r>
-            <a:endParaRPr lang="en-GB"/>
+            <a:endParaRPr lang="en-GB" dirty="0"/>
           </a:p>
         </p:txBody>
       </p:sp>
@@ -5387,6 +5387,138 @@
           </a:prstGeom>
         </p:spPr>
       </p:pic>
+      <p:sp>
+        <p:nvSpPr>
+          <p:cNvPr id="13" name="Текстово поле 1">
+            <a:extLst>
+              <a:ext uri="{FF2B5EF4-FFF2-40B4-BE49-F238E27FC236}">
+                <a16:creationId xmlns:a16="http://schemas.microsoft.com/office/drawing/2014/main" id="{B398007E-9BC4-479A-87BF-1B270134F51F}"/>
+              </a:ext>
+            </a:extLst>
+          </p:cNvPr>
+          <p:cNvSpPr txBox="1"/>
+          <p:nvPr/>
+        </p:nvSpPr>
+        <p:spPr>
+          <a:xfrm>
+            <a:off x="643676" y="6345021"/>
+            <a:ext cx="11216029" cy="369332"/>
+          </a:xfrm>
+          <a:prstGeom prst="rect">
+            <a:avLst/>
+          </a:prstGeom>
+          <a:noFill/>
+        </p:spPr>
+        <p:txBody>
+          <a:bodyPr wrap="square" rtlCol="0">
+            <a:spAutoFit/>
+          </a:bodyPr>
+          <a:lstStyle>
+            <a:defPPr>
+              <a:defRPr lang="en-US"/>
+            </a:defPPr>
+            <a:lvl1pPr marL="0" algn="l" defTabSz="1218987" rtl="0" eaLnBrk="1" latinLnBrk="0" hangingPunct="1">
+              <a:defRPr sz="2400" kern="1200">
+                <a:solidFill>
+                  <a:schemeClr val="tx1"/>
+                </a:solidFill>
+                <a:latin typeface="+mn-lt"/>
+                <a:ea typeface="+mn-ea"/>
+                <a:cs typeface="+mn-cs"/>
+              </a:defRPr>
+            </a:lvl1pPr>
+            <a:lvl2pPr marL="609493" algn="l" defTabSz="1218987" rtl="0" eaLnBrk="1" latinLnBrk="0" hangingPunct="1">
+              <a:defRPr sz="2400" kern="1200">
+                <a:solidFill>
+                  <a:schemeClr val="tx1"/>
+                </a:solidFill>
+                <a:latin typeface="+mn-lt"/>
+                <a:ea typeface="+mn-ea"/>
+                <a:cs typeface="+mn-cs"/>
+              </a:defRPr>
+            </a:lvl2pPr>
+            <a:lvl3pPr marL="1218987" algn="l" defTabSz="1218987" rtl="0" eaLnBrk="1" latinLnBrk="0" hangingPunct="1">
+              <a:defRPr sz="2400" kern="1200">
+                <a:solidFill>
+                  <a:schemeClr val="tx1"/>
+                </a:solidFill>
+                <a:latin typeface="+mn-lt"/>
+                <a:ea typeface="+mn-ea"/>
+                <a:cs typeface="+mn-cs"/>
+              </a:defRPr>
+            </a:lvl3pPr>
+            <a:lvl4pPr marL="1828480" algn="l" defTabSz="1218987" rtl="0" eaLnBrk="1" latinLnBrk="0" hangingPunct="1">
+              <a:defRPr sz="2400" kern="1200">
+                <a:solidFill>
+                  <a:schemeClr val="tx1"/>
+                </a:solidFill>
+                <a:latin typeface="+mn-lt"/>
+                <a:ea typeface="+mn-ea"/>
+                <a:cs typeface="+mn-cs"/>
+              </a:defRPr>
+            </a:lvl4pPr>
+            <a:lvl5pPr marL="2437973" algn="l" defTabSz="1218987" rtl="0" eaLnBrk="1" latinLnBrk="0" hangingPunct="1">
+              <a:defRPr sz="2400" kern="1200">
+                <a:solidFill>
+                  <a:schemeClr val="tx1"/>
+                </a:solidFill>
+                <a:latin typeface="+mn-lt"/>
+                <a:ea typeface="+mn-ea"/>
+                <a:cs typeface="+mn-cs"/>
+              </a:defRPr>
+            </a:lvl5pPr>
+            <a:lvl6pPr marL="3047467" algn="l" defTabSz="1218987" rtl="0" eaLnBrk="1" latinLnBrk="0" hangingPunct="1">
+              <a:defRPr sz="2400" kern="1200">
+                <a:solidFill>
+                  <a:schemeClr val="tx1"/>
+                </a:solidFill>
+                <a:latin typeface="+mn-lt"/>
+                <a:ea typeface="+mn-ea"/>
+                <a:cs typeface="+mn-cs"/>
+              </a:defRPr>
+            </a:lvl6pPr>
+            <a:lvl7pPr marL="3656960" algn="l" defTabSz="1218987" rtl="0" eaLnBrk="1" latinLnBrk="0" hangingPunct="1">
+              <a:defRPr sz="2400" kern="1200">
+                <a:solidFill>
+                  <a:schemeClr val="tx1"/>
+                </a:solidFill>
+                <a:latin typeface="+mn-lt"/>
+                <a:ea typeface="+mn-ea"/>
+                <a:cs typeface="+mn-cs"/>
+              </a:defRPr>
+            </a:lvl7pPr>
+            <a:lvl8pPr marL="4266453" algn="l" defTabSz="1218987" rtl="0" eaLnBrk="1" latinLnBrk="0" hangingPunct="1">
+              <a:defRPr sz="2400" kern="1200">
+                <a:solidFill>
+                  <a:schemeClr val="tx1"/>
+                </a:solidFill>
+                <a:latin typeface="+mn-lt"/>
+                <a:ea typeface="+mn-ea"/>
+                <a:cs typeface="+mn-cs"/>
+              </a:defRPr>
+            </a:lvl8pPr>
+            <a:lvl9pPr marL="4875947" algn="l" defTabSz="1218987" rtl="0" eaLnBrk="1" latinLnBrk="0" hangingPunct="1">
+              <a:defRPr sz="2400" kern="1200">
+                <a:solidFill>
+                  <a:schemeClr val="tx1"/>
+                </a:solidFill>
+                <a:latin typeface="+mn-lt"/>
+                <a:ea typeface="+mn-ea"/>
+                <a:cs typeface="+mn-cs"/>
+              </a:defRPr>
+            </a:lvl9pPr>
+          </a:lstStyle>
+          <a:p>
+            <a:r>
+              <a:rPr lang="en-US" sz="1800" b="1" dirty="0">
+                <a:hlinkClick r:id="rId9"/>
+              </a:rPr>
+              <a:t>https://github.com/BG-IT-Edu/School-Programming/tree/main/Courses/Applied-Programmer/Programming-Basics</a:t>
+            </a:r>
+            <a:endParaRPr lang="bg-BG" sz="1800" b="1" dirty="0"/>
+          </a:p>
+        </p:txBody>
+      </p:sp>
     </p:spTree>
     <p:extLst>
       <p:ext uri="{BB962C8B-B14F-4D97-AF65-F5344CB8AC3E}">
@@ -6330,6 +6462,632 @@
   <p:clrMapOvr>
     <a:masterClrMapping/>
   </p:clrMapOvr>
+  <p:timing>
+    <p:tnLst>
+      <p:par>
+        <p:cTn id="1" dur="indefinite" restart="never" nodeType="tmRoot">
+          <p:childTnLst>
+            <p:seq concurrent="1" nextAc="seek">
+              <p:cTn id="2" dur="indefinite" nodeType="mainSeq">
+                <p:childTnLst>
+                  <p:par>
+                    <p:cTn id="3" fill="hold">
+                      <p:stCondLst>
+                        <p:cond delay="indefinite"/>
+                      </p:stCondLst>
+                      <p:childTnLst>
+                        <p:par>
+                          <p:cTn id="4" fill="hold">
+                            <p:stCondLst>
+                              <p:cond delay="0"/>
+                            </p:stCondLst>
+                            <p:childTnLst>
+                              <p:par>
+                                <p:cTn id="5" presetID="1" presetClass="entr" presetSubtype="0" fill="hold" grpId="0" nodeType="clickEffect">
+                                  <p:stCondLst>
+                                    <p:cond delay="0"/>
+                                  </p:stCondLst>
+                                  <p:childTnLst>
+                                    <p:set>
+                                      <p:cBhvr>
+                                        <p:cTn id="6" dur="1" fill="hold">
+                                          <p:stCondLst>
+                                            <p:cond delay="0"/>
+                                          </p:stCondLst>
+                                        </p:cTn>
+                                        <p:tgtEl>
+                                          <p:spTgt spid="7"/>
+                                        </p:tgtEl>
+                                        <p:attrNameLst>
+                                          <p:attrName>style.visibility</p:attrName>
+                                        </p:attrNameLst>
+                                      </p:cBhvr>
+                                      <p:to>
+                                        <p:strVal val="visible"/>
+                                      </p:to>
+                                    </p:set>
+                                  </p:childTnLst>
+                                </p:cTn>
+                              </p:par>
+                              <p:par>
+                                <p:cTn id="7" presetID="1" presetClass="entr" presetSubtype="0" fill="hold" grpId="0" nodeType="withEffect">
+                                  <p:stCondLst>
+                                    <p:cond delay="0"/>
+                                  </p:stCondLst>
+                                  <p:childTnLst>
+                                    <p:set>
+                                      <p:cBhvr>
+                                        <p:cTn id="8" dur="1" fill="hold">
+                                          <p:stCondLst>
+                                            <p:cond delay="0"/>
+                                          </p:stCondLst>
+                                        </p:cTn>
+                                        <p:tgtEl>
+                                          <p:spTgt spid="8"/>
+                                        </p:tgtEl>
+                                        <p:attrNameLst>
+                                          <p:attrName>style.visibility</p:attrName>
+                                        </p:attrNameLst>
+                                      </p:cBhvr>
+                                      <p:to>
+                                        <p:strVal val="visible"/>
+                                      </p:to>
+                                    </p:set>
+                                  </p:childTnLst>
+                                </p:cTn>
+                              </p:par>
+                              <p:par>
+                                <p:cTn id="9" presetID="1" presetClass="entr" presetSubtype="0" fill="hold" grpId="0" nodeType="withEffect">
+                                  <p:stCondLst>
+                                    <p:cond delay="0"/>
+                                  </p:stCondLst>
+                                  <p:childTnLst>
+                                    <p:set>
+                                      <p:cBhvr>
+                                        <p:cTn id="10" dur="1" fill="hold">
+                                          <p:stCondLst>
+                                            <p:cond delay="0"/>
+                                          </p:stCondLst>
+                                        </p:cTn>
+                                        <p:tgtEl>
+                                          <p:spTgt spid="6"/>
+                                        </p:tgtEl>
+                                        <p:attrNameLst>
+                                          <p:attrName>style.visibility</p:attrName>
+                                        </p:attrNameLst>
+                                      </p:cBhvr>
+                                      <p:to>
+                                        <p:strVal val="visible"/>
+                                      </p:to>
+                                    </p:set>
+                                  </p:childTnLst>
+                                </p:cTn>
+                              </p:par>
+                            </p:childTnLst>
+                          </p:cTn>
+                        </p:par>
+                      </p:childTnLst>
+                    </p:cTn>
+                  </p:par>
+                  <p:par>
+                    <p:cTn id="11" fill="hold">
+                      <p:stCondLst>
+                        <p:cond delay="indefinite"/>
+                      </p:stCondLst>
+                      <p:childTnLst>
+                        <p:par>
+                          <p:cTn id="12" fill="hold">
+                            <p:stCondLst>
+                              <p:cond delay="0"/>
+                            </p:stCondLst>
+                            <p:childTnLst>
+                              <p:par>
+                                <p:cTn id="13" presetID="1" presetClass="entr" presetSubtype="0" fill="hold" grpId="0" nodeType="clickEffect">
+                                  <p:stCondLst>
+                                    <p:cond delay="0"/>
+                                  </p:stCondLst>
+                                  <p:childTnLst>
+                                    <p:set>
+                                      <p:cBhvr>
+                                        <p:cTn id="14" dur="1" fill="hold">
+                                          <p:stCondLst>
+                                            <p:cond delay="0"/>
+                                          </p:stCondLst>
+                                        </p:cTn>
+                                        <p:tgtEl>
+                                          <p:spTgt spid="9"/>
+                                        </p:tgtEl>
+                                        <p:attrNameLst>
+                                          <p:attrName>style.visibility</p:attrName>
+                                        </p:attrNameLst>
+                                      </p:cBhvr>
+                                      <p:to>
+                                        <p:strVal val="visible"/>
+                                      </p:to>
+                                    </p:set>
+                                  </p:childTnLst>
+                                </p:cTn>
+                              </p:par>
+                              <p:par>
+                                <p:cTn id="15" presetID="1" presetClass="entr" presetSubtype="0" fill="hold" nodeType="withEffect">
+                                  <p:stCondLst>
+                                    <p:cond delay="0"/>
+                                  </p:stCondLst>
+                                  <p:childTnLst>
+                                    <p:set>
+                                      <p:cBhvr>
+                                        <p:cTn id="16" dur="1" fill="hold">
+                                          <p:stCondLst>
+                                            <p:cond delay="0"/>
+                                          </p:stCondLst>
+                                        </p:cTn>
+                                        <p:tgtEl>
+                                          <p:spTgt spid="9">
+                                            <p:txEl>
+                                              <p:pRg st="0" end="0"/>
+                                            </p:txEl>
+                                          </p:spTgt>
+                                        </p:tgtEl>
+                                        <p:attrNameLst>
+                                          <p:attrName>style.visibility</p:attrName>
+                                        </p:attrNameLst>
+                                      </p:cBhvr>
+                                      <p:to>
+                                        <p:strVal val="visible"/>
+                                      </p:to>
+                                    </p:set>
+                                  </p:childTnLst>
+                                </p:cTn>
+                              </p:par>
+                              <p:par>
+                                <p:cTn id="17" presetID="1" presetClass="entr" presetSubtype="0" fill="hold" nodeType="withEffect">
+                                  <p:stCondLst>
+                                    <p:cond delay="0"/>
+                                  </p:stCondLst>
+                                  <p:childTnLst>
+                                    <p:set>
+                                      <p:cBhvr>
+                                        <p:cTn id="18" dur="1" fill="hold">
+                                          <p:stCondLst>
+                                            <p:cond delay="0"/>
+                                          </p:stCondLst>
+                                        </p:cTn>
+                                        <p:tgtEl>
+                                          <p:spTgt spid="9">
+                                            <p:txEl>
+                                              <p:pRg st="1" end="1"/>
+                                            </p:txEl>
+                                          </p:spTgt>
+                                        </p:tgtEl>
+                                        <p:attrNameLst>
+                                          <p:attrName>style.visibility</p:attrName>
+                                        </p:attrNameLst>
+                                      </p:cBhvr>
+                                      <p:to>
+                                        <p:strVal val="visible"/>
+                                      </p:to>
+                                    </p:set>
+                                  </p:childTnLst>
+                                </p:cTn>
+                              </p:par>
+                              <p:par>
+                                <p:cTn id="19" presetID="1" presetClass="entr" presetSubtype="0" fill="hold" nodeType="withEffect">
+                                  <p:stCondLst>
+                                    <p:cond delay="0"/>
+                                  </p:stCondLst>
+                                  <p:childTnLst>
+                                    <p:set>
+                                      <p:cBhvr>
+                                        <p:cTn id="20" dur="1" fill="hold">
+                                          <p:stCondLst>
+                                            <p:cond delay="0"/>
+                                          </p:stCondLst>
+                                        </p:cTn>
+                                        <p:tgtEl>
+                                          <p:spTgt spid="9">
+                                            <p:txEl>
+                                              <p:pRg st="8" end="8"/>
+                                            </p:txEl>
+                                          </p:spTgt>
+                                        </p:tgtEl>
+                                        <p:attrNameLst>
+                                          <p:attrName>style.visibility</p:attrName>
+                                        </p:attrNameLst>
+                                      </p:cBhvr>
+                                      <p:to>
+                                        <p:strVal val="visible"/>
+                                      </p:to>
+                                    </p:set>
+                                  </p:childTnLst>
+                                </p:cTn>
+                              </p:par>
+                            </p:childTnLst>
+                          </p:cTn>
+                        </p:par>
+                      </p:childTnLst>
+                    </p:cTn>
+                  </p:par>
+                  <p:par>
+                    <p:cTn id="21" fill="hold">
+                      <p:stCondLst>
+                        <p:cond delay="indefinite"/>
+                      </p:stCondLst>
+                      <p:childTnLst>
+                        <p:par>
+                          <p:cTn id="22" fill="hold">
+                            <p:stCondLst>
+                              <p:cond delay="0"/>
+                            </p:stCondLst>
+                            <p:childTnLst>
+                              <p:par>
+                                <p:cTn id="23" presetID="1" presetClass="entr" presetSubtype="0" fill="hold" nodeType="clickEffect">
+                                  <p:stCondLst>
+                                    <p:cond delay="0"/>
+                                  </p:stCondLst>
+                                  <p:childTnLst>
+                                    <p:set>
+                                      <p:cBhvr>
+                                        <p:cTn id="24" dur="1" fill="hold">
+                                          <p:stCondLst>
+                                            <p:cond delay="0"/>
+                                          </p:stCondLst>
+                                        </p:cTn>
+                                        <p:tgtEl>
+                                          <p:spTgt spid="9">
+                                            <p:txEl>
+                                              <p:pRg st="2" end="2"/>
+                                            </p:txEl>
+                                          </p:spTgt>
+                                        </p:tgtEl>
+                                        <p:attrNameLst>
+                                          <p:attrName>style.visibility</p:attrName>
+                                        </p:attrNameLst>
+                                      </p:cBhvr>
+                                      <p:to>
+                                        <p:strVal val="visible"/>
+                                      </p:to>
+                                    </p:set>
+                                  </p:childTnLst>
+                                </p:cTn>
+                              </p:par>
+                              <p:par>
+                                <p:cTn id="25" presetID="1" presetClass="entr" presetSubtype="0" fill="hold" nodeType="withEffect">
+                                  <p:stCondLst>
+                                    <p:cond delay="0"/>
+                                  </p:stCondLst>
+                                  <p:childTnLst>
+                                    <p:set>
+                                      <p:cBhvr>
+                                        <p:cTn id="26" dur="1" fill="hold">
+                                          <p:stCondLst>
+                                            <p:cond delay="0"/>
+                                          </p:stCondLst>
+                                        </p:cTn>
+                                        <p:tgtEl>
+                                          <p:spTgt spid="9">
+                                            <p:txEl>
+                                              <p:pRg st="3" end="3"/>
+                                            </p:txEl>
+                                          </p:spTgt>
+                                        </p:tgtEl>
+                                        <p:attrNameLst>
+                                          <p:attrName>style.visibility</p:attrName>
+                                        </p:attrNameLst>
+                                      </p:cBhvr>
+                                      <p:to>
+                                        <p:strVal val="visible"/>
+                                      </p:to>
+                                    </p:set>
+                                  </p:childTnLst>
+                                </p:cTn>
+                              </p:par>
+                            </p:childTnLst>
+                          </p:cTn>
+                        </p:par>
+                      </p:childTnLst>
+                    </p:cTn>
+                  </p:par>
+                  <p:par>
+                    <p:cTn id="27" fill="hold">
+                      <p:stCondLst>
+                        <p:cond delay="indefinite"/>
+                      </p:stCondLst>
+                      <p:childTnLst>
+                        <p:par>
+                          <p:cTn id="28" fill="hold">
+                            <p:stCondLst>
+                              <p:cond delay="0"/>
+                            </p:stCondLst>
+                            <p:childTnLst>
+                              <p:par>
+                                <p:cTn id="29" presetID="1" presetClass="entr" presetSubtype="0" fill="hold" nodeType="clickEffect">
+                                  <p:stCondLst>
+                                    <p:cond delay="0"/>
+                                  </p:stCondLst>
+                                  <p:childTnLst>
+                                    <p:set>
+                                      <p:cBhvr>
+                                        <p:cTn id="30" dur="1" fill="hold">
+                                          <p:stCondLst>
+                                            <p:cond delay="0"/>
+                                          </p:stCondLst>
+                                        </p:cTn>
+                                        <p:tgtEl>
+                                          <p:spTgt spid="9">
+                                            <p:txEl>
+                                              <p:pRg st="4" end="4"/>
+                                            </p:txEl>
+                                          </p:spTgt>
+                                        </p:tgtEl>
+                                        <p:attrNameLst>
+                                          <p:attrName>style.visibility</p:attrName>
+                                        </p:attrNameLst>
+                                      </p:cBhvr>
+                                      <p:to>
+                                        <p:strVal val="visible"/>
+                                      </p:to>
+                                    </p:set>
+                                  </p:childTnLst>
+                                </p:cTn>
+                              </p:par>
+                            </p:childTnLst>
+                          </p:cTn>
+                        </p:par>
+                      </p:childTnLst>
+                    </p:cTn>
+                  </p:par>
+                  <p:par>
+                    <p:cTn id="31" fill="hold">
+                      <p:stCondLst>
+                        <p:cond delay="indefinite"/>
+                      </p:stCondLst>
+                      <p:childTnLst>
+                        <p:par>
+                          <p:cTn id="32" fill="hold">
+                            <p:stCondLst>
+                              <p:cond delay="0"/>
+                            </p:stCondLst>
+                            <p:childTnLst>
+                              <p:par>
+                                <p:cTn id="33" presetID="1" presetClass="entr" presetSubtype="0" fill="hold" nodeType="clickEffect">
+                                  <p:stCondLst>
+                                    <p:cond delay="0"/>
+                                  </p:stCondLst>
+                                  <p:childTnLst>
+                                    <p:set>
+                                      <p:cBhvr>
+                                        <p:cTn id="34" dur="1" fill="hold">
+                                          <p:stCondLst>
+                                            <p:cond delay="0"/>
+                                          </p:stCondLst>
+                                        </p:cTn>
+                                        <p:tgtEl>
+                                          <p:spTgt spid="9">
+                                            <p:txEl>
+                                              <p:pRg st="5" end="5"/>
+                                            </p:txEl>
+                                          </p:spTgt>
+                                        </p:tgtEl>
+                                        <p:attrNameLst>
+                                          <p:attrName>style.visibility</p:attrName>
+                                        </p:attrNameLst>
+                                      </p:cBhvr>
+                                      <p:to>
+                                        <p:strVal val="visible"/>
+                                      </p:to>
+                                    </p:set>
+                                  </p:childTnLst>
+                                </p:cTn>
+                              </p:par>
+                              <p:par>
+                                <p:cTn id="35" presetID="1" presetClass="entr" presetSubtype="0" fill="hold" nodeType="withEffect">
+                                  <p:stCondLst>
+                                    <p:cond delay="0"/>
+                                  </p:stCondLst>
+                                  <p:childTnLst>
+                                    <p:set>
+                                      <p:cBhvr>
+                                        <p:cTn id="36" dur="1" fill="hold">
+                                          <p:stCondLst>
+                                            <p:cond delay="0"/>
+                                          </p:stCondLst>
+                                        </p:cTn>
+                                        <p:tgtEl>
+                                          <p:spTgt spid="9">
+                                            <p:txEl>
+                                              <p:pRg st="6" end="6"/>
+                                            </p:txEl>
+                                          </p:spTgt>
+                                        </p:tgtEl>
+                                        <p:attrNameLst>
+                                          <p:attrName>style.visibility</p:attrName>
+                                        </p:attrNameLst>
+                                      </p:cBhvr>
+                                      <p:to>
+                                        <p:strVal val="visible"/>
+                                      </p:to>
+                                    </p:set>
+                                  </p:childTnLst>
+                                </p:cTn>
+                              </p:par>
+                            </p:childTnLst>
+                          </p:cTn>
+                        </p:par>
+                      </p:childTnLst>
+                    </p:cTn>
+                  </p:par>
+                  <p:par>
+                    <p:cTn id="37" fill="hold">
+                      <p:stCondLst>
+                        <p:cond delay="indefinite"/>
+                      </p:stCondLst>
+                      <p:childTnLst>
+                        <p:par>
+                          <p:cTn id="38" fill="hold">
+                            <p:stCondLst>
+                              <p:cond delay="0"/>
+                            </p:stCondLst>
+                            <p:childTnLst>
+                              <p:par>
+                                <p:cTn id="39" presetID="1" presetClass="entr" presetSubtype="0" fill="hold" nodeType="clickEffect">
+                                  <p:stCondLst>
+                                    <p:cond delay="0"/>
+                                  </p:stCondLst>
+                                  <p:childTnLst>
+                                    <p:set>
+                                      <p:cBhvr>
+                                        <p:cTn id="40" dur="1" fill="hold">
+                                          <p:stCondLst>
+                                            <p:cond delay="0"/>
+                                          </p:stCondLst>
+                                        </p:cTn>
+                                        <p:tgtEl>
+                                          <p:spTgt spid="9">
+                                            <p:txEl>
+                                              <p:pRg st="7" end="7"/>
+                                            </p:txEl>
+                                          </p:spTgt>
+                                        </p:tgtEl>
+                                        <p:attrNameLst>
+                                          <p:attrName>style.visibility</p:attrName>
+                                        </p:attrNameLst>
+                                      </p:cBhvr>
+                                      <p:to>
+                                        <p:strVal val="visible"/>
+                                      </p:to>
+                                    </p:set>
+                                  </p:childTnLst>
+                                </p:cTn>
+                              </p:par>
+                            </p:childTnLst>
+                          </p:cTn>
+                        </p:par>
+                      </p:childTnLst>
+                    </p:cTn>
+                  </p:par>
+                  <p:par>
+                    <p:cTn id="41" fill="hold">
+                      <p:stCondLst>
+                        <p:cond delay="indefinite"/>
+                      </p:stCondLst>
+                      <p:childTnLst>
+                        <p:par>
+                          <p:cTn id="42" fill="hold">
+                            <p:stCondLst>
+                              <p:cond delay="0"/>
+                            </p:stCondLst>
+                            <p:childTnLst>
+                              <p:par>
+                                <p:cTn id="43" presetID="1" presetClass="entr" presetSubtype="0" fill="hold" nodeType="clickEffect">
+                                  <p:stCondLst>
+                                    <p:cond delay="0"/>
+                                  </p:stCondLst>
+                                  <p:childTnLst>
+                                    <p:set>
+                                      <p:cBhvr>
+                                        <p:cTn id="44" dur="1" fill="hold">
+                                          <p:stCondLst>
+                                            <p:cond delay="0"/>
+                                          </p:stCondLst>
+                                        </p:cTn>
+                                        <p:tgtEl>
+                                          <p:spTgt spid="9">
+                                            <p:txEl>
+                                              <p:pRg st="9" end="9"/>
+                                            </p:txEl>
+                                          </p:spTgt>
+                                        </p:tgtEl>
+                                        <p:attrNameLst>
+                                          <p:attrName>style.visibility</p:attrName>
+                                        </p:attrNameLst>
+                                      </p:cBhvr>
+                                      <p:to>
+                                        <p:strVal val="visible"/>
+                                      </p:to>
+                                    </p:set>
+                                  </p:childTnLst>
+                                </p:cTn>
+                              </p:par>
+                            </p:childTnLst>
+                          </p:cTn>
+                        </p:par>
+                      </p:childTnLst>
+                    </p:cTn>
+                  </p:par>
+                  <p:par>
+                    <p:cTn id="45" fill="hold">
+                      <p:stCondLst>
+                        <p:cond delay="indefinite"/>
+                      </p:stCondLst>
+                      <p:childTnLst>
+                        <p:par>
+                          <p:cTn id="46" fill="hold">
+                            <p:stCondLst>
+                              <p:cond delay="0"/>
+                            </p:stCondLst>
+                            <p:childTnLst>
+                              <p:par>
+                                <p:cTn id="47" presetID="1" presetClass="entr" presetSubtype="0" fill="hold" grpId="0" nodeType="clickEffect">
+                                  <p:stCondLst>
+                                    <p:cond delay="0"/>
+                                  </p:stCondLst>
+                                  <p:childTnLst>
+                                    <p:set>
+                                      <p:cBhvr>
+                                        <p:cTn id="48" dur="1" fill="hold">
+                                          <p:stCondLst>
+                                            <p:cond delay="0"/>
+                                          </p:stCondLst>
+                                        </p:cTn>
+                                        <p:tgtEl>
+                                          <p:spTgt spid="3"/>
+                                        </p:tgtEl>
+                                        <p:attrNameLst>
+                                          <p:attrName>style.visibility</p:attrName>
+                                        </p:attrNameLst>
+                                      </p:cBhvr>
+                                      <p:to>
+                                        <p:strVal val="visible"/>
+                                      </p:to>
+                                    </p:set>
+                                  </p:childTnLst>
+                                </p:cTn>
+                              </p:par>
+                            </p:childTnLst>
+                          </p:cTn>
+                        </p:par>
+                      </p:childTnLst>
+                    </p:cTn>
+                  </p:par>
+                </p:childTnLst>
+              </p:cTn>
+              <p:prevCondLst>
+                <p:cond evt="onPrev" delay="0">
+                  <p:tgtEl>
+                    <p:sldTgt/>
+                  </p:tgtEl>
+                </p:cond>
+              </p:prevCondLst>
+              <p:nextCondLst>
+                <p:cond evt="onNext" delay="0">
+                  <p:tgtEl>
+                    <p:sldTgt/>
+                  </p:tgtEl>
+                </p:cond>
+              </p:nextCondLst>
+            </p:seq>
+          </p:childTnLst>
+        </p:cTn>
+      </p:par>
+    </p:tnLst>
+    <p:bldLst>
+      <p:bldP spid="6" grpId="0" animBg="1"/>
+      <p:bldP spid="7" grpId="0" animBg="1"/>
+      <p:bldP spid="8" grpId="0" animBg="1"/>
+      <p:bldP spid="9" grpId="0" animBg="1"/>
+      <p:bldP spid="3" grpId="0"/>
+    </p:bldLst>
+  </p:timing>
 </p:sld>
 </file>
 
@@ -7620,6 +8378,196 @@
   <p:clrMapOvr>
     <a:masterClrMapping/>
   </p:clrMapOvr>
+  <p:timing>
+    <p:tnLst>
+      <p:par>
+        <p:cTn id="1" dur="indefinite" restart="never" nodeType="tmRoot">
+          <p:childTnLst>
+            <p:seq concurrent="1" nextAc="seek">
+              <p:cTn id="2" dur="indefinite" nodeType="mainSeq">
+                <p:childTnLst>
+                  <p:par>
+                    <p:cTn id="3" fill="hold">
+                      <p:stCondLst>
+                        <p:cond delay="indefinite"/>
+                      </p:stCondLst>
+                      <p:childTnLst>
+                        <p:par>
+                          <p:cTn id="4" fill="hold">
+                            <p:stCondLst>
+                              <p:cond delay="0"/>
+                            </p:stCondLst>
+                            <p:childTnLst>
+                              <p:par>
+                                <p:cTn id="5" presetID="1" presetClass="entr" presetSubtype="0" fill="hold" grpId="0" nodeType="clickEffect">
+                                  <p:stCondLst>
+                                    <p:cond delay="0"/>
+                                  </p:stCondLst>
+                                  <p:childTnLst>
+                                    <p:set>
+                                      <p:cBhvr>
+                                        <p:cTn id="6" dur="1" fill="hold">
+                                          <p:stCondLst>
+                                            <p:cond delay="0"/>
+                                          </p:stCondLst>
+                                        </p:cTn>
+                                        <p:tgtEl>
+                                          <p:spTgt spid="8"/>
+                                        </p:tgtEl>
+                                        <p:attrNameLst>
+                                          <p:attrName>style.visibility</p:attrName>
+                                        </p:attrNameLst>
+                                      </p:cBhvr>
+                                      <p:to>
+                                        <p:strVal val="visible"/>
+                                      </p:to>
+                                    </p:set>
+                                  </p:childTnLst>
+                                </p:cTn>
+                              </p:par>
+                              <p:par>
+                                <p:cTn id="7" presetID="1" presetClass="entr" presetSubtype="0" fill="hold" grpId="0" nodeType="withEffect">
+                                  <p:stCondLst>
+                                    <p:cond delay="0"/>
+                                  </p:stCondLst>
+                                  <p:childTnLst>
+                                    <p:set>
+                                      <p:cBhvr>
+                                        <p:cTn id="8" dur="1" fill="hold">
+                                          <p:stCondLst>
+                                            <p:cond delay="0"/>
+                                          </p:stCondLst>
+                                        </p:cTn>
+                                        <p:tgtEl>
+                                          <p:spTgt spid="5"/>
+                                        </p:tgtEl>
+                                        <p:attrNameLst>
+                                          <p:attrName>style.visibility</p:attrName>
+                                        </p:attrNameLst>
+                                      </p:cBhvr>
+                                      <p:to>
+                                        <p:strVal val="visible"/>
+                                      </p:to>
+                                    </p:set>
+                                  </p:childTnLst>
+                                </p:cTn>
+                              </p:par>
+                              <p:par>
+                                <p:cTn id="9" presetID="1" presetClass="entr" presetSubtype="0" fill="hold" grpId="0" nodeType="withEffect">
+                                  <p:stCondLst>
+                                    <p:cond delay="0"/>
+                                  </p:stCondLst>
+                                  <p:childTnLst>
+                                    <p:set>
+                                      <p:cBhvr>
+                                        <p:cTn id="10" dur="1" fill="hold">
+                                          <p:stCondLst>
+                                            <p:cond delay="0"/>
+                                          </p:stCondLst>
+                                        </p:cTn>
+                                        <p:tgtEl>
+                                          <p:spTgt spid="6"/>
+                                        </p:tgtEl>
+                                        <p:attrNameLst>
+                                          <p:attrName>style.visibility</p:attrName>
+                                        </p:attrNameLst>
+                                      </p:cBhvr>
+                                      <p:to>
+                                        <p:strVal val="visible"/>
+                                      </p:to>
+                                    </p:set>
+                                  </p:childTnLst>
+                                </p:cTn>
+                              </p:par>
+                              <p:par>
+                                <p:cTn id="11" presetID="1" presetClass="entr" presetSubtype="0" fill="hold" grpId="0" nodeType="withEffect">
+                                  <p:stCondLst>
+                                    <p:cond delay="0"/>
+                                  </p:stCondLst>
+                                  <p:childTnLst>
+                                    <p:set>
+                                      <p:cBhvr>
+                                        <p:cTn id="12" dur="1" fill="hold">
+                                          <p:stCondLst>
+                                            <p:cond delay="0"/>
+                                          </p:stCondLst>
+                                        </p:cTn>
+                                        <p:tgtEl>
+                                          <p:spTgt spid="9"/>
+                                        </p:tgtEl>
+                                        <p:attrNameLst>
+                                          <p:attrName>style.visibility</p:attrName>
+                                        </p:attrNameLst>
+                                      </p:cBhvr>
+                                      <p:to>
+                                        <p:strVal val="visible"/>
+                                      </p:to>
+                                    </p:set>
+                                  </p:childTnLst>
+                                </p:cTn>
+                              </p:par>
+                              <p:par>
+                                <p:cTn id="13" presetID="1" presetClass="entr" presetSubtype="0" fill="hold" grpId="0" nodeType="withEffect">
+                                  <p:stCondLst>
+                                    <p:cond delay="0"/>
+                                  </p:stCondLst>
+                                  <p:childTnLst>
+                                    <p:set>
+                                      <p:cBhvr>
+                                        <p:cTn id="14" dur="1" fill="hold">
+                                          <p:stCondLst>
+                                            <p:cond delay="0"/>
+                                          </p:stCondLst>
+                                        </p:cTn>
+                                        <p:tgtEl>
+                                          <p:spTgt spid="7"/>
+                                        </p:tgtEl>
+                                        <p:attrNameLst>
+                                          <p:attrName>style.visibility</p:attrName>
+                                        </p:attrNameLst>
+                                      </p:cBhvr>
+                                      <p:to>
+                                        <p:strVal val="visible"/>
+                                      </p:to>
+                                    </p:set>
+                                  </p:childTnLst>
+                                </p:cTn>
+                              </p:par>
+                            </p:childTnLst>
+                          </p:cTn>
+                        </p:par>
+                      </p:childTnLst>
+                    </p:cTn>
+                  </p:par>
+                </p:childTnLst>
+              </p:cTn>
+              <p:prevCondLst>
+                <p:cond evt="onPrev" delay="0">
+                  <p:tgtEl>
+                    <p:sldTgt/>
+                  </p:tgtEl>
+                </p:cond>
+              </p:prevCondLst>
+              <p:nextCondLst>
+                <p:cond evt="onNext" delay="0">
+                  <p:tgtEl>
+                    <p:sldTgt/>
+                  </p:tgtEl>
+                </p:cond>
+              </p:nextCondLst>
+            </p:seq>
+          </p:childTnLst>
+        </p:cTn>
+      </p:par>
+    </p:tnLst>
+    <p:bldLst>
+      <p:bldP spid="5" grpId="0" animBg="1"/>
+      <p:bldP spid="6" grpId="0" animBg="1"/>
+      <p:bldP spid="7" grpId="0" animBg="1"/>
+      <p:bldP spid="8" grpId="0" animBg="1"/>
+      <p:bldP spid="9" grpId="0" animBg="1"/>
+    </p:bldLst>
+  </p:timing>
 </p:sld>
 </file>
 
@@ -8549,6 +9497,564 @@
   <p:clrMapOvr>
     <a:masterClrMapping/>
   </p:clrMapOvr>
+  <p:timing>
+    <p:tnLst>
+      <p:par>
+        <p:cTn id="1" dur="indefinite" restart="never" nodeType="tmRoot">
+          <p:childTnLst>
+            <p:seq concurrent="1" nextAc="seek">
+              <p:cTn id="2" dur="indefinite" nodeType="mainSeq">
+                <p:childTnLst>
+                  <p:par>
+                    <p:cTn id="3" fill="hold">
+                      <p:stCondLst>
+                        <p:cond delay="indefinite"/>
+                        <p:cond evt="onBegin" delay="0">
+                          <p:tn val="2"/>
+                        </p:cond>
+                      </p:stCondLst>
+                      <p:childTnLst>
+                        <p:par>
+                          <p:cTn id="4" fill="hold">
+                            <p:stCondLst>
+                              <p:cond delay="0"/>
+                            </p:stCondLst>
+                            <p:childTnLst>
+                              <p:par>
+                                <p:cTn id="5" presetID="1" presetClass="entr" presetSubtype="0" fill="hold" grpId="0" nodeType="withEffect">
+                                  <p:stCondLst>
+                                    <p:cond delay="0"/>
+                                  </p:stCondLst>
+                                  <p:childTnLst>
+                                    <p:set>
+                                      <p:cBhvr>
+                                        <p:cTn id="6" dur="1" fill="hold">
+                                          <p:stCondLst>
+                                            <p:cond delay="0"/>
+                                          </p:stCondLst>
+                                        </p:cTn>
+                                        <p:tgtEl>
+                                          <p:spTgt spid="7"/>
+                                        </p:tgtEl>
+                                        <p:attrNameLst>
+                                          <p:attrName>style.visibility</p:attrName>
+                                        </p:attrNameLst>
+                                      </p:cBhvr>
+                                      <p:to>
+                                        <p:strVal val="visible"/>
+                                      </p:to>
+                                    </p:set>
+                                  </p:childTnLst>
+                                </p:cTn>
+                              </p:par>
+                              <p:par>
+                                <p:cTn id="7" presetID="1" presetClass="entr" presetSubtype="0" fill="hold" nodeType="withEffect">
+                                  <p:stCondLst>
+                                    <p:cond delay="0"/>
+                                  </p:stCondLst>
+                                  <p:childTnLst>
+                                    <p:set>
+                                      <p:cBhvr>
+                                        <p:cTn id="8" dur="1" fill="hold">
+                                          <p:stCondLst>
+                                            <p:cond delay="0"/>
+                                          </p:stCondLst>
+                                        </p:cTn>
+                                        <p:tgtEl>
+                                          <p:spTgt spid="7">
+                                            <p:txEl>
+                                              <p:pRg st="0" end="0"/>
+                                            </p:txEl>
+                                          </p:spTgt>
+                                        </p:tgtEl>
+                                        <p:attrNameLst>
+                                          <p:attrName>style.visibility</p:attrName>
+                                        </p:attrNameLst>
+                                      </p:cBhvr>
+                                      <p:to>
+                                        <p:strVal val="visible"/>
+                                      </p:to>
+                                    </p:set>
+                                  </p:childTnLst>
+                                </p:cTn>
+                              </p:par>
+                            </p:childTnLst>
+                          </p:cTn>
+                        </p:par>
+                      </p:childTnLst>
+                    </p:cTn>
+                  </p:par>
+                  <p:par>
+                    <p:cTn id="9" fill="hold">
+                      <p:stCondLst>
+                        <p:cond delay="indefinite"/>
+                      </p:stCondLst>
+                      <p:childTnLst>
+                        <p:par>
+                          <p:cTn id="10" fill="hold">
+                            <p:stCondLst>
+                              <p:cond delay="0"/>
+                            </p:stCondLst>
+                            <p:childTnLst>
+                              <p:par>
+                                <p:cTn id="11" presetID="1" presetClass="entr" presetSubtype="0" fill="hold" nodeType="clickEffect">
+                                  <p:stCondLst>
+                                    <p:cond delay="0"/>
+                                  </p:stCondLst>
+                                  <p:childTnLst>
+                                    <p:set>
+                                      <p:cBhvr>
+                                        <p:cTn id="12" dur="1" fill="hold">
+                                          <p:stCondLst>
+                                            <p:cond delay="0"/>
+                                          </p:stCondLst>
+                                        </p:cTn>
+                                        <p:tgtEl>
+                                          <p:spTgt spid="7">
+                                            <p:txEl>
+                                              <p:pRg st="1" end="1"/>
+                                            </p:txEl>
+                                          </p:spTgt>
+                                        </p:tgtEl>
+                                        <p:attrNameLst>
+                                          <p:attrName>style.visibility</p:attrName>
+                                        </p:attrNameLst>
+                                      </p:cBhvr>
+                                      <p:to>
+                                        <p:strVal val="visible"/>
+                                      </p:to>
+                                    </p:set>
+                                  </p:childTnLst>
+                                </p:cTn>
+                              </p:par>
+                              <p:par>
+                                <p:cTn id="13" presetID="1" presetClass="entr" presetSubtype="0" fill="hold" nodeType="withEffect">
+                                  <p:stCondLst>
+                                    <p:cond delay="0"/>
+                                  </p:stCondLst>
+                                  <p:childTnLst>
+                                    <p:set>
+                                      <p:cBhvr>
+                                        <p:cTn id="14" dur="1" fill="hold">
+                                          <p:stCondLst>
+                                            <p:cond delay="0"/>
+                                          </p:stCondLst>
+                                        </p:cTn>
+                                        <p:tgtEl>
+                                          <p:spTgt spid="7">
+                                            <p:txEl>
+                                              <p:pRg st="2" end="2"/>
+                                            </p:txEl>
+                                          </p:spTgt>
+                                        </p:tgtEl>
+                                        <p:attrNameLst>
+                                          <p:attrName>style.visibility</p:attrName>
+                                        </p:attrNameLst>
+                                      </p:cBhvr>
+                                      <p:to>
+                                        <p:strVal val="visible"/>
+                                      </p:to>
+                                    </p:set>
+                                  </p:childTnLst>
+                                </p:cTn>
+                              </p:par>
+                              <p:par>
+                                <p:cTn id="15" presetID="1" presetClass="entr" presetSubtype="0" fill="hold" nodeType="withEffect">
+                                  <p:stCondLst>
+                                    <p:cond delay="0"/>
+                                  </p:stCondLst>
+                                  <p:childTnLst>
+                                    <p:set>
+                                      <p:cBhvr>
+                                        <p:cTn id="16" dur="1" fill="hold">
+                                          <p:stCondLst>
+                                            <p:cond delay="0"/>
+                                          </p:stCondLst>
+                                        </p:cTn>
+                                        <p:tgtEl>
+                                          <p:spTgt spid="7">
+                                            <p:txEl>
+                                              <p:pRg st="10" end="10"/>
+                                            </p:txEl>
+                                          </p:spTgt>
+                                        </p:tgtEl>
+                                        <p:attrNameLst>
+                                          <p:attrName>style.visibility</p:attrName>
+                                        </p:attrNameLst>
+                                      </p:cBhvr>
+                                      <p:to>
+                                        <p:strVal val="visible"/>
+                                      </p:to>
+                                    </p:set>
+                                  </p:childTnLst>
+                                </p:cTn>
+                              </p:par>
+                            </p:childTnLst>
+                          </p:cTn>
+                        </p:par>
+                      </p:childTnLst>
+                    </p:cTn>
+                  </p:par>
+                  <p:par>
+                    <p:cTn id="17" fill="hold">
+                      <p:stCondLst>
+                        <p:cond delay="indefinite"/>
+                      </p:stCondLst>
+                      <p:childTnLst>
+                        <p:par>
+                          <p:cTn id="18" fill="hold">
+                            <p:stCondLst>
+                              <p:cond delay="0"/>
+                            </p:stCondLst>
+                            <p:childTnLst>
+                              <p:par>
+                                <p:cTn id="19" presetID="1" presetClass="entr" presetSubtype="0" fill="hold" nodeType="clickEffect">
+                                  <p:stCondLst>
+                                    <p:cond delay="0"/>
+                                  </p:stCondLst>
+                                  <p:childTnLst>
+                                    <p:set>
+                                      <p:cBhvr>
+                                        <p:cTn id="20" dur="1" fill="hold">
+                                          <p:stCondLst>
+                                            <p:cond delay="0"/>
+                                          </p:stCondLst>
+                                        </p:cTn>
+                                        <p:tgtEl>
+                                          <p:spTgt spid="7">
+                                            <p:txEl>
+                                              <p:pRg st="3" end="3"/>
+                                            </p:txEl>
+                                          </p:spTgt>
+                                        </p:tgtEl>
+                                        <p:attrNameLst>
+                                          <p:attrName>style.visibility</p:attrName>
+                                        </p:attrNameLst>
+                                      </p:cBhvr>
+                                      <p:to>
+                                        <p:strVal val="visible"/>
+                                      </p:to>
+                                    </p:set>
+                                  </p:childTnLst>
+                                </p:cTn>
+                              </p:par>
+                              <p:par>
+                                <p:cTn id="21" presetID="1" presetClass="entr" presetSubtype="0" fill="hold" nodeType="withEffect">
+                                  <p:stCondLst>
+                                    <p:cond delay="0"/>
+                                  </p:stCondLst>
+                                  <p:childTnLst>
+                                    <p:set>
+                                      <p:cBhvr>
+                                        <p:cTn id="22" dur="1" fill="hold">
+                                          <p:stCondLst>
+                                            <p:cond delay="0"/>
+                                          </p:stCondLst>
+                                        </p:cTn>
+                                        <p:tgtEl>
+                                          <p:spTgt spid="7">
+                                            <p:txEl>
+                                              <p:pRg st="4" end="4"/>
+                                            </p:txEl>
+                                          </p:spTgt>
+                                        </p:tgtEl>
+                                        <p:attrNameLst>
+                                          <p:attrName>style.visibility</p:attrName>
+                                        </p:attrNameLst>
+                                      </p:cBhvr>
+                                      <p:to>
+                                        <p:strVal val="visible"/>
+                                      </p:to>
+                                    </p:set>
+                                  </p:childTnLst>
+                                </p:cTn>
+                              </p:par>
+                            </p:childTnLst>
+                          </p:cTn>
+                        </p:par>
+                      </p:childTnLst>
+                    </p:cTn>
+                  </p:par>
+                  <p:par>
+                    <p:cTn id="23" fill="hold">
+                      <p:stCondLst>
+                        <p:cond delay="indefinite"/>
+                      </p:stCondLst>
+                      <p:childTnLst>
+                        <p:par>
+                          <p:cTn id="24" fill="hold">
+                            <p:stCondLst>
+                              <p:cond delay="0"/>
+                            </p:stCondLst>
+                            <p:childTnLst>
+                              <p:par>
+                                <p:cTn id="25" presetID="1" presetClass="entr" presetSubtype="0" fill="hold" nodeType="clickEffect">
+                                  <p:stCondLst>
+                                    <p:cond delay="0"/>
+                                  </p:stCondLst>
+                                  <p:childTnLst>
+                                    <p:set>
+                                      <p:cBhvr>
+                                        <p:cTn id="26" dur="1" fill="hold">
+                                          <p:stCondLst>
+                                            <p:cond delay="0"/>
+                                          </p:stCondLst>
+                                        </p:cTn>
+                                        <p:tgtEl>
+                                          <p:spTgt spid="7">
+                                            <p:txEl>
+                                              <p:pRg st="5" end="5"/>
+                                            </p:txEl>
+                                          </p:spTgt>
+                                        </p:tgtEl>
+                                        <p:attrNameLst>
+                                          <p:attrName>style.visibility</p:attrName>
+                                        </p:attrNameLst>
+                                      </p:cBhvr>
+                                      <p:to>
+                                        <p:strVal val="visible"/>
+                                      </p:to>
+                                    </p:set>
+                                  </p:childTnLst>
+                                </p:cTn>
+                              </p:par>
+                              <p:par>
+                                <p:cTn id="27" presetID="1" presetClass="entr" presetSubtype="0" fill="hold" nodeType="withEffect">
+                                  <p:stCondLst>
+                                    <p:cond delay="0"/>
+                                  </p:stCondLst>
+                                  <p:childTnLst>
+                                    <p:set>
+                                      <p:cBhvr>
+                                        <p:cTn id="28" dur="1" fill="hold">
+                                          <p:stCondLst>
+                                            <p:cond delay="0"/>
+                                          </p:stCondLst>
+                                        </p:cTn>
+                                        <p:tgtEl>
+                                          <p:spTgt spid="7">
+                                            <p:txEl>
+                                              <p:pRg st="6" end="6"/>
+                                            </p:txEl>
+                                          </p:spTgt>
+                                        </p:tgtEl>
+                                        <p:attrNameLst>
+                                          <p:attrName>style.visibility</p:attrName>
+                                        </p:attrNameLst>
+                                      </p:cBhvr>
+                                      <p:to>
+                                        <p:strVal val="visible"/>
+                                      </p:to>
+                                    </p:set>
+                                  </p:childTnLst>
+                                </p:cTn>
+                              </p:par>
+                            </p:childTnLst>
+                          </p:cTn>
+                        </p:par>
+                      </p:childTnLst>
+                    </p:cTn>
+                  </p:par>
+                  <p:par>
+                    <p:cTn id="29" fill="hold">
+                      <p:stCondLst>
+                        <p:cond delay="indefinite"/>
+                      </p:stCondLst>
+                      <p:childTnLst>
+                        <p:par>
+                          <p:cTn id="30" fill="hold">
+                            <p:stCondLst>
+                              <p:cond delay="0"/>
+                            </p:stCondLst>
+                            <p:childTnLst>
+                              <p:par>
+                                <p:cTn id="31" presetID="1" presetClass="entr" presetSubtype="0" fill="hold" nodeType="clickEffect">
+                                  <p:stCondLst>
+                                    <p:cond delay="0"/>
+                                  </p:stCondLst>
+                                  <p:childTnLst>
+                                    <p:set>
+                                      <p:cBhvr>
+                                        <p:cTn id="32" dur="1" fill="hold">
+                                          <p:stCondLst>
+                                            <p:cond delay="0"/>
+                                          </p:stCondLst>
+                                        </p:cTn>
+                                        <p:tgtEl>
+                                          <p:spTgt spid="7">
+                                            <p:txEl>
+                                              <p:pRg st="7" end="7"/>
+                                            </p:txEl>
+                                          </p:spTgt>
+                                        </p:tgtEl>
+                                        <p:attrNameLst>
+                                          <p:attrName>style.visibility</p:attrName>
+                                        </p:attrNameLst>
+                                      </p:cBhvr>
+                                      <p:to>
+                                        <p:strVal val="visible"/>
+                                      </p:to>
+                                    </p:set>
+                                  </p:childTnLst>
+                                </p:cTn>
+                              </p:par>
+                            </p:childTnLst>
+                          </p:cTn>
+                        </p:par>
+                      </p:childTnLst>
+                    </p:cTn>
+                  </p:par>
+                  <p:par>
+                    <p:cTn id="33" fill="hold">
+                      <p:stCondLst>
+                        <p:cond delay="indefinite"/>
+                      </p:stCondLst>
+                      <p:childTnLst>
+                        <p:par>
+                          <p:cTn id="34" fill="hold">
+                            <p:stCondLst>
+                              <p:cond delay="0"/>
+                            </p:stCondLst>
+                            <p:childTnLst>
+                              <p:par>
+                                <p:cTn id="35" presetID="1" presetClass="entr" presetSubtype="0" fill="hold" nodeType="clickEffect">
+                                  <p:stCondLst>
+                                    <p:cond delay="0"/>
+                                  </p:stCondLst>
+                                  <p:childTnLst>
+                                    <p:set>
+                                      <p:cBhvr>
+                                        <p:cTn id="36" dur="1" fill="hold">
+                                          <p:stCondLst>
+                                            <p:cond delay="0"/>
+                                          </p:stCondLst>
+                                        </p:cTn>
+                                        <p:tgtEl>
+                                          <p:spTgt spid="7">
+                                            <p:txEl>
+                                              <p:pRg st="8" end="8"/>
+                                            </p:txEl>
+                                          </p:spTgt>
+                                        </p:tgtEl>
+                                        <p:attrNameLst>
+                                          <p:attrName>style.visibility</p:attrName>
+                                        </p:attrNameLst>
+                                      </p:cBhvr>
+                                      <p:to>
+                                        <p:strVal val="visible"/>
+                                      </p:to>
+                                    </p:set>
+                                  </p:childTnLst>
+                                </p:cTn>
+                              </p:par>
+                              <p:par>
+                                <p:cTn id="37" presetID="1" presetClass="entr" presetSubtype="0" fill="hold" nodeType="withEffect">
+                                  <p:stCondLst>
+                                    <p:cond delay="0"/>
+                                  </p:stCondLst>
+                                  <p:childTnLst>
+                                    <p:set>
+                                      <p:cBhvr>
+                                        <p:cTn id="38" dur="1" fill="hold">
+                                          <p:stCondLst>
+                                            <p:cond delay="0"/>
+                                          </p:stCondLst>
+                                        </p:cTn>
+                                        <p:tgtEl>
+                                          <p:spTgt spid="7">
+                                            <p:txEl>
+                                              <p:pRg st="9" end="9"/>
+                                            </p:txEl>
+                                          </p:spTgt>
+                                        </p:tgtEl>
+                                        <p:attrNameLst>
+                                          <p:attrName>style.visibility</p:attrName>
+                                        </p:attrNameLst>
+                                      </p:cBhvr>
+                                      <p:to>
+                                        <p:strVal val="visible"/>
+                                      </p:to>
+                                    </p:set>
+                                  </p:childTnLst>
+                                </p:cTn>
+                              </p:par>
+                            </p:childTnLst>
+                          </p:cTn>
+                        </p:par>
+                      </p:childTnLst>
+                    </p:cTn>
+                  </p:par>
+                  <p:par>
+                    <p:cTn id="39" fill="hold">
+                      <p:stCondLst>
+                        <p:cond delay="indefinite"/>
+                      </p:stCondLst>
+                      <p:childTnLst>
+                        <p:par>
+                          <p:cTn id="40" fill="hold">
+                            <p:stCondLst>
+                              <p:cond delay="0"/>
+                            </p:stCondLst>
+                            <p:childTnLst>
+                              <p:par>
+                                <p:cTn id="41" presetID="1" presetClass="entr" presetSubtype="0" fill="hold" grpId="0" nodeType="clickEffect">
+                                  <p:stCondLst>
+                                    <p:cond delay="0"/>
+                                  </p:stCondLst>
+                                  <p:childTnLst>
+                                    <p:set>
+                                      <p:cBhvr>
+                                        <p:cTn id="42" dur="1" fill="hold">
+                                          <p:stCondLst>
+                                            <p:cond delay="0"/>
+                                          </p:stCondLst>
+                                        </p:cTn>
+                                        <p:tgtEl>
+                                          <p:spTgt spid="4"/>
+                                        </p:tgtEl>
+                                        <p:attrNameLst>
+                                          <p:attrName>style.visibility</p:attrName>
+                                        </p:attrNameLst>
+                                      </p:cBhvr>
+                                      <p:to>
+                                        <p:strVal val="visible"/>
+                                      </p:to>
+                                    </p:set>
+                                  </p:childTnLst>
+                                </p:cTn>
+                              </p:par>
+                            </p:childTnLst>
+                          </p:cTn>
+                        </p:par>
+                      </p:childTnLst>
+                    </p:cTn>
+                  </p:par>
+                </p:childTnLst>
+              </p:cTn>
+              <p:prevCondLst>
+                <p:cond evt="onPrev" delay="0">
+                  <p:tgtEl>
+                    <p:sldTgt/>
+                  </p:tgtEl>
+                </p:cond>
+              </p:prevCondLst>
+              <p:nextCondLst>
+                <p:cond evt="onNext" delay="0">
+                  <p:tgtEl>
+                    <p:sldTgt/>
+                  </p:tgtEl>
+                </p:cond>
+              </p:nextCondLst>
+            </p:seq>
+          </p:childTnLst>
+        </p:cTn>
+      </p:par>
+    </p:tnLst>
+    <p:bldLst>
+      <p:bldP spid="7" grpId="0" animBg="1"/>
+      <p:bldP spid="4" grpId="0"/>
+    </p:bldLst>
+  </p:timing>
 </p:sld>
 </file>
 
@@ -9256,6 +10762,88 @@
   <p:clrMapOvr>
     <a:masterClrMapping/>
   </p:clrMapOvr>
+  <p:timing>
+    <p:tnLst>
+      <p:par>
+        <p:cTn id="1" dur="indefinite" restart="never" nodeType="tmRoot">
+          <p:childTnLst>
+            <p:seq concurrent="1" nextAc="seek">
+              <p:cTn id="2" dur="indefinite" nodeType="mainSeq">
+                <p:childTnLst>
+                  <p:par>
+                    <p:cTn id="3" fill="hold">
+                      <p:stCondLst>
+                        <p:cond delay="indefinite"/>
+                      </p:stCondLst>
+                      <p:childTnLst>
+                        <p:par>
+                          <p:cTn id="4" fill="hold">
+                            <p:stCondLst>
+                              <p:cond delay="0"/>
+                            </p:stCondLst>
+                            <p:childTnLst>
+                              <p:par>
+                                <p:cTn id="5" presetID="1" presetClass="entr" presetSubtype="0" fill="hold" grpId="0" nodeType="clickEffect">
+                                  <p:stCondLst>
+                                    <p:cond delay="0"/>
+                                  </p:stCondLst>
+                                  <p:childTnLst>
+                                    <p:set>
+                                      <p:cBhvr>
+                                        <p:cTn id="6" dur="1" fill="hold">
+                                          <p:stCondLst>
+                                            <p:cond delay="0"/>
+                                          </p:stCondLst>
+                                        </p:cTn>
+                                        <p:tgtEl>
+                                          <p:spTgt spid="6">
+                                            <p:txEl>
+                                              <p:pRg st="0" end="0"/>
+                                            </p:txEl>
+                                          </p:spTgt>
+                                        </p:tgtEl>
+                                        <p:attrNameLst>
+                                          <p:attrName>style.visibility</p:attrName>
+                                        </p:attrNameLst>
+                                      </p:cBhvr>
+                                      <p:to>
+                                        <p:strVal val="visible"/>
+                                      </p:to>
+                                    </p:set>
+                                  </p:childTnLst>
+                                </p:cTn>
+                              </p:par>
+                            </p:childTnLst>
+                          </p:cTn>
+                        </p:par>
+                      </p:childTnLst>
+                    </p:cTn>
+                  </p:par>
+                </p:childTnLst>
+              </p:cTn>
+              <p:prevCondLst>
+                <p:cond evt="onPrev" delay="0">
+                  <p:tgtEl>
+                    <p:sldTgt/>
+                  </p:tgtEl>
+                </p:cond>
+              </p:prevCondLst>
+              <p:nextCondLst>
+                <p:cond evt="onNext" delay="0">
+                  <p:tgtEl>
+                    <p:sldTgt/>
+                  </p:tgtEl>
+                </p:cond>
+              </p:nextCondLst>
+            </p:seq>
+          </p:childTnLst>
+        </p:cTn>
+      </p:par>
+    </p:tnLst>
+    <p:bldLst>
+      <p:bldP spid="6" grpId="0" build="p"/>
+    </p:bldLst>
+  </p:timing>
 </p:sld>
 </file>
 
@@ -10174,6 +11762,168 @@
   <p:clrMapOvr>
     <a:masterClrMapping/>
   </p:clrMapOvr>
+  <p:timing>
+    <p:tnLst>
+      <p:par>
+        <p:cTn id="1" dur="indefinite" restart="never" nodeType="tmRoot">
+          <p:childTnLst>
+            <p:seq concurrent="1" nextAc="seek">
+              <p:cTn id="2" dur="indefinite" nodeType="mainSeq">
+                <p:childTnLst>
+                  <p:par>
+                    <p:cTn id="3" fill="hold">
+                      <p:stCondLst>
+                        <p:cond delay="indefinite"/>
+                      </p:stCondLst>
+                      <p:childTnLst>
+                        <p:par>
+                          <p:cTn id="4" fill="hold">
+                            <p:stCondLst>
+                              <p:cond delay="0"/>
+                            </p:stCondLst>
+                            <p:childTnLst>
+                              <p:par>
+                                <p:cTn id="5" presetID="1" presetClass="entr" presetSubtype="0" fill="hold" grpId="0" nodeType="clickEffect">
+                                  <p:stCondLst>
+                                    <p:cond delay="0"/>
+                                  </p:stCondLst>
+                                  <p:childTnLst>
+                                    <p:set>
+                                      <p:cBhvr>
+                                        <p:cTn id="6" dur="1" fill="hold">
+                                          <p:stCondLst>
+                                            <p:cond delay="0"/>
+                                          </p:stCondLst>
+                                        </p:cTn>
+                                        <p:tgtEl>
+                                          <p:spTgt spid="11"/>
+                                        </p:tgtEl>
+                                        <p:attrNameLst>
+                                          <p:attrName>style.visibility</p:attrName>
+                                        </p:attrNameLst>
+                                      </p:cBhvr>
+                                      <p:to>
+                                        <p:strVal val="visible"/>
+                                      </p:to>
+                                    </p:set>
+                                  </p:childTnLst>
+                                </p:cTn>
+                              </p:par>
+                              <p:par>
+                                <p:cTn id="7" presetID="1" presetClass="entr" presetSubtype="0" fill="hold" grpId="0" nodeType="withEffect">
+                                  <p:stCondLst>
+                                    <p:cond delay="0"/>
+                                  </p:stCondLst>
+                                  <p:childTnLst>
+                                    <p:set>
+                                      <p:cBhvr>
+                                        <p:cTn id="8" dur="1" fill="hold">
+                                          <p:stCondLst>
+                                            <p:cond delay="0"/>
+                                          </p:stCondLst>
+                                        </p:cTn>
+                                        <p:tgtEl>
+                                          <p:spTgt spid="8"/>
+                                        </p:tgtEl>
+                                        <p:attrNameLst>
+                                          <p:attrName>style.visibility</p:attrName>
+                                        </p:attrNameLst>
+                                      </p:cBhvr>
+                                      <p:to>
+                                        <p:strVal val="visible"/>
+                                      </p:to>
+                                    </p:set>
+                                  </p:childTnLst>
+                                </p:cTn>
+                              </p:par>
+                              <p:par>
+                                <p:cTn id="9" presetID="1" presetClass="entr" presetSubtype="0" fill="hold" grpId="0" nodeType="withEffect">
+                                  <p:stCondLst>
+                                    <p:cond delay="0"/>
+                                  </p:stCondLst>
+                                  <p:childTnLst>
+                                    <p:set>
+                                      <p:cBhvr>
+                                        <p:cTn id="10" dur="1" fill="hold">
+                                          <p:stCondLst>
+                                            <p:cond delay="0"/>
+                                          </p:stCondLst>
+                                        </p:cTn>
+                                        <p:tgtEl>
+                                          <p:spTgt spid="12"/>
+                                        </p:tgtEl>
+                                        <p:attrNameLst>
+                                          <p:attrName>style.visibility</p:attrName>
+                                        </p:attrNameLst>
+                                      </p:cBhvr>
+                                      <p:to>
+                                        <p:strVal val="visible"/>
+                                      </p:to>
+                                    </p:set>
+                                  </p:childTnLst>
+                                </p:cTn>
+                              </p:par>
+                              <p:par>
+                                <p:cTn id="11" presetID="1" presetClass="entr" presetSubtype="0" fill="hold" grpId="0" nodeType="withEffect">
+                                  <p:stCondLst>
+                                    <p:cond delay="0"/>
+                                  </p:stCondLst>
+                                  <p:childTnLst>
+                                    <p:set>
+                                      <p:cBhvr>
+                                        <p:cTn id="12" dur="1" fill="hold">
+                                          <p:stCondLst>
+                                            <p:cond delay="0"/>
+                                          </p:stCondLst>
+                                        </p:cTn>
+                                        <p:tgtEl>
+                                          <p:spTgt spid="9"/>
+                                        </p:tgtEl>
+                                        <p:attrNameLst>
+                                          <p:attrName>style.visibility</p:attrName>
+                                        </p:attrNameLst>
+                                      </p:cBhvr>
+                                      <p:to>
+                                        <p:strVal val="visible"/>
+                                      </p:to>
+                                    </p:set>
+                                  </p:childTnLst>
+                                </p:cTn>
+                              </p:par>
+                            </p:childTnLst>
+                          </p:cTn>
+                        </p:par>
+                      </p:childTnLst>
+                    </p:cTn>
+                  </p:par>
+                </p:childTnLst>
+              </p:cTn>
+              <p:prevCondLst>
+                <p:cond evt="onPrev" delay="0">
+                  <p:tgtEl>
+                    <p:sldTgt/>
+                  </p:tgtEl>
+                </p:cond>
+              </p:prevCondLst>
+              <p:nextCondLst>
+                <p:cond evt="onNext" delay="0">
+                  <p:tgtEl>
+                    <p:sldTgt/>
+                  </p:tgtEl>
+                </p:cond>
+              </p:nextCondLst>
+            </p:seq>
+          </p:childTnLst>
+        </p:cTn>
+      </p:par>
+    </p:tnLst>
+    <p:bldLst>
+      <p:bldP spid="8" grpId="0" animBg="1"/>
+      <p:bldP spid="9" grpId="0" animBg="1"/>
+      <p:bldP spid="11" grpId="0" animBg="1"/>
+      <p:bldP spid="12" grpId="0" animBg="1"/>
+    </p:bldLst>
+  </p:timing>
 </p:sld>
 </file>
 
@@ -11302,6 +13052,528 @@
   <p:clrMapOvr>
     <a:masterClrMapping/>
   </p:clrMapOvr>
+  <p:timing>
+    <p:tnLst>
+      <p:par>
+        <p:cTn id="1" dur="indefinite" restart="never" nodeType="tmRoot">
+          <p:childTnLst>
+            <p:seq concurrent="1" nextAc="seek">
+              <p:cTn id="2" dur="indefinite" nodeType="mainSeq">
+                <p:childTnLst>
+                  <p:par>
+                    <p:cTn id="3" fill="hold">
+                      <p:stCondLst>
+                        <p:cond delay="indefinite"/>
+                        <p:cond evt="onBegin" delay="0">
+                          <p:tn val="2"/>
+                        </p:cond>
+                      </p:stCondLst>
+                      <p:childTnLst>
+                        <p:par>
+                          <p:cTn id="4" fill="hold">
+                            <p:stCondLst>
+                              <p:cond delay="0"/>
+                            </p:stCondLst>
+                            <p:childTnLst>
+                              <p:par>
+                                <p:cTn id="5" presetID="1" presetClass="entr" presetSubtype="0" fill="hold" grpId="0" nodeType="withEffect">
+                                  <p:stCondLst>
+                                    <p:cond delay="0"/>
+                                  </p:stCondLst>
+                                  <p:childTnLst>
+                                    <p:set>
+                                      <p:cBhvr>
+                                        <p:cTn id="6" dur="1" fill="hold">
+                                          <p:stCondLst>
+                                            <p:cond delay="0"/>
+                                          </p:stCondLst>
+                                        </p:cTn>
+                                        <p:tgtEl>
+                                          <p:spTgt spid="7"/>
+                                        </p:tgtEl>
+                                        <p:attrNameLst>
+                                          <p:attrName>style.visibility</p:attrName>
+                                        </p:attrNameLst>
+                                      </p:cBhvr>
+                                      <p:to>
+                                        <p:strVal val="visible"/>
+                                      </p:to>
+                                    </p:set>
+                                  </p:childTnLst>
+                                </p:cTn>
+                              </p:par>
+                              <p:par>
+                                <p:cTn id="7" presetID="1" presetClass="entr" presetSubtype="0" fill="hold" grpId="0" nodeType="withEffect">
+                                  <p:stCondLst>
+                                    <p:cond delay="0"/>
+                                  </p:stCondLst>
+                                  <p:childTnLst>
+                                    <p:set>
+                                      <p:cBhvr>
+                                        <p:cTn id="8" dur="1" fill="hold">
+                                          <p:stCondLst>
+                                            <p:cond delay="0"/>
+                                          </p:stCondLst>
+                                        </p:cTn>
+                                        <p:tgtEl>
+                                          <p:spTgt spid="8"/>
+                                        </p:tgtEl>
+                                        <p:attrNameLst>
+                                          <p:attrName>style.visibility</p:attrName>
+                                        </p:attrNameLst>
+                                      </p:cBhvr>
+                                      <p:to>
+                                        <p:strVal val="visible"/>
+                                      </p:to>
+                                    </p:set>
+                                  </p:childTnLst>
+                                </p:cTn>
+                              </p:par>
+                              <p:par>
+                                <p:cTn id="9" presetID="1" presetClass="entr" presetSubtype="0" fill="hold" nodeType="withEffect">
+                                  <p:stCondLst>
+                                    <p:cond delay="0"/>
+                                  </p:stCondLst>
+                                  <p:childTnLst>
+                                    <p:set>
+                                      <p:cBhvr>
+                                        <p:cTn id="10" dur="1" fill="hold">
+                                          <p:stCondLst>
+                                            <p:cond delay="0"/>
+                                          </p:stCondLst>
+                                        </p:cTn>
+                                        <p:tgtEl>
+                                          <p:spTgt spid="7">
+                                            <p:txEl>
+                                              <p:pRg st="0" end="0"/>
+                                            </p:txEl>
+                                          </p:spTgt>
+                                        </p:tgtEl>
+                                        <p:attrNameLst>
+                                          <p:attrName>style.visibility</p:attrName>
+                                        </p:attrNameLst>
+                                      </p:cBhvr>
+                                      <p:to>
+                                        <p:strVal val="visible"/>
+                                      </p:to>
+                                    </p:set>
+                                  </p:childTnLst>
+                                </p:cTn>
+                              </p:par>
+                            </p:childTnLst>
+                          </p:cTn>
+                        </p:par>
+                      </p:childTnLst>
+                    </p:cTn>
+                  </p:par>
+                  <p:par>
+                    <p:cTn id="11" fill="hold">
+                      <p:stCondLst>
+                        <p:cond delay="indefinite"/>
+                      </p:stCondLst>
+                      <p:childTnLst>
+                        <p:par>
+                          <p:cTn id="12" fill="hold">
+                            <p:stCondLst>
+                              <p:cond delay="0"/>
+                            </p:stCondLst>
+                            <p:childTnLst>
+                              <p:par>
+                                <p:cTn id="13" presetID="1" presetClass="entr" presetSubtype="0" fill="hold" nodeType="clickEffect">
+                                  <p:stCondLst>
+                                    <p:cond delay="0"/>
+                                  </p:stCondLst>
+                                  <p:childTnLst>
+                                    <p:set>
+                                      <p:cBhvr>
+                                        <p:cTn id="14" dur="1" fill="hold">
+                                          <p:stCondLst>
+                                            <p:cond delay="0"/>
+                                          </p:stCondLst>
+                                        </p:cTn>
+                                        <p:tgtEl>
+                                          <p:spTgt spid="7">
+                                            <p:txEl>
+                                              <p:pRg st="1" end="1"/>
+                                            </p:txEl>
+                                          </p:spTgt>
+                                        </p:tgtEl>
+                                        <p:attrNameLst>
+                                          <p:attrName>style.visibility</p:attrName>
+                                        </p:attrNameLst>
+                                      </p:cBhvr>
+                                      <p:to>
+                                        <p:strVal val="visible"/>
+                                      </p:to>
+                                    </p:set>
+                                  </p:childTnLst>
+                                </p:cTn>
+                              </p:par>
+                              <p:par>
+                                <p:cTn id="15" presetID="1" presetClass="entr" presetSubtype="0" fill="hold" nodeType="withEffect">
+                                  <p:stCondLst>
+                                    <p:cond delay="0"/>
+                                  </p:stCondLst>
+                                  <p:childTnLst>
+                                    <p:set>
+                                      <p:cBhvr>
+                                        <p:cTn id="16" dur="1" fill="hold">
+                                          <p:stCondLst>
+                                            <p:cond delay="0"/>
+                                          </p:stCondLst>
+                                        </p:cTn>
+                                        <p:tgtEl>
+                                          <p:spTgt spid="7">
+                                            <p:txEl>
+                                              <p:pRg st="2" end="2"/>
+                                            </p:txEl>
+                                          </p:spTgt>
+                                        </p:tgtEl>
+                                        <p:attrNameLst>
+                                          <p:attrName>style.visibility</p:attrName>
+                                        </p:attrNameLst>
+                                      </p:cBhvr>
+                                      <p:to>
+                                        <p:strVal val="visible"/>
+                                      </p:to>
+                                    </p:set>
+                                  </p:childTnLst>
+                                </p:cTn>
+                              </p:par>
+                              <p:par>
+                                <p:cTn id="17" presetID="1" presetClass="entr" presetSubtype="0" fill="hold" nodeType="withEffect">
+                                  <p:stCondLst>
+                                    <p:cond delay="0"/>
+                                  </p:stCondLst>
+                                  <p:childTnLst>
+                                    <p:set>
+                                      <p:cBhvr>
+                                        <p:cTn id="18" dur="1" fill="hold">
+                                          <p:stCondLst>
+                                            <p:cond delay="0"/>
+                                          </p:stCondLst>
+                                        </p:cTn>
+                                        <p:tgtEl>
+                                          <p:spTgt spid="7">
+                                            <p:txEl>
+                                              <p:pRg st="3" end="3"/>
+                                            </p:txEl>
+                                          </p:spTgt>
+                                        </p:tgtEl>
+                                        <p:attrNameLst>
+                                          <p:attrName>style.visibility</p:attrName>
+                                        </p:attrNameLst>
+                                      </p:cBhvr>
+                                      <p:to>
+                                        <p:strVal val="visible"/>
+                                      </p:to>
+                                    </p:set>
+                                  </p:childTnLst>
+                                </p:cTn>
+                              </p:par>
+                            </p:childTnLst>
+                          </p:cTn>
+                        </p:par>
+                      </p:childTnLst>
+                    </p:cTn>
+                  </p:par>
+                  <p:par>
+                    <p:cTn id="19" fill="hold">
+                      <p:stCondLst>
+                        <p:cond delay="indefinite"/>
+                      </p:stCondLst>
+                      <p:childTnLst>
+                        <p:par>
+                          <p:cTn id="20" fill="hold">
+                            <p:stCondLst>
+                              <p:cond delay="0"/>
+                            </p:stCondLst>
+                            <p:childTnLst>
+                              <p:par>
+                                <p:cTn id="21" presetID="1" presetClass="entr" presetSubtype="0" fill="hold" nodeType="clickEffect">
+                                  <p:stCondLst>
+                                    <p:cond delay="0"/>
+                                  </p:stCondLst>
+                                  <p:childTnLst>
+                                    <p:set>
+                                      <p:cBhvr>
+                                        <p:cTn id="22" dur="1" fill="hold">
+                                          <p:stCondLst>
+                                            <p:cond delay="0"/>
+                                          </p:stCondLst>
+                                        </p:cTn>
+                                        <p:tgtEl>
+                                          <p:spTgt spid="7">
+                                            <p:txEl>
+                                              <p:pRg st="4" end="4"/>
+                                            </p:txEl>
+                                          </p:spTgt>
+                                        </p:tgtEl>
+                                        <p:attrNameLst>
+                                          <p:attrName>style.visibility</p:attrName>
+                                        </p:attrNameLst>
+                                      </p:cBhvr>
+                                      <p:to>
+                                        <p:strVal val="visible"/>
+                                      </p:to>
+                                    </p:set>
+                                  </p:childTnLst>
+                                </p:cTn>
+                              </p:par>
+                              <p:par>
+                                <p:cTn id="23" presetID="1" presetClass="entr" presetSubtype="0" fill="hold" nodeType="withEffect">
+                                  <p:stCondLst>
+                                    <p:cond delay="0"/>
+                                  </p:stCondLst>
+                                  <p:childTnLst>
+                                    <p:set>
+                                      <p:cBhvr>
+                                        <p:cTn id="24" dur="1" fill="hold">
+                                          <p:stCondLst>
+                                            <p:cond delay="0"/>
+                                          </p:stCondLst>
+                                        </p:cTn>
+                                        <p:tgtEl>
+                                          <p:spTgt spid="7">
+                                            <p:txEl>
+                                              <p:pRg st="5" end="5"/>
+                                            </p:txEl>
+                                          </p:spTgt>
+                                        </p:tgtEl>
+                                        <p:attrNameLst>
+                                          <p:attrName>style.visibility</p:attrName>
+                                        </p:attrNameLst>
+                                      </p:cBhvr>
+                                      <p:to>
+                                        <p:strVal val="visible"/>
+                                      </p:to>
+                                    </p:set>
+                                  </p:childTnLst>
+                                </p:cTn>
+                              </p:par>
+                              <p:par>
+                                <p:cTn id="25" presetID="1" presetClass="entr" presetSubtype="0" fill="hold" nodeType="withEffect">
+                                  <p:stCondLst>
+                                    <p:cond delay="0"/>
+                                  </p:stCondLst>
+                                  <p:childTnLst>
+                                    <p:set>
+                                      <p:cBhvr>
+                                        <p:cTn id="26" dur="1" fill="hold">
+                                          <p:stCondLst>
+                                            <p:cond delay="0"/>
+                                          </p:stCondLst>
+                                        </p:cTn>
+                                        <p:tgtEl>
+                                          <p:spTgt spid="7">
+                                            <p:txEl>
+                                              <p:pRg st="6" end="6"/>
+                                            </p:txEl>
+                                          </p:spTgt>
+                                        </p:tgtEl>
+                                        <p:attrNameLst>
+                                          <p:attrName>style.visibility</p:attrName>
+                                        </p:attrNameLst>
+                                      </p:cBhvr>
+                                      <p:to>
+                                        <p:strVal val="visible"/>
+                                      </p:to>
+                                    </p:set>
+                                  </p:childTnLst>
+                                </p:cTn>
+                              </p:par>
+                            </p:childTnLst>
+                          </p:cTn>
+                        </p:par>
+                      </p:childTnLst>
+                    </p:cTn>
+                  </p:par>
+                  <p:par>
+                    <p:cTn id="27" fill="hold">
+                      <p:stCondLst>
+                        <p:cond delay="indefinite"/>
+                      </p:stCondLst>
+                      <p:childTnLst>
+                        <p:par>
+                          <p:cTn id="28" fill="hold">
+                            <p:stCondLst>
+                              <p:cond delay="0"/>
+                            </p:stCondLst>
+                            <p:childTnLst>
+                              <p:par>
+                                <p:cTn id="29" presetID="1" presetClass="entr" presetSubtype="0" fill="hold" nodeType="clickEffect">
+                                  <p:stCondLst>
+                                    <p:cond delay="0"/>
+                                  </p:stCondLst>
+                                  <p:childTnLst>
+                                    <p:set>
+                                      <p:cBhvr>
+                                        <p:cTn id="30" dur="1" fill="hold">
+                                          <p:stCondLst>
+                                            <p:cond delay="0"/>
+                                          </p:stCondLst>
+                                        </p:cTn>
+                                        <p:tgtEl>
+                                          <p:spTgt spid="7">
+                                            <p:txEl>
+                                              <p:pRg st="7" end="7"/>
+                                            </p:txEl>
+                                          </p:spTgt>
+                                        </p:tgtEl>
+                                        <p:attrNameLst>
+                                          <p:attrName>style.visibility</p:attrName>
+                                        </p:attrNameLst>
+                                      </p:cBhvr>
+                                      <p:to>
+                                        <p:strVal val="visible"/>
+                                      </p:to>
+                                    </p:set>
+                                  </p:childTnLst>
+                                </p:cTn>
+                              </p:par>
+                            </p:childTnLst>
+                          </p:cTn>
+                        </p:par>
+                      </p:childTnLst>
+                    </p:cTn>
+                  </p:par>
+                  <p:par>
+                    <p:cTn id="31" fill="hold">
+                      <p:stCondLst>
+                        <p:cond delay="indefinite"/>
+                      </p:stCondLst>
+                      <p:childTnLst>
+                        <p:par>
+                          <p:cTn id="32" fill="hold">
+                            <p:stCondLst>
+                              <p:cond delay="0"/>
+                            </p:stCondLst>
+                            <p:childTnLst>
+                              <p:par>
+                                <p:cTn id="33" presetID="1" presetClass="entr" presetSubtype="0" fill="hold" nodeType="clickEffect">
+                                  <p:stCondLst>
+                                    <p:cond delay="0"/>
+                                  </p:stCondLst>
+                                  <p:childTnLst>
+                                    <p:set>
+                                      <p:cBhvr>
+                                        <p:cTn id="34" dur="1" fill="hold">
+                                          <p:stCondLst>
+                                            <p:cond delay="0"/>
+                                          </p:stCondLst>
+                                        </p:cTn>
+                                        <p:tgtEl>
+                                          <p:spTgt spid="7">
+                                            <p:txEl>
+                                              <p:pRg st="8" end="8"/>
+                                            </p:txEl>
+                                          </p:spTgt>
+                                        </p:tgtEl>
+                                        <p:attrNameLst>
+                                          <p:attrName>style.visibility</p:attrName>
+                                        </p:attrNameLst>
+                                      </p:cBhvr>
+                                      <p:to>
+                                        <p:strVal val="visible"/>
+                                      </p:to>
+                                    </p:set>
+                                  </p:childTnLst>
+                                </p:cTn>
+                              </p:par>
+                              <p:par>
+                                <p:cTn id="35" presetID="1" presetClass="entr" presetSubtype="0" fill="hold" nodeType="withEffect">
+                                  <p:stCondLst>
+                                    <p:cond delay="0"/>
+                                  </p:stCondLst>
+                                  <p:childTnLst>
+                                    <p:set>
+                                      <p:cBhvr>
+                                        <p:cTn id="36" dur="1" fill="hold">
+                                          <p:stCondLst>
+                                            <p:cond delay="0"/>
+                                          </p:stCondLst>
+                                        </p:cTn>
+                                        <p:tgtEl>
+                                          <p:spTgt spid="7">
+                                            <p:txEl>
+                                              <p:pRg st="9" end="9"/>
+                                            </p:txEl>
+                                          </p:spTgt>
+                                        </p:tgtEl>
+                                        <p:attrNameLst>
+                                          <p:attrName>style.visibility</p:attrName>
+                                        </p:attrNameLst>
+                                      </p:cBhvr>
+                                      <p:to>
+                                        <p:strVal val="visible"/>
+                                      </p:to>
+                                    </p:set>
+                                  </p:childTnLst>
+                                </p:cTn>
+                              </p:par>
+                              <p:par>
+                                <p:cTn id="37" presetID="1" presetClass="entr" presetSubtype="0" fill="hold" nodeType="withEffect">
+                                  <p:stCondLst>
+                                    <p:cond delay="0"/>
+                                  </p:stCondLst>
+                                  <p:childTnLst>
+                                    <p:set>
+                                      <p:cBhvr>
+                                        <p:cTn id="38" dur="1" fill="hold">
+                                          <p:stCondLst>
+                                            <p:cond delay="0"/>
+                                          </p:stCondLst>
+                                        </p:cTn>
+                                        <p:tgtEl>
+                                          <p:spTgt spid="7">
+                                            <p:txEl>
+                                              <p:pRg st="10" end="10"/>
+                                            </p:txEl>
+                                          </p:spTgt>
+                                        </p:tgtEl>
+                                        <p:attrNameLst>
+                                          <p:attrName>style.visibility</p:attrName>
+                                        </p:attrNameLst>
+                                      </p:cBhvr>
+                                      <p:to>
+                                        <p:strVal val="visible"/>
+                                      </p:to>
+                                    </p:set>
+                                  </p:childTnLst>
+                                </p:cTn>
+                              </p:par>
+                            </p:childTnLst>
+                          </p:cTn>
+                        </p:par>
+                      </p:childTnLst>
+                    </p:cTn>
+                  </p:par>
+                </p:childTnLst>
+              </p:cTn>
+              <p:prevCondLst>
+                <p:cond evt="onPrev" delay="0">
+                  <p:tgtEl>
+                    <p:sldTgt/>
+                  </p:tgtEl>
+                </p:cond>
+              </p:prevCondLst>
+              <p:nextCondLst>
+                <p:cond evt="onNext" delay="0">
+                  <p:tgtEl>
+                    <p:sldTgt/>
+                  </p:tgtEl>
+                </p:cond>
+              </p:nextCondLst>
+            </p:seq>
+          </p:childTnLst>
+        </p:cTn>
+      </p:par>
+    </p:tnLst>
+    <p:bldLst>
+      <p:bldP spid="7" grpId="0" animBg="1"/>
+      <p:bldP spid="8" grpId="0" animBg="1"/>
+    </p:bldLst>
+  </p:timing>
 </p:sld>
 </file>
 
@@ -12240,6 +14512,610 @@
   <p:clrMapOvr>
     <a:masterClrMapping/>
   </p:clrMapOvr>
+  <p:timing>
+    <p:tnLst>
+      <p:par>
+        <p:cTn id="1" dur="indefinite" restart="never" nodeType="tmRoot">
+          <p:childTnLst>
+            <p:seq concurrent="1" nextAc="seek">
+              <p:cTn id="2" dur="indefinite" nodeType="mainSeq">
+                <p:childTnLst>
+                  <p:par>
+                    <p:cTn id="3" fill="hold">
+                      <p:stCondLst>
+                        <p:cond delay="indefinite"/>
+                        <p:cond evt="onBegin" delay="0">
+                          <p:tn val="2"/>
+                        </p:cond>
+                      </p:stCondLst>
+                      <p:childTnLst>
+                        <p:par>
+                          <p:cTn id="4" fill="hold">
+                            <p:stCondLst>
+                              <p:cond delay="0"/>
+                            </p:stCondLst>
+                            <p:childTnLst>
+                              <p:par>
+                                <p:cTn id="5" presetID="1" presetClass="entr" presetSubtype="0" fill="hold" grpId="0" nodeType="withEffect">
+                                  <p:stCondLst>
+                                    <p:cond delay="0"/>
+                                  </p:stCondLst>
+                                  <p:childTnLst>
+                                    <p:set>
+                                      <p:cBhvr>
+                                        <p:cTn id="6" dur="1" fill="hold">
+                                          <p:stCondLst>
+                                            <p:cond delay="0"/>
+                                          </p:stCondLst>
+                                        </p:cTn>
+                                        <p:tgtEl>
+                                          <p:spTgt spid="7"/>
+                                        </p:tgtEl>
+                                        <p:attrNameLst>
+                                          <p:attrName>style.visibility</p:attrName>
+                                        </p:attrNameLst>
+                                      </p:cBhvr>
+                                      <p:to>
+                                        <p:strVal val="visible"/>
+                                      </p:to>
+                                    </p:set>
+                                  </p:childTnLst>
+                                </p:cTn>
+                              </p:par>
+                              <p:par>
+                                <p:cTn id="7" presetID="1" presetClass="entr" presetSubtype="0" fill="hold" nodeType="withEffect">
+                                  <p:stCondLst>
+                                    <p:cond delay="0"/>
+                                  </p:stCondLst>
+                                  <p:childTnLst>
+                                    <p:set>
+                                      <p:cBhvr>
+                                        <p:cTn id="8" dur="1" fill="hold">
+                                          <p:stCondLst>
+                                            <p:cond delay="0"/>
+                                          </p:stCondLst>
+                                        </p:cTn>
+                                        <p:tgtEl>
+                                          <p:spTgt spid="7">
+                                            <p:txEl>
+                                              <p:pRg st="0" end="0"/>
+                                            </p:txEl>
+                                          </p:spTgt>
+                                        </p:tgtEl>
+                                        <p:attrNameLst>
+                                          <p:attrName>style.visibility</p:attrName>
+                                        </p:attrNameLst>
+                                      </p:cBhvr>
+                                      <p:to>
+                                        <p:strVal val="visible"/>
+                                      </p:to>
+                                    </p:set>
+                                  </p:childTnLst>
+                                </p:cTn>
+                              </p:par>
+                              <p:par>
+                                <p:cTn id="9" presetID="1" presetClass="entr" presetSubtype="0" fill="hold" grpId="0" nodeType="withEffect">
+                                  <p:stCondLst>
+                                    <p:cond delay="0"/>
+                                  </p:stCondLst>
+                                  <p:childTnLst>
+                                    <p:set>
+                                      <p:cBhvr>
+                                        <p:cTn id="10" dur="1" fill="hold">
+                                          <p:stCondLst>
+                                            <p:cond delay="0"/>
+                                          </p:stCondLst>
+                                        </p:cTn>
+                                        <p:tgtEl>
+                                          <p:spTgt spid="8"/>
+                                        </p:tgtEl>
+                                        <p:attrNameLst>
+                                          <p:attrName>style.visibility</p:attrName>
+                                        </p:attrNameLst>
+                                      </p:cBhvr>
+                                      <p:to>
+                                        <p:strVal val="visible"/>
+                                      </p:to>
+                                    </p:set>
+                                  </p:childTnLst>
+                                </p:cTn>
+                              </p:par>
+                            </p:childTnLst>
+                          </p:cTn>
+                        </p:par>
+                      </p:childTnLst>
+                    </p:cTn>
+                  </p:par>
+                  <p:par>
+                    <p:cTn id="11" fill="hold">
+                      <p:stCondLst>
+                        <p:cond delay="indefinite"/>
+                      </p:stCondLst>
+                      <p:childTnLst>
+                        <p:par>
+                          <p:cTn id="12" fill="hold">
+                            <p:stCondLst>
+                              <p:cond delay="0"/>
+                            </p:stCondLst>
+                            <p:childTnLst>
+                              <p:par>
+                                <p:cTn id="13" presetID="1" presetClass="entr" presetSubtype="0" fill="hold" nodeType="clickEffect">
+                                  <p:stCondLst>
+                                    <p:cond delay="0"/>
+                                  </p:stCondLst>
+                                  <p:childTnLst>
+                                    <p:set>
+                                      <p:cBhvr>
+                                        <p:cTn id="14" dur="1" fill="hold">
+                                          <p:stCondLst>
+                                            <p:cond delay="0"/>
+                                          </p:stCondLst>
+                                        </p:cTn>
+                                        <p:tgtEl>
+                                          <p:spTgt spid="7">
+                                            <p:txEl>
+                                              <p:pRg st="1" end="1"/>
+                                            </p:txEl>
+                                          </p:spTgt>
+                                        </p:tgtEl>
+                                        <p:attrNameLst>
+                                          <p:attrName>style.visibility</p:attrName>
+                                        </p:attrNameLst>
+                                      </p:cBhvr>
+                                      <p:to>
+                                        <p:strVal val="visible"/>
+                                      </p:to>
+                                    </p:set>
+                                  </p:childTnLst>
+                                </p:cTn>
+                              </p:par>
+                              <p:par>
+                                <p:cTn id="15" presetID="1" presetClass="entr" presetSubtype="0" fill="hold" nodeType="withEffect">
+                                  <p:stCondLst>
+                                    <p:cond delay="0"/>
+                                  </p:stCondLst>
+                                  <p:childTnLst>
+                                    <p:set>
+                                      <p:cBhvr>
+                                        <p:cTn id="16" dur="1" fill="hold">
+                                          <p:stCondLst>
+                                            <p:cond delay="0"/>
+                                          </p:stCondLst>
+                                        </p:cTn>
+                                        <p:tgtEl>
+                                          <p:spTgt spid="7">
+                                            <p:txEl>
+                                              <p:pRg st="2" end="2"/>
+                                            </p:txEl>
+                                          </p:spTgt>
+                                        </p:tgtEl>
+                                        <p:attrNameLst>
+                                          <p:attrName>style.visibility</p:attrName>
+                                        </p:attrNameLst>
+                                      </p:cBhvr>
+                                      <p:to>
+                                        <p:strVal val="visible"/>
+                                      </p:to>
+                                    </p:set>
+                                  </p:childTnLst>
+                                </p:cTn>
+                              </p:par>
+                              <p:par>
+                                <p:cTn id="17" presetID="1" presetClass="entr" presetSubtype="0" fill="hold" nodeType="withEffect">
+                                  <p:stCondLst>
+                                    <p:cond delay="0"/>
+                                  </p:stCondLst>
+                                  <p:childTnLst>
+                                    <p:set>
+                                      <p:cBhvr>
+                                        <p:cTn id="18" dur="1" fill="hold">
+                                          <p:stCondLst>
+                                            <p:cond delay="0"/>
+                                          </p:stCondLst>
+                                        </p:cTn>
+                                        <p:tgtEl>
+                                          <p:spTgt spid="7">
+                                            <p:txEl>
+                                              <p:pRg st="10" end="10"/>
+                                            </p:txEl>
+                                          </p:spTgt>
+                                        </p:tgtEl>
+                                        <p:attrNameLst>
+                                          <p:attrName>style.visibility</p:attrName>
+                                        </p:attrNameLst>
+                                      </p:cBhvr>
+                                      <p:to>
+                                        <p:strVal val="visible"/>
+                                      </p:to>
+                                    </p:set>
+                                  </p:childTnLst>
+                                </p:cTn>
+                              </p:par>
+                            </p:childTnLst>
+                          </p:cTn>
+                        </p:par>
+                      </p:childTnLst>
+                    </p:cTn>
+                  </p:par>
+                  <p:par>
+                    <p:cTn id="19" fill="hold">
+                      <p:stCondLst>
+                        <p:cond delay="indefinite"/>
+                      </p:stCondLst>
+                      <p:childTnLst>
+                        <p:par>
+                          <p:cTn id="20" fill="hold">
+                            <p:stCondLst>
+                              <p:cond delay="0"/>
+                            </p:stCondLst>
+                            <p:childTnLst>
+                              <p:par>
+                                <p:cTn id="21" presetID="1" presetClass="entr" presetSubtype="0" fill="hold" nodeType="clickEffect">
+                                  <p:stCondLst>
+                                    <p:cond delay="0"/>
+                                  </p:stCondLst>
+                                  <p:childTnLst>
+                                    <p:set>
+                                      <p:cBhvr>
+                                        <p:cTn id="22" dur="1" fill="hold">
+                                          <p:stCondLst>
+                                            <p:cond delay="0"/>
+                                          </p:stCondLst>
+                                        </p:cTn>
+                                        <p:tgtEl>
+                                          <p:spTgt spid="7">
+                                            <p:txEl>
+                                              <p:pRg st="3" end="3"/>
+                                            </p:txEl>
+                                          </p:spTgt>
+                                        </p:tgtEl>
+                                        <p:attrNameLst>
+                                          <p:attrName>style.visibility</p:attrName>
+                                        </p:attrNameLst>
+                                      </p:cBhvr>
+                                      <p:to>
+                                        <p:strVal val="visible"/>
+                                      </p:to>
+                                    </p:set>
+                                  </p:childTnLst>
+                                </p:cTn>
+                              </p:par>
+                            </p:childTnLst>
+                          </p:cTn>
+                        </p:par>
+                      </p:childTnLst>
+                    </p:cTn>
+                  </p:par>
+                  <p:par>
+                    <p:cTn id="23" fill="hold">
+                      <p:stCondLst>
+                        <p:cond delay="indefinite"/>
+                      </p:stCondLst>
+                      <p:childTnLst>
+                        <p:par>
+                          <p:cTn id="24" fill="hold">
+                            <p:stCondLst>
+                              <p:cond delay="0"/>
+                            </p:stCondLst>
+                            <p:childTnLst>
+                              <p:par>
+                                <p:cTn id="25" presetID="1" presetClass="entr" presetSubtype="0" fill="hold" nodeType="clickEffect">
+                                  <p:stCondLst>
+                                    <p:cond delay="0"/>
+                                  </p:stCondLst>
+                                  <p:childTnLst>
+                                    <p:set>
+                                      <p:cBhvr>
+                                        <p:cTn id="26" dur="1" fill="hold">
+                                          <p:stCondLst>
+                                            <p:cond delay="0"/>
+                                          </p:stCondLst>
+                                        </p:cTn>
+                                        <p:tgtEl>
+                                          <p:spTgt spid="7">
+                                            <p:txEl>
+                                              <p:pRg st="4" end="4"/>
+                                            </p:txEl>
+                                          </p:spTgt>
+                                        </p:tgtEl>
+                                        <p:attrNameLst>
+                                          <p:attrName>style.visibility</p:attrName>
+                                        </p:attrNameLst>
+                                      </p:cBhvr>
+                                      <p:to>
+                                        <p:strVal val="visible"/>
+                                      </p:to>
+                                    </p:set>
+                                  </p:childTnLst>
+                                </p:cTn>
+                              </p:par>
+                              <p:par>
+                                <p:cTn id="27" presetID="1" presetClass="entr" presetSubtype="0" fill="hold" nodeType="withEffect">
+                                  <p:stCondLst>
+                                    <p:cond delay="0"/>
+                                  </p:stCondLst>
+                                  <p:childTnLst>
+                                    <p:set>
+                                      <p:cBhvr>
+                                        <p:cTn id="28" dur="1" fill="hold">
+                                          <p:stCondLst>
+                                            <p:cond delay="0"/>
+                                          </p:stCondLst>
+                                        </p:cTn>
+                                        <p:tgtEl>
+                                          <p:spTgt spid="7">
+                                            <p:txEl>
+                                              <p:pRg st="5" end="5"/>
+                                            </p:txEl>
+                                          </p:spTgt>
+                                        </p:tgtEl>
+                                        <p:attrNameLst>
+                                          <p:attrName>style.visibility</p:attrName>
+                                        </p:attrNameLst>
+                                      </p:cBhvr>
+                                      <p:to>
+                                        <p:strVal val="visible"/>
+                                      </p:to>
+                                    </p:set>
+                                  </p:childTnLst>
+                                </p:cTn>
+                              </p:par>
+                            </p:childTnLst>
+                          </p:cTn>
+                        </p:par>
+                      </p:childTnLst>
+                    </p:cTn>
+                  </p:par>
+                  <p:par>
+                    <p:cTn id="29" fill="hold">
+                      <p:stCondLst>
+                        <p:cond delay="indefinite"/>
+                      </p:stCondLst>
+                      <p:childTnLst>
+                        <p:par>
+                          <p:cTn id="30" fill="hold">
+                            <p:stCondLst>
+                              <p:cond delay="0"/>
+                            </p:stCondLst>
+                            <p:childTnLst>
+                              <p:par>
+                                <p:cTn id="31" presetID="1" presetClass="entr" presetSubtype="0" fill="hold" nodeType="clickEffect">
+                                  <p:stCondLst>
+                                    <p:cond delay="0"/>
+                                  </p:stCondLst>
+                                  <p:childTnLst>
+                                    <p:set>
+                                      <p:cBhvr>
+                                        <p:cTn id="32" dur="1" fill="hold">
+                                          <p:stCondLst>
+                                            <p:cond delay="0"/>
+                                          </p:stCondLst>
+                                        </p:cTn>
+                                        <p:tgtEl>
+                                          <p:spTgt spid="7">
+                                            <p:txEl>
+                                              <p:pRg st="6" end="6"/>
+                                            </p:txEl>
+                                          </p:spTgt>
+                                        </p:tgtEl>
+                                        <p:attrNameLst>
+                                          <p:attrName>style.visibility</p:attrName>
+                                        </p:attrNameLst>
+                                      </p:cBhvr>
+                                      <p:to>
+                                        <p:strVal val="visible"/>
+                                      </p:to>
+                                    </p:set>
+                                  </p:childTnLst>
+                                </p:cTn>
+                              </p:par>
+                              <p:par>
+                                <p:cTn id="33" presetID="1" presetClass="entr" presetSubtype="0" fill="hold" nodeType="withEffect">
+                                  <p:stCondLst>
+                                    <p:cond delay="0"/>
+                                  </p:stCondLst>
+                                  <p:childTnLst>
+                                    <p:set>
+                                      <p:cBhvr>
+                                        <p:cTn id="34" dur="1" fill="hold">
+                                          <p:stCondLst>
+                                            <p:cond delay="0"/>
+                                          </p:stCondLst>
+                                        </p:cTn>
+                                        <p:tgtEl>
+                                          <p:spTgt spid="7">
+                                            <p:txEl>
+                                              <p:pRg st="7" end="7"/>
+                                            </p:txEl>
+                                          </p:spTgt>
+                                        </p:tgtEl>
+                                        <p:attrNameLst>
+                                          <p:attrName>style.visibility</p:attrName>
+                                        </p:attrNameLst>
+                                      </p:cBhvr>
+                                      <p:to>
+                                        <p:strVal val="visible"/>
+                                      </p:to>
+                                    </p:set>
+                                  </p:childTnLst>
+                                </p:cTn>
+                              </p:par>
+                            </p:childTnLst>
+                          </p:cTn>
+                        </p:par>
+                      </p:childTnLst>
+                    </p:cTn>
+                  </p:par>
+                  <p:par>
+                    <p:cTn id="35" fill="hold">
+                      <p:stCondLst>
+                        <p:cond delay="indefinite"/>
+                      </p:stCondLst>
+                      <p:childTnLst>
+                        <p:par>
+                          <p:cTn id="36" fill="hold">
+                            <p:stCondLst>
+                              <p:cond delay="0"/>
+                            </p:stCondLst>
+                            <p:childTnLst>
+                              <p:par>
+                                <p:cTn id="37" presetID="1" presetClass="entr" presetSubtype="0" fill="hold" nodeType="clickEffect">
+                                  <p:stCondLst>
+                                    <p:cond delay="0"/>
+                                  </p:stCondLst>
+                                  <p:childTnLst>
+                                    <p:set>
+                                      <p:cBhvr>
+                                        <p:cTn id="38" dur="1" fill="hold">
+                                          <p:stCondLst>
+                                            <p:cond delay="0"/>
+                                          </p:stCondLst>
+                                        </p:cTn>
+                                        <p:tgtEl>
+                                          <p:spTgt spid="7">
+                                            <p:txEl>
+                                              <p:pRg st="8" end="8"/>
+                                            </p:txEl>
+                                          </p:spTgt>
+                                        </p:tgtEl>
+                                        <p:attrNameLst>
+                                          <p:attrName>style.visibility</p:attrName>
+                                        </p:attrNameLst>
+                                      </p:cBhvr>
+                                      <p:to>
+                                        <p:strVal val="visible"/>
+                                      </p:to>
+                                    </p:set>
+                                  </p:childTnLst>
+                                </p:cTn>
+                              </p:par>
+                            </p:childTnLst>
+                          </p:cTn>
+                        </p:par>
+                      </p:childTnLst>
+                    </p:cTn>
+                  </p:par>
+                  <p:par>
+                    <p:cTn id="39" fill="hold">
+                      <p:stCondLst>
+                        <p:cond delay="indefinite"/>
+                      </p:stCondLst>
+                      <p:childTnLst>
+                        <p:par>
+                          <p:cTn id="40" fill="hold">
+                            <p:stCondLst>
+                              <p:cond delay="0"/>
+                            </p:stCondLst>
+                            <p:childTnLst>
+                              <p:par>
+                                <p:cTn id="41" presetID="1" presetClass="entr" presetSubtype="0" fill="hold" nodeType="clickEffect">
+                                  <p:stCondLst>
+                                    <p:cond delay="0"/>
+                                  </p:stCondLst>
+                                  <p:childTnLst>
+                                    <p:set>
+                                      <p:cBhvr>
+                                        <p:cTn id="42" dur="1" fill="hold">
+                                          <p:stCondLst>
+                                            <p:cond delay="0"/>
+                                          </p:stCondLst>
+                                        </p:cTn>
+                                        <p:tgtEl>
+                                          <p:spTgt spid="7">
+                                            <p:txEl>
+                                              <p:pRg st="9" end="9"/>
+                                            </p:txEl>
+                                          </p:spTgt>
+                                        </p:tgtEl>
+                                        <p:attrNameLst>
+                                          <p:attrName>style.visibility</p:attrName>
+                                        </p:attrNameLst>
+                                      </p:cBhvr>
+                                      <p:to>
+                                        <p:strVal val="visible"/>
+                                      </p:to>
+                                    </p:set>
+                                  </p:childTnLst>
+                                </p:cTn>
+                              </p:par>
+                            </p:childTnLst>
+                          </p:cTn>
+                        </p:par>
+                      </p:childTnLst>
+                    </p:cTn>
+                  </p:par>
+                  <p:par>
+                    <p:cTn id="43" fill="hold">
+                      <p:stCondLst>
+                        <p:cond delay="indefinite"/>
+                      </p:stCondLst>
+                      <p:childTnLst>
+                        <p:par>
+                          <p:cTn id="44" fill="hold">
+                            <p:stCondLst>
+                              <p:cond delay="0"/>
+                            </p:stCondLst>
+                            <p:childTnLst>
+                              <p:par>
+                                <p:cTn id="45" presetID="1" presetClass="entr" presetSubtype="0" fill="hold" grpId="0" nodeType="clickEffect">
+                                  <p:stCondLst>
+                                    <p:cond delay="0"/>
+                                  </p:stCondLst>
+                                  <p:childTnLst>
+                                    <p:set>
+                                      <p:cBhvr>
+                                        <p:cTn id="46" dur="1" fill="hold">
+                                          <p:stCondLst>
+                                            <p:cond delay="0"/>
+                                          </p:stCondLst>
+                                        </p:cTn>
+                                        <p:tgtEl>
+                                          <p:spTgt spid="4"/>
+                                        </p:tgtEl>
+                                        <p:attrNameLst>
+                                          <p:attrName>style.visibility</p:attrName>
+                                        </p:attrNameLst>
+                                      </p:cBhvr>
+                                      <p:to>
+                                        <p:strVal val="visible"/>
+                                      </p:to>
+                                    </p:set>
+                                  </p:childTnLst>
+                                </p:cTn>
+                              </p:par>
+                            </p:childTnLst>
+                          </p:cTn>
+                        </p:par>
+                      </p:childTnLst>
+                    </p:cTn>
+                  </p:par>
+                </p:childTnLst>
+              </p:cTn>
+              <p:prevCondLst>
+                <p:cond evt="onPrev" delay="0">
+                  <p:tgtEl>
+                    <p:sldTgt/>
+                  </p:tgtEl>
+                </p:cond>
+              </p:prevCondLst>
+              <p:nextCondLst>
+                <p:cond evt="onNext" delay="0">
+                  <p:tgtEl>
+                    <p:sldTgt/>
+                  </p:tgtEl>
+                </p:cond>
+              </p:nextCondLst>
+            </p:seq>
+          </p:childTnLst>
+        </p:cTn>
+      </p:par>
+    </p:tnLst>
+    <p:bldLst>
+      <p:bldP spid="7" grpId="0" animBg="1"/>
+      <p:bldP spid="8" grpId="0" animBg="1"/>
+      <p:bldP spid="4" grpId="0"/>
+    </p:bldLst>
+  </p:timing>
 </p:sld>
 </file>
 
@@ -13490,6 +16366,280 @@
   <p:clrMapOvr>
     <a:masterClrMapping/>
   </p:clrMapOvr>
+  <p:timing>
+    <p:tnLst>
+      <p:par>
+        <p:cTn id="1" dur="indefinite" restart="never" nodeType="tmRoot">
+          <p:childTnLst>
+            <p:seq concurrent="1" nextAc="seek">
+              <p:cTn id="2" dur="indefinite" nodeType="mainSeq">
+                <p:childTnLst>
+                  <p:par>
+                    <p:cTn id="3" fill="hold">
+                      <p:stCondLst>
+                        <p:cond delay="indefinite"/>
+                      </p:stCondLst>
+                      <p:childTnLst>
+                        <p:par>
+                          <p:cTn id="4" fill="hold">
+                            <p:stCondLst>
+                              <p:cond delay="0"/>
+                            </p:stCondLst>
+                            <p:childTnLst>
+                              <p:par>
+                                <p:cTn id="5" presetID="1" presetClass="entr" presetSubtype="0" fill="hold" grpId="0" nodeType="clickEffect">
+                                  <p:stCondLst>
+                                    <p:cond delay="0"/>
+                                  </p:stCondLst>
+                                  <p:childTnLst>
+                                    <p:set>
+                                      <p:cBhvr>
+                                        <p:cTn id="6" dur="1" fill="hold">
+                                          <p:stCondLst>
+                                            <p:cond delay="0"/>
+                                          </p:stCondLst>
+                                        </p:cTn>
+                                        <p:tgtEl>
+                                          <p:spTgt spid="16"/>
+                                        </p:tgtEl>
+                                        <p:attrNameLst>
+                                          <p:attrName>style.visibility</p:attrName>
+                                        </p:attrNameLst>
+                                      </p:cBhvr>
+                                      <p:to>
+                                        <p:strVal val="visible"/>
+                                      </p:to>
+                                    </p:set>
+                                  </p:childTnLst>
+                                </p:cTn>
+                              </p:par>
+                              <p:par>
+                                <p:cTn id="7" presetID="1" presetClass="entr" presetSubtype="0" fill="hold" grpId="0" nodeType="withEffect">
+                                  <p:stCondLst>
+                                    <p:cond delay="0"/>
+                                  </p:stCondLst>
+                                  <p:childTnLst>
+                                    <p:set>
+                                      <p:cBhvr>
+                                        <p:cTn id="8" dur="1" fill="hold">
+                                          <p:stCondLst>
+                                            <p:cond delay="0"/>
+                                          </p:stCondLst>
+                                        </p:cTn>
+                                        <p:tgtEl>
+                                          <p:spTgt spid="15"/>
+                                        </p:tgtEl>
+                                        <p:attrNameLst>
+                                          <p:attrName>style.visibility</p:attrName>
+                                        </p:attrNameLst>
+                                      </p:cBhvr>
+                                      <p:to>
+                                        <p:strVal val="visible"/>
+                                      </p:to>
+                                    </p:set>
+                                  </p:childTnLst>
+                                </p:cTn>
+                              </p:par>
+                              <p:par>
+                                <p:cTn id="9" presetID="1" presetClass="entr" presetSubtype="0" fill="hold" grpId="0" nodeType="withEffect">
+                                  <p:stCondLst>
+                                    <p:cond delay="0"/>
+                                  </p:stCondLst>
+                                  <p:childTnLst>
+                                    <p:set>
+                                      <p:cBhvr>
+                                        <p:cTn id="10" dur="1" fill="hold">
+                                          <p:stCondLst>
+                                            <p:cond delay="0"/>
+                                          </p:stCondLst>
+                                        </p:cTn>
+                                        <p:tgtEl>
+                                          <p:spTgt spid="11"/>
+                                        </p:tgtEl>
+                                        <p:attrNameLst>
+                                          <p:attrName>style.visibility</p:attrName>
+                                        </p:attrNameLst>
+                                      </p:cBhvr>
+                                      <p:to>
+                                        <p:strVal val="visible"/>
+                                      </p:to>
+                                    </p:set>
+                                  </p:childTnLst>
+                                </p:cTn>
+                              </p:par>
+                              <p:par>
+                                <p:cTn id="11" presetID="1" presetClass="entr" presetSubtype="0" fill="hold" grpId="0" nodeType="withEffect">
+                                  <p:stCondLst>
+                                    <p:cond delay="0"/>
+                                  </p:stCondLst>
+                                  <p:childTnLst>
+                                    <p:set>
+                                      <p:cBhvr>
+                                        <p:cTn id="12" dur="1" fill="hold">
+                                          <p:stCondLst>
+                                            <p:cond delay="0"/>
+                                          </p:stCondLst>
+                                        </p:cTn>
+                                        <p:tgtEl>
+                                          <p:spTgt spid="8"/>
+                                        </p:tgtEl>
+                                        <p:attrNameLst>
+                                          <p:attrName>style.visibility</p:attrName>
+                                        </p:attrNameLst>
+                                      </p:cBhvr>
+                                      <p:to>
+                                        <p:strVal val="visible"/>
+                                      </p:to>
+                                    </p:set>
+                                  </p:childTnLst>
+                                </p:cTn>
+                              </p:par>
+                              <p:par>
+                                <p:cTn id="13" presetID="1" presetClass="entr" presetSubtype="0" fill="hold" grpId="0" nodeType="withEffect">
+                                  <p:stCondLst>
+                                    <p:cond delay="0"/>
+                                  </p:stCondLst>
+                                  <p:childTnLst>
+                                    <p:set>
+                                      <p:cBhvr>
+                                        <p:cTn id="14" dur="1" fill="hold">
+                                          <p:stCondLst>
+                                            <p:cond delay="0"/>
+                                          </p:stCondLst>
+                                        </p:cTn>
+                                        <p:tgtEl>
+                                          <p:spTgt spid="14"/>
+                                        </p:tgtEl>
+                                        <p:attrNameLst>
+                                          <p:attrName>style.visibility</p:attrName>
+                                        </p:attrNameLst>
+                                      </p:cBhvr>
+                                      <p:to>
+                                        <p:strVal val="visible"/>
+                                      </p:to>
+                                    </p:set>
+                                  </p:childTnLst>
+                                </p:cTn>
+                              </p:par>
+                              <p:par>
+                                <p:cTn id="15" presetID="1" presetClass="entr" presetSubtype="0" fill="hold" grpId="0" nodeType="withEffect">
+                                  <p:stCondLst>
+                                    <p:cond delay="0"/>
+                                  </p:stCondLst>
+                                  <p:childTnLst>
+                                    <p:set>
+                                      <p:cBhvr>
+                                        <p:cTn id="16" dur="1" fill="hold">
+                                          <p:stCondLst>
+                                            <p:cond delay="0"/>
+                                          </p:stCondLst>
+                                        </p:cTn>
+                                        <p:tgtEl>
+                                          <p:spTgt spid="13"/>
+                                        </p:tgtEl>
+                                        <p:attrNameLst>
+                                          <p:attrName>style.visibility</p:attrName>
+                                        </p:attrNameLst>
+                                      </p:cBhvr>
+                                      <p:to>
+                                        <p:strVal val="visible"/>
+                                      </p:to>
+                                    </p:set>
+                                  </p:childTnLst>
+                                </p:cTn>
+                              </p:par>
+                              <p:par>
+                                <p:cTn id="17" presetID="1" presetClass="entr" presetSubtype="0" fill="hold" grpId="0" nodeType="withEffect">
+                                  <p:stCondLst>
+                                    <p:cond delay="0"/>
+                                  </p:stCondLst>
+                                  <p:childTnLst>
+                                    <p:set>
+                                      <p:cBhvr>
+                                        <p:cTn id="18" dur="1" fill="hold">
+                                          <p:stCondLst>
+                                            <p:cond delay="0"/>
+                                          </p:stCondLst>
+                                        </p:cTn>
+                                        <p:tgtEl>
+                                          <p:spTgt spid="12"/>
+                                        </p:tgtEl>
+                                        <p:attrNameLst>
+                                          <p:attrName>style.visibility</p:attrName>
+                                        </p:attrNameLst>
+                                      </p:cBhvr>
+                                      <p:to>
+                                        <p:strVal val="visible"/>
+                                      </p:to>
+                                    </p:set>
+                                  </p:childTnLst>
+                                </p:cTn>
+                              </p:par>
+                              <p:par>
+                                <p:cTn id="19" presetID="1" presetClass="entr" presetSubtype="0" fill="hold" grpId="0" nodeType="withEffect">
+                                  <p:stCondLst>
+                                    <p:cond delay="0"/>
+                                  </p:stCondLst>
+                                  <p:childTnLst>
+                                    <p:set>
+                                      <p:cBhvr>
+                                        <p:cTn id="20" dur="1" fill="hold">
+                                          <p:stCondLst>
+                                            <p:cond delay="0"/>
+                                          </p:stCondLst>
+                                        </p:cTn>
+                                        <p:tgtEl>
+                                          <p:spTgt spid="9"/>
+                                        </p:tgtEl>
+                                        <p:attrNameLst>
+                                          <p:attrName>style.visibility</p:attrName>
+                                        </p:attrNameLst>
+                                      </p:cBhvr>
+                                      <p:to>
+                                        <p:strVal val="visible"/>
+                                      </p:to>
+                                    </p:set>
+                                  </p:childTnLst>
+                                </p:cTn>
+                              </p:par>
+                            </p:childTnLst>
+                          </p:cTn>
+                        </p:par>
+                      </p:childTnLst>
+                    </p:cTn>
+                  </p:par>
+                </p:childTnLst>
+              </p:cTn>
+              <p:prevCondLst>
+                <p:cond evt="onPrev" delay="0">
+                  <p:tgtEl>
+                    <p:sldTgt/>
+                  </p:tgtEl>
+                </p:cond>
+              </p:prevCondLst>
+              <p:nextCondLst>
+                <p:cond evt="onNext" delay="0">
+                  <p:tgtEl>
+                    <p:sldTgt/>
+                  </p:tgtEl>
+                </p:cond>
+              </p:nextCondLst>
+            </p:seq>
+          </p:childTnLst>
+        </p:cTn>
+      </p:par>
+    </p:tnLst>
+    <p:bldLst>
+      <p:bldP spid="8" grpId="0" animBg="1"/>
+      <p:bldP spid="9" grpId="0" animBg="1"/>
+      <p:bldP spid="11" grpId="0" animBg="1"/>
+      <p:bldP spid="12" grpId="0" animBg="1"/>
+      <p:bldP spid="13" grpId="0" animBg="1"/>
+      <p:bldP spid="14" grpId="0" animBg="1"/>
+      <p:bldP spid="15" grpId="0" animBg="1"/>
+      <p:bldP spid="16" grpId="0" animBg="1"/>
+    </p:bldLst>
+  </p:timing>
 </p:sld>
 </file>
 
@@ -14255,6 +17405,641 @@
   <p:clrMapOvr>
     <a:masterClrMapping/>
   </p:clrMapOvr>
+  <p:timing>
+    <p:tnLst>
+      <p:par>
+        <p:cTn id="1" dur="indefinite" restart="never" nodeType="tmRoot">
+          <p:childTnLst>
+            <p:seq concurrent="1" nextAc="seek">
+              <p:cTn id="2" dur="indefinite" nodeType="mainSeq">
+                <p:childTnLst>
+                  <p:par>
+                    <p:cTn id="3" fill="hold">
+                      <p:stCondLst>
+                        <p:cond delay="indefinite"/>
+                        <p:cond evt="onBegin" delay="0">
+                          <p:tn val="2"/>
+                        </p:cond>
+                      </p:stCondLst>
+                      <p:childTnLst>
+                        <p:par>
+                          <p:cTn id="4" fill="hold">
+                            <p:stCondLst>
+                              <p:cond delay="0"/>
+                            </p:stCondLst>
+                            <p:childTnLst>
+                              <p:par>
+                                <p:cTn id="5" presetID="1" presetClass="entr" presetSubtype="0" fill="hold" grpId="0" nodeType="withEffect">
+                                  <p:stCondLst>
+                                    <p:cond delay="0"/>
+                                  </p:stCondLst>
+                                  <p:childTnLst>
+                                    <p:set>
+                                      <p:cBhvr>
+                                        <p:cTn id="6" dur="1" fill="hold">
+                                          <p:stCondLst>
+                                            <p:cond delay="0"/>
+                                          </p:stCondLst>
+                                        </p:cTn>
+                                        <p:tgtEl>
+                                          <p:spTgt spid="7"/>
+                                        </p:tgtEl>
+                                        <p:attrNameLst>
+                                          <p:attrName>style.visibility</p:attrName>
+                                        </p:attrNameLst>
+                                      </p:cBhvr>
+                                      <p:to>
+                                        <p:strVal val="visible"/>
+                                      </p:to>
+                                    </p:set>
+                                  </p:childTnLst>
+                                </p:cTn>
+                              </p:par>
+                              <p:par>
+                                <p:cTn id="7" presetID="1" presetClass="entr" presetSubtype="0" fill="hold" grpId="0" nodeType="withEffect">
+                                  <p:stCondLst>
+                                    <p:cond delay="0"/>
+                                  </p:stCondLst>
+                                  <p:childTnLst>
+                                    <p:set>
+                                      <p:cBhvr>
+                                        <p:cTn id="8" dur="1" fill="hold">
+                                          <p:stCondLst>
+                                            <p:cond delay="0"/>
+                                          </p:stCondLst>
+                                        </p:cTn>
+                                        <p:tgtEl>
+                                          <p:spTgt spid="10"/>
+                                        </p:tgtEl>
+                                        <p:attrNameLst>
+                                          <p:attrName>style.visibility</p:attrName>
+                                        </p:attrNameLst>
+                                      </p:cBhvr>
+                                      <p:to>
+                                        <p:strVal val="visible"/>
+                                      </p:to>
+                                    </p:set>
+                                  </p:childTnLst>
+                                </p:cTn>
+                              </p:par>
+                              <p:par>
+                                <p:cTn id="9" presetID="1" presetClass="entr" presetSubtype="0" fill="hold" nodeType="withEffect">
+                                  <p:stCondLst>
+                                    <p:cond delay="0"/>
+                                  </p:stCondLst>
+                                  <p:childTnLst>
+                                    <p:set>
+                                      <p:cBhvr>
+                                        <p:cTn id="10" dur="1" fill="hold">
+                                          <p:stCondLst>
+                                            <p:cond delay="0"/>
+                                          </p:stCondLst>
+                                        </p:cTn>
+                                        <p:tgtEl>
+                                          <p:spTgt spid="7">
+                                            <p:txEl>
+                                              <p:pRg st="0" end="0"/>
+                                            </p:txEl>
+                                          </p:spTgt>
+                                        </p:tgtEl>
+                                        <p:attrNameLst>
+                                          <p:attrName>style.visibility</p:attrName>
+                                        </p:attrNameLst>
+                                      </p:cBhvr>
+                                      <p:to>
+                                        <p:strVal val="visible"/>
+                                      </p:to>
+                                    </p:set>
+                                  </p:childTnLst>
+                                </p:cTn>
+                              </p:par>
+                            </p:childTnLst>
+                          </p:cTn>
+                        </p:par>
+                      </p:childTnLst>
+                    </p:cTn>
+                  </p:par>
+                  <p:par>
+                    <p:cTn id="11" fill="hold">
+                      <p:stCondLst>
+                        <p:cond delay="indefinite"/>
+                      </p:stCondLst>
+                      <p:childTnLst>
+                        <p:par>
+                          <p:cTn id="12" fill="hold">
+                            <p:stCondLst>
+                              <p:cond delay="0"/>
+                            </p:stCondLst>
+                            <p:childTnLst>
+                              <p:par>
+                                <p:cTn id="13" presetID="1" presetClass="entr" presetSubtype="0" fill="hold" nodeType="clickEffect">
+                                  <p:stCondLst>
+                                    <p:cond delay="0"/>
+                                  </p:stCondLst>
+                                  <p:childTnLst>
+                                    <p:set>
+                                      <p:cBhvr>
+                                        <p:cTn id="14" dur="1" fill="hold">
+                                          <p:stCondLst>
+                                            <p:cond delay="0"/>
+                                          </p:stCondLst>
+                                        </p:cTn>
+                                        <p:tgtEl>
+                                          <p:spTgt spid="7">
+                                            <p:txEl>
+                                              <p:pRg st="1" end="1"/>
+                                            </p:txEl>
+                                          </p:spTgt>
+                                        </p:tgtEl>
+                                        <p:attrNameLst>
+                                          <p:attrName>style.visibility</p:attrName>
+                                        </p:attrNameLst>
+                                      </p:cBhvr>
+                                      <p:to>
+                                        <p:strVal val="visible"/>
+                                      </p:to>
+                                    </p:set>
+                                  </p:childTnLst>
+                                </p:cTn>
+                              </p:par>
+                            </p:childTnLst>
+                          </p:cTn>
+                        </p:par>
+                      </p:childTnLst>
+                    </p:cTn>
+                  </p:par>
+                  <p:par>
+                    <p:cTn id="15" fill="hold">
+                      <p:stCondLst>
+                        <p:cond delay="indefinite"/>
+                      </p:stCondLst>
+                      <p:childTnLst>
+                        <p:par>
+                          <p:cTn id="16" fill="hold">
+                            <p:stCondLst>
+                              <p:cond delay="0"/>
+                            </p:stCondLst>
+                            <p:childTnLst>
+                              <p:par>
+                                <p:cTn id="17" presetID="1" presetClass="entr" presetSubtype="0" fill="hold" nodeType="clickEffect">
+                                  <p:stCondLst>
+                                    <p:cond delay="0"/>
+                                  </p:stCondLst>
+                                  <p:childTnLst>
+                                    <p:set>
+                                      <p:cBhvr>
+                                        <p:cTn id="18" dur="1" fill="hold">
+                                          <p:stCondLst>
+                                            <p:cond delay="0"/>
+                                          </p:stCondLst>
+                                        </p:cTn>
+                                        <p:tgtEl>
+                                          <p:spTgt spid="7">
+                                            <p:txEl>
+                                              <p:pRg st="2" end="2"/>
+                                            </p:txEl>
+                                          </p:spTgt>
+                                        </p:tgtEl>
+                                        <p:attrNameLst>
+                                          <p:attrName>style.visibility</p:attrName>
+                                        </p:attrNameLst>
+                                      </p:cBhvr>
+                                      <p:to>
+                                        <p:strVal val="visible"/>
+                                      </p:to>
+                                    </p:set>
+                                  </p:childTnLst>
+                                </p:cTn>
+                              </p:par>
+                              <p:par>
+                                <p:cTn id="19" presetID="1" presetClass="entr" presetSubtype="0" fill="hold" nodeType="withEffect">
+                                  <p:stCondLst>
+                                    <p:cond delay="0"/>
+                                  </p:stCondLst>
+                                  <p:childTnLst>
+                                    <p:set>
+                                      <p:cBhvr>
+                                        <p:cTn id="20" dur="1" fill="hold">
+                                          <p:stCondLst>
+                                            <p:cond delay="0"/>
+                                          </p:stCondLst>
+                                        </p:cTn>
+                                        <p:tgtEl>
+                                          <p:spTgt spid="7">
+                                            <p:txEl>
+                                              <p:pRg st="3" end="3"/>
+                                            </p:txEl>
+                                          </p:spTgt>
+                                        </p:tgtEl>
+                                        <p:attrNameLst>
+                                          <p:attrName>style.visibility</p:attrName>
+                                        </p:attrNameLst>
+                                      </p:cBhvr>
+                                      <p:to>
+                                        <p:strVal val="visible"/>
+                                      </p:to>
+                                    </p:set>
+                                  </p:childTnLst>
+                                </p:cTn>
+                              </p:par>
+                              <p:par>
+                                <p:cTn id="21" presetID="1" presetClass="entr" presetSubtype="0" fill="hold" nodeType="withEffect">
+                                  <p:stCondLst>
+                                    <p:cond delay="0"/>
+                                  </p:stCondLst>
+                                  <p:childTnLst>
+                                    <p:set>
+                                      <p:cBhvr>
+                                        <p:cTn id="22" dur="1" fill="hold">
+                                          <p:stCondLst>
+                                            <p:cond delay="0"/>
+                                          </p:stCondLst>
+                                        </p:cTn>
+                                        <p:tgtEl>
+                                          <p:spTgt spid="7">
+                                            <p:txEl>
+                                              <p:pRg st="9" end="9"/>
+                                            </p:txEl>
+                                          </p:spTgt>
+                                        </p:tgtEl>
+                                        <p:attrNameLst>
+                                          <p:attrName>style.visibility</p:attrName>
+                                        </p:attrNameLst>
+                                      </p:cBhvr>
+                                      <p:to>
+                                        <p:strVal val="visible"/>
+                                      </p:to>
+                                    </p:set>
+                                  </p:childTnLst>
+                                </p:cTn>
+                              </p:par>
+                            </p:childTnLst>
+                          </p:cTn>
+                        </p:par>
+                      </p:childTnLst>
+                    </p:cTn>
+                  </p:par>
+                  <p:par>
+                    <p:cTn id="23" fill="hold">
+                      <p:stCondLst>
+                        <p:cond delay="indefinite"/>
+                      </p:stCondLst>
+                      <p:childTnLst>
+                        <p:par>
+                          <p:cTn id="24" fill="hold">
+                            <p:stCondLst>
+                              <p:cond delay="0"/>
+                            </p:stCondLst>
+                            <p:childTnLst>
+                              <p:par>
+                                <p:cTn id="25" presetID="1" presetClass="entr" presetSubtype="0" fill="hold" nodeType="clickEffect">
+                                  <p:stCondLst>
+                                    <p:cond delay="0"/>
+                                  </p:stCondLst>
+                                  <p:childTnLst>
+                                    <p:set>
+                                      <p:cBhvr>
+                                        <p:cTn id="26" dur="1" fill="hold">
+                                          <p:stCondLst>
+                                            <p:cond delay="0"/>
+                                          </p:stCondLst>
+                                        </p:cTn>
+                                        <p:tgtEl>
+                                          <p:spTgt spid="7">
+                                            <p:txEl>
+                                              <p:pRg st="4" end="4"/>
+                                            </p:txEl>
+                                          </p:spTgt>
+                                        </p:tgtEl>
+                                        <p:attrNameLst>
+                                          <p:attrName>style.visibility</p:attrName>
+                                        </p:attrNameLst>
+                                      </p:cBhvr>
+                                      <p:to>
+                                        <p:strVal val="visible"/>
+                                      </p:to>
+                                    </p:set>
+                                  </p:childTnLst>
+                                </p:cTn>
+                              </p:par>
+                            </p:childTnLst>
+                          </p:cTn>
+                        </p:par>
+                      </p:childTnLst>
+                    </p:cTn>
+                  </p:par>
+                  <p:par>
+                    <p:cTn id="27" fill="hold">
+                      <p:stCondLst>
+                        <p:cond delay="indefinite"/>
+                      </p:stCondLst>
+                      <p:childTnLst>
+                        <p:par>
+                          <p:cTn id="28" fill="hold">
+                            <p:stCondLst>
+                              <p:cond delay="0"/>
+                            </p:stCondLst>
+                            <p:childTnLst>
+                              <p:par>
+                                <p:cTn id="29" presetID="1" presetClass="entr" presetSubtype="0" fill="hold" nodeType="clickEffect">
+                                  <p:stCondLst>
+                                    <p:cond delay="0"/>
+                                  </p:stCondLst>
+                                  <p:childTnLst>
+                                    <p:set>
+                                      <p:cBhvr>
+                                        <p:cTn id="30" dur="1" fill="hold">
+                                          <p:stCondLst>
+                                            <p:cond delay="0"/>
+                                          </p:stCondLst>
+                                        </p:cTn>
+                                        <p:tgtEl>
+                                          <p:spTgt spid="7">
+                                            <p:txEl>
+                                              <p:pRg st="5" end="5"/>
+                                            </p:txEl>
+                                          </p:spTgt>
+                                        </p:tgtEl>
+                                        <p:attrNameLst>
+                                          <p:attrName>style.visibility</p:attrName>
+                                        </p:attrNameLst>
+                                      </p:cBhvr>
+                                      <p:to>
+                                        <p:strVal val="visible"/>
+                                      </p:to>
+                                    </p:set>
+                                  </p:childTnLst>
+                                </p:cTn>
+                              </p:par>
+                              <p:par>
+                                <p:cTn id="31" presetID="1" presetClass="entr" presetSubtype="0" fill="hold" nodeType="withEffect">
+                                  <p:stCondLst>
+                                    <p:cond delay="0"/>
+                                  </p:stCondLst>
+                                  <p:childTnLst>
+                                    <p:set>
+                                      <p:cBhvr>
+                                        <p:cTn id="32" dur="1" fill="hold">
+                                          <p:stCondLst>
+                                            <p:cond delay="0"/>
+                                          </p:stCondLst>
+                                        </p:cTn>
+                                        <p:tgtEl>
+                                          <p:spTgt spid="7">
+                                            <p:txEl>
+                                              <p:pRg st="6" end="6"/>
+                                            </p:txEl>
+                                          </p:spTgt>
+                                        </p:tgtEl>
+                                        <p:attrNameLst>
+                                          <p:attrName>style.visibility</p:attrName>
+                                        </p:attrNameLst>
+                                      </p:cBhvr>
+                                      <p:to>
+                                        <p:strVal val="visible"/>
+                                      </p:to>
+                                    </p:set>
+                                  </p:childTnLst>
+                                </p:cTn>
+                              </p:par>
+                              <p:par>
+                                <p:cTn id="33" presetID="1" presetClass="entr" presetSubtype="0" fill="hold" nodeType="withEffect">
+                                  <p:stCondLst>
+                                    <p:cond delay="0"/>
+                                  </p:stCondLst>
+                                  <p:childTnLst>
+                                    <p:set>
+                                      <p:cBhvr>
+                                        <p:cTn id="34" dur="1" fill="hold">
+                                          <p:stCondLst>
+                                            <p:cond delay="0"/>
+                                          </p:stCondLst>
+                                        </p:cTn>
+                                        <p:tgtEl>
+                                          <p:spTgt spid="7">
+                                            <p:txEl>
+                                              <p:pRg st="7" end="7"/>
+                                            </p:txEl>
+                                          </p:spTgt>
+                                        </p:tgtEl>
+                                        <p:attrNameLst>
+                                          <p:attrName>style.visibility</p:attrName>
+                                        </p:attrNameLst>
+                                      </p:cBhvr>
+                                      <p:to>
+                                        <p:strVal val="visible"/>
+                                      </p:to>
+                                    </p:set>
+                                  </p:childTnLst>
+                                </p:cTn>
+                              </p:par>
+                            </p:childTnLst>
+                          </p:cTn>
+                        </p:par>
+                      </p:childTnLst>
+                    </p:cTn>
+                  </p:par>
+                  <p:par>
+                    <p:cTn id="35" fill="hold">
+                      <p:stCondLst>
+                        <p:cond delay="indefinite"/>
+                      </p:stCondLst>
+                      <p:childTnLst>
+                        <p:par>
+                          <p:cTn id="36" fill="hold">
+                            <p:stCondLst>
+                              <p:cond delay="0"/>
+                            </p:stCondLst>
+                            <p:childTnLst>
+                              <p:par>
+                                <p:cTn id="37" presetID="1" presetClass="entr" presetSubtype="0" fill="hold" nodeType="clickEffect">
+                                  <p:stCondLst>
+                                    <p:cond delay="0"/>
+                                  </p:stCondLst>
+                                  <p:childTnLst>
+                                    <p:set>
+                                      <p:cBhvr>
+                                        <p:cTn id="38" dur="1" fill="hold">
+                                          <p:stCondLst>
+                                            <p:cond delay="0"/>
+                                          </p:stCondLst>
+                                        </p:cTn>
+                                        <p:tgtEl>
+                                          <p:spTgt spid="7">
+                                            <p:txEl>
+                                              <p:pRg st="8" end="8"/>
+                                            </p:txEl>
+                                          </p:spTgt>
+                                        </p:tgtEl>
+                                        <p:attrNameLst>
+                                          <p:attrName>style.visibility</p:attrName>
+                                        </p:attrNameLst>
+                                      </p:cBhvr>
+                                      <p:to>
+                                        <p:strVal val="visible"/>
+                                      </p:to>
+                                    </p:set>
+                                  </p:childTnLst>
+                                </p:cTn>
+                              </p:par>
+                            </p:childTnLst>
+                          </p:cTn>
+                        </p:par>
+                      </p:childTnLst>
+                    </p:cTn>
+                  </p:par>
+                  <p:par>
+                    <p:cTn id="39" fill="hold">
+                      <p:stCondLst>
+                        <p:cond delay="indefinite"/>
+                      </p:stCondLst>
+                      <p:childTnLst>
+                        <p:par>
+                          <p:cTn id="40" fill="hold">
+                            <p:stCondLst>
+                              <p:cond delay="0"/>
+                            </p:stCondLst>
+                            <p:childTnLst>
+                              <p:par>
+                                <p:cTn id="41" presetID="1" presetClass="entr" presetSubtype="0" fill="hold" nodeType="clickEffect">
+                                  <p:stCondLst>
+                                    <p:cond delay="0"/>
+                                  </p:stCondLst>
+                                  <p:childTnLst>
+                                    <p:set>
+                                      <p:cBhvr>
+                                        <p:cTn id="42" dur="1" fill="hold">
+                                          <p:stCondLst>
+                                            <p:cond delay="0"/>
+                                          </p:stCondLst>
+                                        </p:cTn>
+                                        <p:tgtEl>
+                                          <p:spTgt spid="7">
+                                            <p:txEl>
+                                              <p:pRg st="10" end="10"/>
+                                            </p:txEl>
+                                          </p:spTgt>
+                                        </p:tgtEl>
+                                        <p:attrNameLst>
+                                          <p:attrName>style.visibility</p:attrName>
+                                        </p:attrNameLst>
+                                      </p:cBhvr>
+                                      <p:to>
+                                        <p:strVal val="visible"/>
+                                      </p:to>
+                                    </p:set>
+                                  </p:childTnLst>
+                                </p:cTn>
+                              </p:par>
+                              <p:par>
+                                <p:cTn id="43" presetID="1" presetClass="entr" presetSubtype="0" fill="hold" nodeType="withEffect">
+                                  <p:stCondLst>
+                                    <p:cond delay="0"/>
+                                  </p:stCondLst>
+                                  <p:childTnLst>
+                                    <p:set>
+                                      <p:cBhvr>
+                                        <p:cTn id="44" dur="1" fill="hold">
+                                          <p:stCondLst>
+                                            <p:cond delay="0"/>
+                                          </p:stCondLst>
+                                        </p:cTn>
+                                        <p:tgtEl>
+                                          <p:spTgt spid="7">
+                                            <p:txEl>
+                                              <p:pRg st="11" end="11"/>
+                                            </p:txEl>
+                                          </p:spTgt>
+                                        </p:tgtEl>
+                                        <p:attrNameLst>
+                                          <p:attrName>style.visibility</p:attrName>
+                                        </p:attrNameLst>
+                                      </p:cBhvr>
+                                      <p:to>
+                                        <p:strVal val="visible"/>
+                                      </p:to>
+                                    </p:set>
+                                  </p:childTnLst>
+                                </p:cTn>
+                              </p:par>
+                            </p:childTnLst>
+                          </p:cTn>
+                        </p:par>
+                      </p:childTnLst>
+                    </p:cTn>
+                  </p:par>
+                  <p:par>
+                    <p:cTn id="45" fill="hold">
+                      <p:stCondLst>
+                        <p:cond delay="indefinite"/>
+                      </p:stCondLst>
+                      <p:childTnLst>
+                        <p:par>
+                          <p:cTn id="46" fill="hold">
+                            <p:stCondLst>
+                              <p:cond delay="0"/>
+                            </p:stCondLst>
+                            <p:childTnLst>
+                              <p:par>
+                                <p:cTn id="47" presetID="1" presetClass="entr" presetSubtype="0" fill="hold" grpId="0" nodeType="clickEffect">
+                                  <p:stCondLst>
+                                    <p:cond delay="0"/>
+                                  </p:stCondLst>
+                                  <p:childTnLst>
+                                    <p:set>
+                                      <p:cBhvr>
+                                        <p:cTn id="48" dur="1" fill="hold">
+                                          <p:stCondLst>
+                                            <p:cond delay="0"/>
+                                          </p:stCondLst>
+                                        </p:cTn>
+                                        <p:tgtEl>
+                                          <p:spTgt spid="4"/>
+                                        </p:tgtEl>
+                                        <p:attrNameLst>
+                                          <p:attrName>style.visibility</p:attrName>
+                                        </p:attrNameLst>
+                                      </p:cBhvr>
+                                      <p:to>
+                                        <p:strVal val="visible"/>
+                                      </p:to>
+                                    </p:set>
+                                  </p:childTnLst>
+                                </p:cTn>
+                              </p:par>
+                            </p:childTnLst>
+                          </p:cTn>
+                        </p:par>
+                      </p:childTnLst>
+                    </p:cTn>
+                  </p:par>
+                </p:childTnLst>
+              </p:cTn>
+              <p:prevCondLst>
+                <p:cond evt="onPrev" delay="0">
+                  <p:tgtEl>
+                    <p:sldTgt/>
+                  </p:tgtEl>
+                </p:cond>
+              </p:prevCondLst>
+              <p:nextCondLst>
+                <p:cond evt="onNext" delay="0">
+                  <p:tgtEl>
+                    <p:sldTgt/>
+                  </p:tgtEl>
+                </p:cond>
+              </p:nextCondLst>
+            </p:seq>
+          </p:childTnLst>
+        </p:cTn>
+      </p:par>
+    </p:tnLst>
+    <p:bldLst>
+      <p:bldP spid="7" grpId="0" animBg="1"/>
+      <p:bldP spid="10" grpId="0" animBg="1"/>
+      <p:bldP spid="4" grpId="0"/>
+    </p:bldLst>
+  </p:timing>
 </p:sld>
 </file>
 
@@ -15454,7 +19239,40 @@
                 <a:latin typeface="Consolas" pitchFamily="49" charset="0"/>
                 <a:cs typeface="Consolas" pitchFamily="49" charset="0"/>
               </a:rPr>
-              <a:t>N = 7</a:t>
+              <a:t>n</a:t>
+            </a:r>
+            <a:r>
+              <a:rPr lang="en-US" sz="2800" b="1" noProof="1">
+                <a:solidFill>
+                  <a:srgbClr val="FBEEDC"/>
+                </a:solidFill>
+                <a:effectLst>
+                  <a:outerShdw blurRad="38100" dist="38100" dir="2700000" algn="tl">
+                    <a:srgbClr val="000000">
+                      <a:alpha val="43137"/>
+                    </a:srgbClr>
+                  </a:outerShdw>
+                </a:effectLst>
+                <a:cs typeface="Consolas" pitchFamily="49" charset="0"/>
+              </a:rPr>
+              <a:t> = </a:t>
+            </a:r>
+            <a:r>
+              <a:rPr lang="en-US" sz="2800" b="1" noProof="1">
+                <a:solidFill>
+                  <a:srgbClr val="FBEEDC"/>
+                </a:solidFill>
+                <a:effectLst>
+                  <a:outerShdw blurRad="38100" dist="38100" dir="2700000" algn="tl">
+                    <a:srgbClr val="000000">
+                      <a:alpha val="43137"/>
+                    </a:srgbClr>
+                  </a:outerShdw>
+                </a:effectLst>
+                <a:latin typeface="Consolas" pitchFamily="49" charset="0"/>
+                <a:cs typeface="Consolas" pitchFamily="49" charset="0"/>
+              </a:rPr>
+              <a:t>7</a:t>
             </a:r>
           </a:p>
         </p:txBody>
@@ -16292,7 +20110,40 @@
                 <a:latin typeface="Consolas" pitchFamily="49" charset="0"/>
                 <a:cs typeface="Consolas" pitchFamily="49" charset="0"/>
               </a:rPr>
-              <a:t>N = 2</a:t>
+              <a:t>n</a:t>
+            </a:r>
+            <a:r>
+              <a:rPr lang="en-US" sz="2800" b="1" noProof="1">
+                <a:solidFill>
+                  <a:srgbClr val="FBEEDC"/>
+                </a:solidFill>
+                <a:effectLst>
+                  <a:outerShdw blurRad="38100" dist="38100" dir="2700000" algn="tl">
+                    <a:srgbClr val="000000">
+                      <a:alpha val="43137"/>
+                    </a:srgbClr>
+                  </a:outerShdw>
+                </a:effectLst>
+                <a:cs typeface="Consolas" pitchFamily="49" charset="0"/>
+              </a:rPr>
+              <a:t> = </a:t>
+            </a:r>
+            <a:r>
+              <a:rPr lang="en-US" sz="2800" b="1" noProof="1">
+                <a:solidFill>
+                  <a:srgbClr val="FBEEDC"/>
+                </a:solidFill>
+                <a:effectLst>
+                  <a:outerShdw blurRad="38100" dist="38100" dir="2700000" algn="tl">
+                    <a:srgbClr val="000000">
+                      <a:alpha val="43137"/>
+                    </a:srgbClr>
+                  </a:outerShdw>
+                </a:effectLst>
+                <a:latin typeface="Consolas" pitchFamily="49" charset="0"/>
+                <a:cs typeface="Consolas" pitchFamily="49" charset="0"/>
+              </a:rPr>
+              <a:t>2</a:t>
             </a:r>
           </a:p>
         </p:txBody>
@@ -17247,6 +21098,448 @@
   <p:clrMapOvr>
     <a:masterClrMapping/>
   </p:clrMapOvr>
+  <p:timing>
+    <p:tnLst>
+      <p:par>
+        <p:cTn id="1" dur="indefinite" restart="never" nodeType="tmRoot">
+          <p:childTnLst>
+            <p:seq concurrent="1" nextAc="seek">
+              <p:cTn id="2" dur="indefinite" nodeType="mainSeq">
+                <p:childTnLst>
+                  <p:par>
+                    <p:cTn id="3" fill="hold">
+                      <p:stCondLst>
+                        <p:cond delay="indefinite"/>
+                      </p:stCondLst>
+                      <p:childTnLst>
+                        <p:par>
+                          <p:cTn id="4" fill="hold">
+                            <p:stCondLst>
+                              <p:cond delay="0"/>
+                            </p:stCondLst>
+                            <p:childTnLst>
+                              <p:par>
+                                <p:cTn id="5" presetID="1" presetClass="entr" presetSubtype="0" fill="hold" grpId="0" nodeType="clickEffect">
+                                  <p:stCondLst>
+                                    <p:cond delay="0"/>
+                                  </p:stCondLst>
+                                  <p:childTnLst>
+                                    <p:set>
+                                      <p:cBhvr>
+                                        <p:cTn id="6" dur="1" fill="hold">
+                                          <p:stCondLst>
+                                            <p:cond delay="0"/>
+                                          </p:stCondLst>
+                                        </p:cTn>
+                                        <p:tgtEl>
+                                          <p:spTgt spid="16"/>
+                                        </p:tgtEl>
+                                        <p:attrNameLst>
+                                          <p:attrName>style.visibility</p:attrName>
+                                        </p:attrNameLst>
+                                      </p:cBhvr>
+                                      <p:to>
+                                        <p:strVal val="visible"/>
+                                      </p:to>
+                                    </p:set>
+                                  </p:childTnLst>
+                                </p:cTn>
+                              </p:par>
+                              <p:par>
+                                <p:cTn id="7" presetID="1" presetClass="entr" presetSubtype="0" fill="hold" grpId="0" nodeType="withEffect">
+                                  <p:stCondLst>
+                                    <p:cond delay="0"/>
+                                  </p:stCondLst>
+                                  <p:childTnLst>
+                                    <p:set>
+                                      <p:cBhvr>
+                                        <p:cTn id="8" dur="1" fill="hold">
+                                          <p:stCondLst>
+                                            <p:cond delay="0"/>
+                                          </p:stCondLst>
+                                        </p:cTn>
+                                        <p:tgtEl>
+                                          <p:spTgt spid="15"/>
+                                        </p:tgtEl>
+                                        <p:attrNameLst>
+                                          <p:attrName>style.visibility</p:attrName>
+                                        </p:attrNameLst>
+                                      </p:cBhvr>
+                                      <p:to>
+                                        <p:strVal val="visible"/>
+                                      </p:to>
+                                    </p:set>
+                                  </p:childTnLst>
+                                </p:cTn>
+                              </p:par>
+                              <p:par>
+                                <p:cTn id="9" presetID="1" presetClass="entr" presetSubtype="0" fill="hold" grpId="0" nodeType="withEffect">
+                                  <p:stCondLst>
+                                    <p:cond delay="0"/>
+                                  </p:stCondLst>
+                                  <p:childTnLst>
+                                    <p:set>
+                                      <p:cBhvr>
+                                        <p:cTn id="10" dur="1" fill="hold">
+                                          <p:stCondLst>
+                                            <p:cond delay="0"/>
+                                          </p:stCondLst>
+                                        </p:cTn>
+                                        <p:tgtEl>
+                                          <p:spTgt spid="20"/>
+                                        </p:tgtEl>
+                                        <p:attrNameLst>
+                                          <p:attrName>style.visibility</p:attrName>
+                                        </p:attrNameLst>
+                                      </p:cBhvr>
+                                      <p:to>
+                                        <p:strVal val="visible"/>
+                                      </p:to>
+                                    </p:set>
+                                  </p:childTnLst>
+                                </p:cTn>
+                              </p:par>
+                              <p:par>
+                                <p:cTn id="11" presetID="1" presetClass="entr" presetSubtype="0" fill="hold" grpId="0" nodeType="withEffect">
+                                  <p:stCondLst>
+                                    <p:cond delay="0"/>
+                                  </p:stCondLst>
+                                  <p:childTnLst>
+                                    <p:set>
+                                      <p:cBhvr>
+                                        <p:cTn id="12" dur="1" fill="hold">
+                                          <p:stCondLst>
+                                            <p:cond delay="0"/>
+                                          </p:stCondLst>
+                                        </p:cTn>
+                                        <p:tgtEl>
+                                          <p:spTgt spid="19"/>
+                                        </p:tgtEl>
+                                        <p:attrNameLst>
+                                          <p:attrName>style.visibility</p:attrName>
+                                        </p:attrNameLst>
+                                      </p:cBhvr>
+                                      <p:to>
+                                        <p:strVal val="visible"/>
+                                      </p:to>
+                                    </p:set>
+                                  </p:childTnLst>
+                                </p:cTn>
+                              </p:par>
+                              <p:par>
+                                <p:cTn id="13" presetID="1" presetClass="entr" presetSubtype="0" fill="hold" grpId="0" nodeType="withEffect">
+                                  <p:stCondLst>
+                                    <p:cond delay="0"/>
+                                  </p:stCondLst>
+                                  <p:childTnLst>
+                                    <p:set>
+                                      <p:cBhvr>
+                                        <p:cTn id="14" dur="1" fill="hold">
+                                          <p:stCondLst>
+                                            <p:cond delay="0"/>
+                                          </p:stCondLst>
+                                        </p:cTn>
+                                        <p:tgtEl>
+                                          <p:spTgt spid="11"/>
+                                        </p:tgtEl>
+                                        <p:attrNameLst>
+                                          <p:attrName>style.visibility</p:attrName>
+                                        </p:attrNameLst>
+                                      </p:cBhvr>
+                                      <p:to>
+                                        <p:strVal val="visible"/>
+                                      </p:to>
+                                    </p:set>
+                                  </p:childTnLst>
+                                </p:cTn>
+                              </p:par>
+                              <p:par>
+                                <p:cTn id="15" presetID="1" presetClass="entr" presetSubtype="0" fill="hold" grpId="0" nodeType="withEffect">
+                                  <p:stCondLst>
+                                    <p:cond delay="0"/>
+                                  </p:stCondLst>
+                                  <p:childTnLst>
+                                    <p:set>
+                                      <p:cBhvr>
+                                        <p:cTn id="16" dur="1" fill="hold">
+                                          <p:stCondLst>
+                                            <p:cond delay="0"/>
+                                          </p:stCondLst>
+                                        </p:cTn>
+                                        <p:tgtEl>
+                                          <p:spTgt spid="8"/>
+                                        </p:tgtEl>
+                                        <p:attrNameLst>
+                                          <p:attrName>style.visibility</p:attrName>
+                                        </p:attrNameLst>
+                                      </p:cBhvr>
+                                      <p:to>
+                                        <p:strVal val="visible"/>
+                                      </p:to>
+                                    </p:set>
+                                  </p:childTnLst>
+                                </p:cTn>
+                              </p:par>
+                              <p:par>
+                                <p:cTn id="17" presetID="1" presetClass="entr" presetSubtype="0" fill="hold" grpId="0" nodeType="withEffect">
+                                  <p:stCondLst>
+                                    <p:cond delay="0"/>
+                                  </p:stCondLst>
+                                  <p:childTnLst>
+                                    <p:set>
+                                      <p:cBhvr>
+                                        <p:cTn id="18" dur="1" fill="hold">
+                                          <p:stCondLst>
+                                            <p:cond delay="0"/>
+                                          </p:stCondLst>
+                                        </p:cTn>
+                                        <p:tgtEl>
+                                          <p:spTgt spid="22"/>
+                                        </p:tgtEl>
+                                        <p:attrNameLst>
+                                          <p:attrName>style.visibility</p:attrName>
+                                        </p:attrNameLst>
+                                      </p:cBhvr>
+                                      <p:to>
+                                        <p:strVal val="visible"/>
+                                      </p:to>
+                                    </p:set>
+                                  </p:childTnLst>
+                                </p:cTn>
+                              </p:par>
+                              <p:par>
+                                <p:cTn id="19" presetID="1" presetClass="entr" presetSubtype="0" fill="hold" grpId="0" nodeType="withEffect">
+                                  <p:stCondLst>
+                                    <p:cond delay="0"/>
+                                  </p:stCondLst>
+                                  <p:childTnLst>
+                                    <p:set>
+                                      <p:cBhvr>
+                                        <p:cTn id="20" dur="1" fill="hold">
+                                          <p:stCondLst>
+                                            <p:cond delay="0"/>
+                                          </p:stCondLst>
+                                        </p:cTn>
+                                        <p:tgtEl>
+                                          <p:spTgt spid="21"/>
+                                        </p:tgtEl>
+                                        <p:attrNameLst>
+                                          <p:attrName>style.visibility</p:attrName>
+                                        </p:attrNameLst>
+                                      </p:cBhvr>
+                                      <p:to>
+                                        <p:strVal val="visible"/>
+                                      </p:to>
+                                    </p:set>
+                                  </p:childTnLst>
+                                </p:cTn>
+                              </p:par>
+                              <p:par>
+                                <p:cTn id="21" presetID="1" presetClass="entr" presetSubtype="0" fill="hold" grpId="0" nodeType="withEffect">
+                                  <p:stCondLst>
+                                    <p:cond delay="0"/>
+                                  </p:stCondLst>
+                                  <p:childTnLst>
+                                    <p:set>
+                                      <p:cBhvr>
+                                        <p:cTn id="22" dur="1" fill="hold">
+                                          <p:stCondLst>
+                                            <p:cond delay="0"/>
+                                          </p:stCondLst>
+                                        </p:cTn>
+                                        <p:tgtEl>
+                                          <p:spTgt spid="14"/>
+                                        </p:tgtEl>
+                                        <p:attrNameLst>
+                                          <p:attrName>style.visibility</p:attrName>
+                                        </p:attrNameLst>
+                                      </p:cBhvr>
+                                      <p:to>
+                                        <p:strVal val="visible"/>
+                                      </p:to>
+                                    </p:set>
+                                  </p:childTnLst>
+                                </p:cTn>
+                              </p:par>
+                              <p:par>
+                                <p:cTn id="23" presetID="1" presetClass="entr" presetSubtype="0" fill="hold" grpId="0" nodeType="withEffect">
+                                  <p:stCondLst>
+                                    <p:cond delay="0"/>
+                                  </p:stCondLst>
+                                  <p:childTnLst>
+                                    <p:set>
+                                      <p:cBhvr>
+                                        <p:cTn id="24" dur="1" fill="hold">
+                                          <p:stCondLst>
+                                            <p:cond delay="0"/>
+                                          </p:stCondLst>
+                                        </p:cTn>
+                                        <p:tgtEl>
+                                          <p:spTgt spid="13"/>
+                                        </p:tgtEl>
+                                        <p:attrNameLst>
+                                          <p:attrName>style.visibility</p:attrName>
+                                        </p:attrNameLst>
+                                      </p:cBhvr>
+                                      <p:to>
+                                        <p:strVal val="visible"/>
+                                      </p:to>
+                                    </p:set>
+                                  </p:childTnLst>
+                                </p:cTn>
+                              </p:par>
+                              <p:par>
+                                <p:cTn id="25" presetID="1" presetClass="entr" presetSubtype="0" fill="hold" grpId="0" nodeType="withEffect">
+                                  <p:stCondLst>
+                                    <p:cond delay="0"/>
+                                  </p:stCondLst>
+                                  <p:childTnLst>
+                                    <p:set>
+                                      <p:cBhvr>
+                                        <p:cTn id="26" dur="1" fill="hold">
+                                          <p:stCondLst>
+                                            <p:cond delay="0"/>
+                                          </p:stCondLst>
+                                        </p:cTn>
+                                        <p:tgtEl>
+                                          <p:spTgt spid="24"/>
+                                        </p:tgtEl>
+                                        <p:attrNameLst>
+                                          <p:attrName>style.visibility</p:attrName>
+                                        </p:attrNameLst>
+                                      </p:cBhvr>
+                                      <p:to>
+                                        <p:strVal val="visible"/>
+                                      </p:to>
+                                    </p:set>
+                                  </p:childTnLst>
+                                </p:cTn>
+                              </p:par>
+                              <p:par>
+                                <p:cTn id="27" presetID="1" presetClass="entr" presetSubtype="0" fill="hold" grpId="0" nodeType="withEffect">
+                                  <p:stCondLst>
+                                    <p:cond delay="0"/>
+                                  </p:stCondLst>
+                                  <p:childTnLst>
+                                    <p:set>
+                                      <p:cBhvr>
+                                        <p:cTn id="28" dur="1" fill="hold">
+                                          <p:stCondLst>
+                                            <p:cond delay="0"/>
+                                          </p:stCondLst>
+                                        </p:cTn>
+                                        <p:tgtEl>
+                                          <p:spTgt spid="23"/>
+                                        </p:tgtEl>
+                                        <p:attrNameLst>
+                                          <p:attrName>style.visibility</p:attrName>
+                                        </p:attrNameLst>
+                                      </p:cBhvr>
+                                      <p:to>
+                                        <p:strVal val="visible"/>
+                                      </p:to>
+                                    </p:set>
+                                  </p:childTnLst>
+                                </p:cTn>
+                              </p:par>
+                              <p:par>
+                                <p:cTn id="29" presetID="1" presetClass="entr" presetSubtype="0" fill="hold" grpId="0" nodeType="withEffect">
+                                  <p:stCondLst>
+                                    <p:cond delay="0"/>
+                                  </p:stCondLst>
+                                  <p:childTnLst>
+                                    <p:set>
+                                      <p:cBhvr>
+                                        <p:cTn id="30" dur="1" fill="hold">
+                                          <p:stCondLst>
+                                            <p:cond delay="0"/>
+                                          </p:stCondLst>
+                                        </p:cTn>
+                                        <p:tgtEl>
+                                          <p:spTgt spid="12"/>
+                                        </p:tgtEl>
+                                        <p:attrNameLst>
+                                          <p:attrName>style.visibility</p:attrName>
+                                        </p:attrNameLst>
+                                      </p:cBhvr>
+                                      <p:to>
+                                        <p:strVal val="visible"/>
+                                      </p:to>
+                                    </p:set>
+                                  </p:childTnLst>
+                                </p:cTn>
+                              </p:par>
+                              <p:par>
+                                <p:cTn id="31" presetID="1" presetClass="entr" presetSubtype="0" fill="hold" grpId="0" nodeType="withEffect">
+                                  <p:stCondLst>
+                                    <p:cond delay="0"/>
+                                  </p:stCondLst>
+                                  <p:childTnLst>
+                                    <p:set>
+                                      <p:cBhvr>
+                                        <p:cTn id="32" dur="1" fill="hold">
+                                          <p:stCondLst>
+                                            <p:cond delay="0"/>
+                                          </p:stCondLst>
+                                        </p:cTn>
+                                        <p:tgtEl>
+                                          <p:spTgt spid="9"/>
+                                        </p:tgtEl>
+                                        <p:attrNameLst>
+                                          <p:attrName>style.visibility</p:attrName>
+                                        </p:attrNameLst>
+                                      </p:cBhvr>
+                                      <p:to>
+                                        <p:strVal val="visible"/>
+                                      </p:to>
+                                    </p:set>
+                                  </p:childTnLst>
+                                </p:cTn>
+                              </p:par>
+                            </p:childTnLst>
+                          </p:cTn>
+                        </p:par>
+                      </p:childTnLst>
+                    </p:cTn>
+                  </p:par>
+                </p:childTnLst>
+              </p:cTn>
+              <p:prevCondLst>
+                <p:cond evt="onPrev" delay="0">
+                  <p:tgtEl>
+                    <p:sldTgt/>
+                  </p:tgtEl>
+                </p:cond>
+              </p:prevCondLst>
+              <p:nextCondLst>
+                <p:cond evt="onNext" delay="0">
+                  <p:tgtEl>
+                    <p:sldTgt/>
+                  </p:tgtEl>
+                </p:cond>
+              </p:nextCondLst>
+            </p:seq>
+          </p:childTnLst>
+        </p:cTn>
+      </p:par>
+    </p:tnLst>
+    <p:bldLst>
+      <p:bldP spid="8" grpId="0" animBg="1"/>
+      <p:bldP spid="9" grpId="0" animBg="1"/>
+      <p:bldP spid="11" grpId="0" animBg="1"/>
+      <p:bldP spid="12" grpId="0" animBg="1"/>
+      <p:bldP spid="13" grpId="0" animBg="1"/>
+      <p:bldP spid="14" grpId="0" animBg="1"/>
+      <p:bldP spid="15" grpId="0" animBg="1"/>
+      <p:bldP spid="16" grpId="0" animBg="1"/>
+      <p:bldP spid="19" grpId="0" animBg="1"/>
+      <p:bldP spid="20" grpId="0" animBg="1"/>
+      <p:bldP spid="21" grpId="0" animBg="1"/>
+      <p:bldP spid="22" grpId="0" animBg="1"/>
+      <p:bldP spid="23" grpId="0" animBg="1"/>
+      <p:bldP spid="24" grpId="0" animBg="1"/>
+    </p:bldLst>
+  </p:timing>
 </p:sld>
 </file>
 
@@ -17579,6 +21872,183 @@
   <p:clrMapOvr>
     <a:masterClrMapping/>
   </p:clrMapOvr>
+  <p:timing>
+    <p:tnLst>
+      <p:par>
+        <p:cTn id="1" dur="indefinite" restart="never" nodeType="tmRoot">
+          <p:childTnLst>
+            <p:seq concurrent="1" nextAc="seek">
+              <p:cTn id="2" dur="indefinite" nodeType="mainSeq">
+                <p:childTnLst>
+                  <p:par>
+                    <p:cTn id="3" fill="hold">
+                      <p:stCondLst>
+                        <p:cond delay="indefinite"/>
+                      </p:stCondLst>
+                      <p:childTnLst>
+                        <p:par>
+                          <p:cTn id="4" fill="hold">
+                            <p:stCondLst>
+                              <p:cond delay="0"/>
+                            </p:stCondLst>
+                            <p:childTnLst>
+                              <p:par>
+                                <p:cTn id="5" presetID="1" presetClass="entr" presetSubtype="0" fill="hold" nodeType="clickEffect">
+                                  <p:stCondLst>
+                                    <p:cond delay="0"/>
+                                  </p:stCondLst>
+                                  <p:childTnLst>
+                                    <p:set>
+                                      <p:cBhvr>
+                                        <p:cTn id="6" dur="1" fill="hold">
+                                          <p:stCondLst>
+                                            <p:cond delay="0"/>
+                                          </p:stCondLst>
+                                        </p:cTn>
+                                        <p:tgtEl>
+                                          <p:spTgt spid="444419">
+                                            <p:txEl>
+                                              <p:pRg st="1" end="1"/>
+                                            </p:txEl>
+                                          </p:spTgt>
+                                        </p:tgtEl>
+                                        <p:attrNameLst>
+                                          <p:attrName>style.visibility</p:attrName>
+                                        </p:attrNameLst>
+                                      </p:cBhvr>
+                                      <p:to>
+                                        <p:strVal val="visible"/>
+                                      </p:to>
+                                    </p:set>
+                                  </p:childTnLst>
+                                </p:cTn>
+                              </p:par>
+                            </p:childTnLst>
+                          </p:cTn>
+                        </p:par>
+                      </p:childTnLst>
+                    </p:cTn>
+                  </p:par>
+                  <p:par>
+                    <p:cTn id="7" fill="hold">
+                      <p:stCondLst>
+                        <p:cond delay="indefinite"/>
+                      </p:stCondLst>
+                      <p:childTnLst>
+                        <p:par>
+                          <p:cTn id="8" fill="hold">
+                            <p:stCondLst>
+                              <p:cond delay="0"/>
+                            </p:stCondLst>
+                            <p:childTnLst>
+                              <p:par>
+                                <p:cTn id="9" presetID="1" presetClass="entr" presetSubtype="0" fill="hold" nodeType="clickEffect">
+                                  <p:stCondLst>
+                                    <p:cond delay="0"/>
+                                  </p:stCondLst>
+                                  <p:childTnLst>
+                                    <p:set>
+                                      <p:cBhvr>
+                                        <p:cTn id="10" dur="1" fill="hold">
+                                          <p:stCondLst>
+                                            <p:cond delay="0"/>
+                                          </p:stCondLst>
+                                        </p:cTn>
+                                        <p:tgtEl>
+                                          <p:spTgt spid="444419">
+                                            <p:txEl>
+                                              <p:pRg st="2" end="2"/>
+                                            </p:txEl>
+                                          </p:spTgt>
+                                        </p:tgtEl>
+                                        <p:attrNameLst>
+                                          <p:attrName>style.visibility</p:attrName>
+                                        </p:attrNameLst>
+                                      </p:cBhvr>
+                                      <p:to>
+                                        <p:strVal val="visible"/>
+                                      </p:to>
+                                    </p:set>
+                                  </p:childTnLst>
+                                </p:cTn>
+                              </p:par>
+                            </p:childTnLst>
+                          </p:cTn>
+                        </p:par>
+                      </p:childTnLst>
+                    </p:cTn>
+                  </p:par>
+                  <p:par>
+                    <p:cTn id="11" fill="hold">
+                      <p:stCondLst>
+                        <p:cond delay="indefinite"/>
+                      </p:stCondLst>
+                      <p:childTnLst>
+                        <p:par>
+                          <p:cTn id="12" fill="hold">
+                            <p:stCondLst>
+                              <p:cond delay="0"/>
+                            </p:stCondLst>
+                            <p:childTnLst>
+                              <p:par>
+                                <p:cTn id="13" presetID="1" presetClass="entr" presetSubtype="0" fill="hold" nodeType="clickEffect">
+                                  <p:stCondLst>
+                                    <p:cond delay="0"/>
+                                  </p:stCondLst>
+                                  <p:childTnLst>
+                                    <p:set>
+                                      <p:cBhvr>
+                                        <p:cTn id="14" dur="1" fill="hold">
+                                          <p:stCondLst>
+                                            <p:cond delay="0"/>
+                                          </p:stCondLst>
+                                        </p:cTn>
+                                        <p:tgtEl>
+                                          <p:spTgt spid="444419">
+                                            <p:txEl>
+                                              <p:pRg st="3" end="3"/>
+                                            </p:txEl>
+                                          </p:spTgt>
+                                        </p:tgtEl>
+                                        <p:attrNameLst>
+                                          <p:attrName>style.visibility</p:attrName>
+                                        </p:attrNameLst>
+                                      </p:cBhvr>
+                                      <p:to>
+                                        <p:strVal val="visible"/>
+                                      </p:to>
+                                    </p:set>
+                                  </p:childTnLst>
+                                </p:cTn>
+                              </p:par>
+                            </p:childTnLst>
+                          </p:cTn>
+                        </p:par>
+                      </p:childTnLst>
+                    </p:cTn>
+                  </p:par>
+                </p:childTnLst>
+              </p:cTn>
+              <p:prevCondLst>
+                <p:cond evt="onPrev" delay="0">
+                  <p:tgtEl>
+                    <p:sldTgt/>
+                  </p:tgtEl>
+                </p:cond>
+              </p:prevCondLst>
+              <p:nextCondLst>
+                <p:cond evt="onNext" delay="0">
+                  <p:tgtEl>
+                    <p:sldTgt/>
+                  </p:tgtEl>
+                </p:cond>
+              </p:nextCondLst>
+            </p:seq>
+          </p:childTnLst>
+        </p:cTn>
+      </p:par>
+    </p:tnLst>
+  </p:timing>
 </p:sld>
 </file>
 
@@ -18816,6 +23286,749 @@
   <p:clrMapOvr>
     <a:masterClrMapping/>
   </p:clrMapOvr>
+  <p:timing>
+    <p:tnLst>
+      <p:par>
+        <p:cTn id="1" dur="indefinite" restart="never" nodeType="tmRoot">
+          <p:childTnLst>
+            <p:seq concurrent="1" nextAc="seek">
+              <p:cTn id="2" dur="indefinite" nodeType="mainSeq">
+                <p:childTnLst>
+                  <p:par>
+                    <p:cTn id="3" fill="hold">
+                      <p:stCondLst>
+                        <p:cond delay="indefinite"/>
+                        <p:cond evt="onBegin" delay="0">
+                          <p:tn val="2"/>
+                        </p:cond>
+                      </p:stCondLst>
+                      <p:childTnLst>
+                        <p:par>
+                          <p:cTn id="4" fill="hold">
+                            <p:stCondLst>
+                              <p:cond delay="0"/>
+                            </p:stCondLst>
+                            <p:childTnLst>
+                              <p:par>
+                                <p:cTn id="5" presetID="1" presetClass="entr" presetSubtype="0" fill="hold" grpId="0" nodeType="withEffect">
+                                  <p:stCondLst>
+                                    <p:cond delay="0"/>
+                                  </p:stCondLst>
+                                  <p:childTnLst>
+                                    <p:set>
+                                      <p:cBhvr>
+                                        <p:cTn id="6" dur="1" fill="hold">
+                                          <p:stCondLst>
+                                            <p:cond delay="0"/>
+                                          </p:stCondLst>
+                                        </p:cTn>
+                                        <p:tgtEl>
+                                          <p:spTgt spid="7"/>
+                                        </p:tgtEl>
+                                        <p:attrNameLst>
+                                          <p:attrName>style.visibility</p:attrName>
+                                        </p:attrNameLst>
+                                      </p:cBhvr>
+                                      <p:to>
+                                        <p:strVal val="visible"/>
+                                      </p:to>
+                                    </p:set>
+                                  </p:childTnLst>
+                                </p:cTn>
+                              </p:par>
+                              <p:par>
+                                <p:cTn id="7" presetID="1" presetClass="entr" presetSubtype="0" fill="hold" nodeType="withEffect">
+                                  <p:stCondLst>
+                                    <p:cond delay="0"/>
+                                  </p:stCondLst>
+                                  <p:childTnLst>
+                                    <p:set>
+                                      <p:cBhvr>
+                                        <p:cTn id="8" dur="1" fill="hold">
+                                          <p:stCondLst>
+                                            <p:cond delay="0"/>
+                                          </p:stCondLst>
+                                        </p:cTn>
+                                        <p:tgtEl>
+                                          <p:spTgt spid="7">
+                                            <p:txEl>
+                                              <p:pRg st="0" end="0"/>
+                                            </p:txEl>
+                                          </p:spTgt>
+                                        </p:tgtEl>
+                                        <p:attrNameLst>
+                                          <p:attrName>style.visibility</p:attrName>
+                                        </p:attrNameLst>
+                                      </p:cBhvr>
+                                      <p:to>
+                                        <p:strVal val="visible"/>
+                                      </p:to>
+                                    </p:set>
+                                  </p:childTnLst>
+                                </p:cTn>
+                              </p:par>
+                              <p:par>
+                                <p:cTn id="9" presetID="1" presetClass="entr" presetSubtype="0" fill="hold" grpId="0" nodeType="withEffect">
+                                  <p:stCondLst>
+                                    <p:cond delay="0"/>
+                                  </p:stCondLst>
+                                  <p:childTnLst>
+                                    <p:set>
+                                      <p:cBhvr>
+                                        <p:cTn id="10" dur="1" fill="hold">
+                                          <p:stCondLst>
+                                            <p:cond delay="0"/>
+                                          </p:stCondLst>
+                                        </p:cTn>
+                                        <p:tgtEl>
+                                          <p:spTgt spid="6"/>
+                                        </p:tgtEl>
+                                        <p:attrNameLst>
+                                          <p:attrName>style.visibility</p:attrName>
+                                        </p:attrNameLst>
+                                      </p:cBhvr>
+                                      <p:to>
+                                        <p:strVal val="visible"/>
+                                      </p:to>
+                                    </p:set>
+                                  </p:childTnLst>
+                                </p:cTn>
+                              </p:par>
+                              <p:par>
+                                <p:cTn id="11" presetID="1" presetClass="entr" presetSubtype="0" fill="hold" grpId="0" nodeType="withEffect">
+                                  <p:stCondLst>
+                                    <p:cond delay="0"/>
+                                  </p:stCondLst>
+                                  <p:childTnLst>
+                                    <p:set>
+                                      <p:cBhvr>
+                                        <p:cTn id="12" dur="1" fill="hold">
+                                          <p:stCondLst>
+                                            <p:cond delay="0"/>
+                                          </p:stCondLst>
+                                        </p:cTn>
+                                        <p:tgtEl>
+                                          <p:spTgt spid="10"/>
+                                        </p:tgtEl>
+                                        <p:attrNameLst>
+                                          <p:attrName>style.visibility</p:attrName>
+                                        </p:attrNameLst>
+                                      </p:cBhvr>
+                                      <p:to>
+                                        <p:strVal val="visible"/>
+                                      </p:to>
+                                    </p:set>
+                                  </p:childTnLst>
+                                </p:cTn>
+                              </p:par>
+                            </p:childTnLst>
+                          </p:cTn>
+                        </p:par>
+                      </p:childTnLst>
+                    </p:cTn>
+                  </p:par>
+                  <p:par>
+                    <p:cTn id="13" fill="hold">
+                      <p:stCondLst>
+                        <p:cond delay="indefinite"/>
+                      </p:stCondLst>
+                      <p:childTnLst>
+                        <p:par>
+                          <p:cTn id="14" fill="hold">
+                            <p:stCondLst>
+                              <p:cond delay="0"/>
+                            </p:stCondLst>
+                            <p:childTnLst>
+                              <p:par>
+                                <p:cTn id="15" presetID="1" presetClass="entr" presetSubtype="0" fill="hold" nodeType="clickEffect">
+                                  <p:stCondLst>
+                                    <p:cond delay="0"/>
+                                  </p:stCondLst>
+                                  <p:childTnLst>
+                                    <p:set>
+                                      <p:cBhvr>
+                                        <p:cTn id="16" dur="1" fill="hold">
+                                          <p:stCondLst>
+                                            <p:cond delay="0"/>
+                                          </p:stCondLst>
+                                        </p:cTn>
+                                        <p:tgtEl>
+                                          <p:spTgt spid="7">
+                                            <p:txEl>
+                                              <p:pRg st="1" end="1"/>
+                                            </p:txEl>
+                                          </p:spTgt>
+                                        </p:tgtEl>
+                                        <p:attrNameLst>
+                                          <p:attrName>style.visibility</p:attrName>
+                                        </p:attrNameLst>
+                                      </p:cBhvr>
+                                      <p:to>
+                                        <p:strVal val="visible"/>
+                                      </p:to>
+                                    </p:set>
+                                  </p:childTnLst>
+                                </p:cTn>
+                              </p:par>
+                              <p:par>
+                                <p:cTn id="17" presetID="1" presetClass="entr" presetSubtype="0" fill="hold" nodeType="withEffect">
+                                  <p:stCondLst>
+                                    <p:cond delay="0"/>
+                                  </p:stCondLst>
+                                  <p:childTnLst>
+                                    <p:set>
+                                      <p:cBhvr>
+                                        <p:cTn id="18" dur="1" fill="hold">
+                                          <p:stCondLst>
+                                            <p:cond delay="0"/>
+                                          </p:stCondLst>
+                                        </p:cTn>
+                                        <p:tgtEl>
+                                          <p:spTgt spid="7">
+                                            <p:txEl>
+                                              <p:pRg st="2" end="2"/>
+                                            </p:txEl>
+                                          </p:spTgt>
+                                        </p:tgtEl>
+                                        <p:attrNameLst>
+                                          <p:attrName>style.visibility</p:attrName>
+                                        </p:attrNameLst>
+                                      </p:cBhvr>
+                                      <p:to>
+                                        <p:strVal val="visible"/>
+                                      </p:to>
+                                    </p:set>
+                                  </p:childTnLst>
+                                </p:cTn>
+                              </p:par>
+                              <p:par>
+                                <p:cTn id="19" presetID="1" presetClass="entr" presetSubtype="0" fill="hold" nodeType="withEffect">
+                                  <p:stCondLst>
+                                    <p:cond delay="0"/>
+                                  </p:stCondLst>
+                                  <p:childTnLst>
+                                    <p:set>
+                                      <p:cBhvr>
+                                        <p:cTn id="20" dur="1" fill="hold">
+                                          <p:stCondLst>
+                                            <p:cond delay="0"/>
+                                          </p:stCondLst>
+                                        </p:cTn>
+                                        <p:tgtEl>
+                                          <p:spTgt spid="7">
+                                            <p:txEl>
+                                              <p:pRg st="13" end="13"/>
+                                            </p:txEl>
+                                          </p:spTgt>
+                                        </p:tgtEl>
+                                        <p:attrNameLst>
+                                          <p:attrName>style.visibility</p:attrName>
+                                        </p:attrNameLst>
+                                      </p:cBhvr>
+                                      <p:to>
+                                        <p:strVal val="visible"/>
+                                      </p:to>
+                                    </p:set>
+                                  </p:childTnLst>
+                                </p:cTn>
+                              </p:par>
+                            </p:childTnLst>
+                          </p:cTn>
+                        </p:par>
+                      </p:childTnLst>
+                    </p:cTn>
+                  </p:par>
+                  <p:par>
+                    <p:cTn id="21" fill="hold">
+                      <p:stCondLst>
+                        <p:cond delay="indefinite"/>
+                      </p:stCondLst>
+                      <p:childTnLst>
+                        <p:par>
+                          <p:cTn id="22" fill="hold">
+                            <p:stCondLst>
+                              <p:cond delay="0"/>
+                            </p:stCondLst>
+                            <p:childTnLst>
+                              <p:par>
+                                <p:cTn id="23" presetID="1" presetClass="entr" presetSubtype="0" fill="hold" nodeType="clickEffect">
+                                  <p:stCondLst>
+                                    <p:cond delay="0"/>
+                                  </p:stCondLst>
+                                  <p:childTnLst>
+                                    <p:set>
+                                      <p:cBhvr>
+                                        <p:cTn id="24" dur="1" fill="hold">
+                                          <p:stCondLst>
+                                            <p:cond delay="0"/>
+                                          </p:stCondLst>
+                                        </p:cTn>
+                                        <p:tgtEl>
+                                          <p:spTgt spid="7">
+                                            <p:txEl>
+                                              <p:pRg st="3" end="3"/>
+                                            </p:txEl>
+                                          </p:spTgt>
+                                        </p:tgtEl>
+                                        <p:attrNameLst>
+                                          <p:attrName>style.visibility</p:attrName>
+                                        </p:attrNameLst>
+                                      </p:cBhvr>
+                                      <p:to>
+                                        <p:strVal val="visible"/>
+                                      </p:to>
+                                    </p:set>
+                                  </p:childTnLst>
+                                </p:cTn>
+                              </p:par>
+                              <p:par>
+                                <p:cTn id="25" presetID="1" presetClass="entr" presetSubtype="0" fill="hold" nodeType="withEffect">
+                                  <p:stCondLst>
+                                    <p:cond delay="0"/>
+                                  </p:stCondLst>
+                                  <p:childTnLst>
+                                    <p:set>
+                                      <p:cBhvr>
+                                        <p:cTn id="26" dur="1" fill="hold">
+                                          <p:stCondLst>
+                                            <p:cond delay="0"/>
+                                          </p:stCondLst>
+                                        </p:cTn>
+                                        <p:tgtEl>
+                                          <p:spTgt spid="7">
+                                            <p:txEl>
+                                              <p:pRg st="4" end="4"/>
+                                            </p:txEl>
+                                          </p:spTgt>
+                                        </p:tgtEl>
+                                        <p:attrNameLst>
+                                          <p:attrName>style.visibility</p:attrName>
+                                        </p:attrNameLst>
+                                      </p:cBhvr>
+                                      <p:to>
+                                        <p:strVal val="visible"/>
+                                      </p:to>
+                                    </p:set>
+                                  </p:childTnLst>
+                                </p:cTn>
+                              </p:par>
+                            </p:childTnLst>
+                          </p:cTn>
+                        </p:par>
+                      </p:childTnLst>
+                    </p:cTn>
+                  </p:par>
+                  <p:par>
+                    <p:cTn id="27" fill="hold">
+                      <p:stCondLst>
+                        <p:cond delay="indefinite"/>
+                      </p:stCondLst>
+                      <p:childTnLst>
+                        <p:par>
+                          <p:cTn id="28" fill="hold">
+                            <p:stCondLst>
+                              <p:cond delay="0"/>
+                            </p:stCondLst>
+                            <p:childTnLst>
+                              <p:par>
+                                <p:cTn id="29" presetID="1" presetClass="entr" presetSubtype="0" fill="hold" nodeType="clickEffect">
+                                  <p:stCondLst>
+                                    <p:cond delay="0"/>
+                                  </p:stCondLst>
+                                  <p:childTnLst>
+                                    <p:set>
+                                      <p:cBhvr>
+                                        <p:cTn id="30" dur="1" fill="hold">
+                                          <p:stCondLst>
+                                            <p:cond delay="0"/>
+                                          </p:stCondLst>
+                                        </p:cTn>
+                                        <p:tgtEl>
+                                          <p:spTgt spid="7">
+                                            <p:txEl>
+                                              <p:pRg st="5" end="5"/>
+                                            </p:txEl>
+                                          </p:spTgt>
+                                        </p:tgtEl>
+                                        <p:attrNameLst>
+                                          <p:attrName>style.visibility</p:attrName>
+                                        </p:attrNameLst>
+                                      </p:cBhvr>
+                                      <p:to>
+                                        <p:strVal val="visible"/>
+                                      </p:to>
+                                    </p:set>
+                                  </p:childTnLst>
+                                </p:cTn>
+                              </p:par>
+                            </p:childTnLst>
+                          </p:cTn>
+                        </p:par>
+                      </p:childTnLst>
+                    </p:cTn>
+                  </p:par>
+                  <p:par>
+                    <p:cTn id="31" fill="hold">
+                      <p:stCondLst>
+                        <p:cond delay="indefinite"/>
+                      </p:stCondLst>
+                      <p:childTnLst>
+                        <p:par>
+                          <p:cTn id="32" fill="hold">
+                            <p:stCondLst>
+                              <p:cond delay="0"/>
+                            </p:stCondLst>
+                            <p:childTnLst>
+                              <p:par>
+                                <p:cTn id="33" presetID="1" presetClass="entr" presetSubtype="0" fill="hold" nodeType="clickEffect">
+                                  <p:stCondLst>
+                                    <p:cond delay="0"/>
+                                  </p:stCondLst>
+                                  <p:childTnLst>
+                                    <p:set>
+                                      <p:cBhvr>
+                                        <p:cTn id="34" dur="1" fill="hold">
+                                          <p:stCondLst>
+                                            <p:cond delay="0"/>
+                                          </p:stCondLst>
+                                        </p:cTn>
+                                        <p:tgtEl>
+                                          <p:spTgt spid="7">
+                                            <p:txEl>
+                                              <p:pRg st="6" end="6"/>
+                                            </p:txEl>
+                                          </p:spTgt>
+                                        </p:tgtEl>
+                                        <p:attrNameLst>
+                                          <p:attrName>style.visibility</p:attrName>
+                                        </p:attrNameLst>
+                                      </p:cBhvr>
+                                      <p:to>
+                                        <p:strVal val="visible"/>
+                                      </p:to>
+                                    </p:set>
+                                  </p:childTnLst>
+                                </p:cTn>
+                              </p:par>
+                              <p:par>
+                                <p:cTn id="35" presetID="1" presetClass="entr" presetSubtype="0" fill="hold" nodeType="withEffect">
+                                  <p:stCondLst>
+                                    <p:cond delay="0"/>
+                                  </p:stCondLst>
+                                  <p:childTnLst>
+                                    <p:set>
+                                      <p:cBhvr>
+                                        <p:cTn id="36" dur="1" fill="hold">
+                                          <p:stCondLst>
+                                            <p:cond delay="0"/>
+                                          </p:stCondLst>
+                                        </p:cTn>
+                                        <p:tgtEl>
+                                          <p:spTgt spid="7">
+                                            <p:txEl>
+                                              <p:pRg st="7" end="7"/>
+                                            </p:txEl>
+                                          </p:spTgt>
+                                        </p:tgtEl>
+                                        <p:attrNameLst>
+                                          <p:attrName>style.visibility</p:attrName>
+                                        </p:attrNameLst>
+                                      </p:cBhvr>
+                                      <p:to>
+                                        <p:strVal val="visible"/>
+                                      </p:to>
+                                    </p:set>
+                                  </p:childTnLst>
+                                </p:cTn>
+                              </p:par>
+                              <p:par>
+                                <p:cTn id="37" presetID="1" presetClass="entr" presetSubtype="0" fill="hold" nodeType="withEffect">
+                                  <p:stCondLst>
+                                    <p:cond delay="0"/>
+                                  </p:stCondLst>
+                                  <p:childTnLst>
+                                    <p:set>
+                                      <p:cBhvr>
+                                        <p:cTn id="38" dur="1" fill="hold">
+                                          <p:stCondLst>
+                                            <p:cond delay="0"/>
+                                          </p:stCondLst>
+                                        </p:cTn>
+                                        <p:tgtEl>
+                                          <p:spTgt spid="7">
+                                            <p:txEl>
+                                              <p:pRg st="10" end="10"/>
+                                            </p:txEl>
+                                          </p:spTgt>
+                                        </p:tgtEl>
+                                        <p:attrNameLst>
+                                          <p:attrName>style.visibility</p:attrName>
+                                        </p:attrNameLst>
+                                      </p:cBhvr>
+                                      <p:to>
+                                        <p:strVal val="visible"/>
+                                      </p:to>
+                                    </p:set>
+                                  </p:childTnLst>
+                                </p:cTn>
+                              </p:par>
+                            </p:childTnLst>
+                          </p:cTn>
+                        </p:par>
+                      </p:childTnLst>
+                    </p:cTn>
+                  </p:par>
+                  <p:par>
+                    <p:cTn id="39" fill="hold">
+                      <p:stCondLst>
+                        <p:cond delay="indefinite"/>
+                      </p:stCondLst>
+                      <p:childTnLst>
+                        <p:par>
+                          <p:cTn id="40" fill="hold">
+                            <p:stCondLst>
+                              <p:cond delay="0"/>
+                            </p:stCondLst>
+                            <p:childTnLst>
+                              <p:par>
+                                <p:cTn id="41" presetID="1" presetClass="entr" presetSubtype="0" fill="hold" nodeType="clickEffect">
+                                  <p:stCondLst>
+                                    <p:cond delay="0"/>
+                                  </p:stCondLst>
+                                  <p:childTnLst>
+                                    <p:set>
+                                      <p:cBhvr>
+                                        <p:cTn id="42" dur="1" fill="hold">
+                                          <p:stCondLst>
+                                            <p:cond delay="0"/>
+                                          </p:stCondLst>
+                                        </p:cTn>
+                                        <p:tgtEl>
+                                          <p:spTgt spid="7">
+                                            <p:txEl>
+                                              <p:pRg st="8" end="8"/>
+                                            </p:txEl>
+                                          </p:spTgt>
+                                        </p:tgtEl>
+                                        <p:attrNameLst>
+                                          <p:attrName>style.visibility</p:attrName>
+                                        </p:attrNameLst>
+                                      </p:cBhvr>
+                                      <p:to>
+                                        <p:strVal val="visible"/>
+                                      </p:to>
+                                    </p:set>
+                                  </p:childTnLst>
+                                </p:cTn>
+                              </p:par>
+                              <p:par>
+                                <p:cTn id="43" presetID="1" presetClass="entr" presetSubtype="0" fill="hold" nodeType="withEffect">
+                                  <p:stCondLst>
+                                    <p:cond delay="0"/>
+                                  </p:stCondLst>
+                                  <p:childTnLst>
+                                    <p:set>
+                                      <p:cBhvr>
+                                        <p:cTn id="44" dur="1" fill="hold">
+                                          <p:stCondLst>
+                                            <p:cond delay="0"/>
+                                          </p:stCondLst>
+                                        </p:cTn>
+                                        <p:tgtEl>
+                                          <p:spTgt spid="7">
+                                            <p:txEl>
+                                              <p:pRg st="9" end="9"/>
+                                            </p:txEl>
+                                          </p:spTgt>
+                                        </p:tgtEl>
+                                        <p:attrNameLst>
+                                          <p:attrName>style.visibility</p:attrName>
+                                        </p:attrNameLst>
+                                      </p:cBhvr>
+                                      <p:to>
+                                        <p:strVal val="visible"/>
+                                      </p:to>
+                                    </p:set>
+                                  </p:childTnLst>
+                                </p:cTn>
+                              </p:par>
+                            </p:childTnLst>
+                          </p:cTn>
+                        </p:par>
+                      </p:childTnLst>
+                    </p:cTn>
+                  </p:par>
+                  <p:par>
+                    <p:cTn id="45" fill="hold">
+                      <p:stCondLst>
+                        <p:cond delay="indefinite"/>
+                      </p:stCondLst>
+                      <p:childTnLst>
+                        <p:par>
+                          <p:cTn id="46" fill="hold">
+                            <p:stCondLst>
+                              <p:cond delay="0"/>
+                            </p:stCondLst>
+                            <p:childTnLst>
+                              <p:par>
+                                <p:cTn id="47" presetID="1" presetClass="entr" presetSubtype="0" fill="hold" nodeType="clickEffect">
+                                  <p:stCondLst>
+                                    <p:cond delay="0"/>
+                                  </p:stCondLst>
+                                  <p:childTnLst>
+                                    <p:set>
+                                      <p:cBhvr>
+                                        <p:cTn id="48" dur="1" fill="hold">
+                                          <p:stCondLst>
+                                            <p:cond delay="0"/>
+                                          </p:stCondLst>
+                                        </p:cTn>
+                                        <p:tgtEl>
+                                          <p:spTgt spid="7">
+                                            <p:txEl>
+                                              <p:pRg st="11" end="11"/>
+                                            </p:txEl>
+                                          </p:spTgt>
+                                        </p:tgtEl>
+                                        <p:attrNameLst>
+                                          <p:attrName>style.visibility</p:attrName>
+                                        </p:attrNameLst>
+                                      </p:cBhvr>
+                                      <p:to>
+                                        <p:strVal val="visible"/>
+                                      </p:to>
+                                    </p:set>
+                                  </p:childTnLst>
+                                </p:cTn>
+                              </p:par>
+                            </p:childTnLst>
+                          </p:cTn>
+                        </p:par>
+                      </p:childTnLst>
+                    </p:cTn>
+                  </p:par>
+                  <p:par>
+                    <p:cTn id="49" fill="hold">
+                      <p:stCondLst>
+                        <p:cond delay="indefinite"/>
+                      </p:stCondLst>
+                      <p:childTnLst>
+                        <p:par>
+                          <p:cTn id="50" fill="hold">
+                            <p:stCondLst>
+                              <p:cond delay="0"/>
+                            </p:stCondLst>
+                            <p:childTnLst>
+                              <p:par>
+                                <p:cTn id="51" presetID="1" presetClass="entr" presetSubtype="0" fill="hold" nodeType="clickEffect">
+                                  <p:stCondLst>
+                                    <p:cond delay="0"/>
+                                  </p:stCondLst>
+                                  <p:childTnLst>
+                                    <p:set>
+                                      <p:cBhvr>
+                                        <p:cTn id="52" dur="1" fill="hold">
+                                          <p:stCondLst>
+                                            <p:cond delay="0"/>
+                                          </p:stCondLst>
+                                        </p:cTn>
+                                        <p:tgtEl>
+                                          <p:spTgt spid="7">
+                                            <p:txEl>
+                                              <p:pRg st="12" end="12"/>
+                                            </p:txEl>
+                                          </p:spTgt>
+                                        </p:tgtEl>
+                                        <p:attrNameLst>
+                                          <p:attrName>style.visibility</p:attrName>
+                                        </p:attrNameLst>
+                                      </p:cBhvr>
+                                      <p:to>
+                                        <p:strVal val="visible"/>
+                                      </p:to>
+                                    </p:set>
+                                  </p:childTnLst>
+                                </p:cTn>
+                              </p:par>
+                            </p:childTnLst>
+                          </p:cTn>
+                        </p:par>
+                      </p:childTnLst>
+                    </p:cTn>
+                  </p:par>
+                  <p:par>
+                    <p:cTn id="53" fill="hold">
+                      <p:stCondLst>
+                        <p:cond delay="indefinite"/>
+                      </p:stCondLst>
+                      <p:childTnLst>
+                        <p:par>
+                          <p:cTn id="54" fill="hold">
+                            <p:stCondLst>
+                              <p:cond delay="0"/>
+                            </p:stCondLst>
+                            <p:childTnLst>
+                              <p:par>
+                                <p:cTn id="55" presetID="1" presetClass="entr" presetSubtype="0" fill="hold" grpId="0" nodeType="clickEffect">
+                                  <p:stCondLst>
+                                    <p:cond delay="0"/>
+                                  </p:stCondLst>
+                                  <p:childTnLst>
+                                    <p:set>
+                                      <p:cBhvr>
+                                        <p:cTn id="56" dur="1" fill="hold">
+                                          <p:stCondLst>
+                                            <p:cond delay="0"/>
+                                          </p:stCondLst>
+                                        </p:cTn>
+                                        <p:tgtEl>
+                                          <p:spTgt spid="4"/>
+                                        </p:tgtEl>
+                                        <p:attrNameLst>
+                                          <p:attrName>style.visibility</p:attrName>
+                                        </p:attrNameLst>
+                                      </p:cBhvr>
+                                      <p:to>
+                                        <p:strVal val="visible"/>
+                                      </p:to>
+                                    </p:set>
+                                  </p:childTnLst>
+                                </p:cTn>
+                              </p:par>
+                            </p:childTnLst>
+                          </p:cTn>
+                        </p:par>
+                      </p:childTnLst>
+                    </p:cTn>
+                  </p:par>
+                </p:childTnLst>
+              </p:cTn>
+              <p:prevCondLst>
+                <p:cond evt="onPrev" delay="0">
+                  <p:tgtEl>
+                    <p:sldTgt/>
+                  </p:tgtEl>
+                </p:cond>
+              </p:prevCondLst>
+              <p:nextCondLst>
+                <p:cond evt="onNext" delay="0">
+                  <p:tgtEl>
+                    <p:sldTgt/>
+                  </p:tgtEl>
+                </p:cond>
+              </p:nextCondLst>
+            </p:seq>
+          </p:childTnLst>
+        </p:cTn>
+      </p:par>
+    </p:tnLst>
+    <p:bldLst>
+      <p:bldP spid="7" grpId="0" animBg="1"/>
+      <p:bldP spid="10" grpId="0" animBg="1"/>
+      <p:bldP spid="6" grpId="0" animBg="1"/>
+      <p:bldP spid="4" grpId="0"/>
+    </p:bldLst>
+  </p:timing>
 </p:sld>
 </file>
 
@@ -20421,6 +25634,382 @@
   <p:clrMapOvr>
     <a:masterClrMapping/>
   </p:clrMapOvr>
+  <p:timing>
+    <p:tnLst>
+      <p:par>
+        <p:cTn id="1" dur="indefinite" restart="never" nodeType="tmRoot">
+          <p:childTnLst>
+            <p:seq concurrent="1" nextAc="seek">
+              <p:cTn id="2" dur="indefinite" nodeType="mainSeq">
+                <p:childTnLst>
+                  <p:par>
+                    <p:cTn id="3" fill="hold">
+                      <p:stCondLst>
+                        <p:cond delay="indefinite"/>
+                      </p:stCondLst>
+                      <p:childTnLst>
+                        <p:par>
+                          <p:cTn id="4" fill="hold">
+                            <p:stCondLst>
+                              <p:cond delay="0"/>
+                            </p:stCondLst>
+                            <p:childTnLst>
+                              <p:par>
+                                <p:cTn id="5" presetID="1" presetClass="entr" presetSubtype="0" fill="hold" grpId="0" nodeType="clickEffect">
+                                  <p:stCondLst>
+                                    <p:cond delay="0"/>
+                                  </p:stCondLst>
+                                  <p:childTnLst>
+                                    <p:set>
+                                      <p:cBhvr>
+                                        <p:cTn id="6" dur="1" fill="hold">
+                                          <p:stCondLst>
+                                            <p:cond delay="0"/>
+                                          </p:stCondLst>
+                                        </p:cTn>
+                                        <p:tgtEl>
+                                          <p:spTgt spid="10"/>
+                                        </p:tgtEl>
+                                        <p:attrNameLst>
+                                          <p:attrName>style.visibility</p:attrName>
+                                        </p:attrNameLst>
+                                      </p:cBhvr>
+                                      <p:to>
+                                        <p:strVal val="visible"/>
+                                      </p:to>
+                                    </p:set>
+                                  </p:childTnLst>
+                                </p:cTn>
+                              </p:par>
+                              <p:par>
+                                <p:cTn id="7" presetID="1" presetClass="entr" presetSubtype="0" fill="hold" nodeType="withEffect">
+                                  <p:stCondLst>
+                                    <p:cond delay="0"/>
+                                  </p:stCondLst>
+                                  <p:childTnLst>
+                                    <p:set>
+                                      <p:cBhvr>
+                                        <p:cTn id="8" dur="1" fill="hold">
+                                          <p:stCondLst>
+                                            <p:cond delay="0"/>
+                                          </p:stCondLst>
+                                        </p:cTn>
+                                        <p:tgtEl>
+                                          <p:spTgt spid="3"/>
+                                        </p:tgtEl>
+                                        <p:attrNameLst>
+                                          <p:attrName>style.visibility</p:attrName>
+                                        </p:attrNameLst>
+                                      </p:cBhvr>
+                                      <p:to>
+                                        <p:strVal val="visible"/>
+                                      </p:to>
+                                    </p:set>
+                                  </p:childTnLst>
+                                </p:cTn>
+                              </p:par>
+                              <p:par>
+                                <p:cTn id="9" presetID="1" presetClass="entr" presetSubtype="0" fill="hold" nodeType="withEffect">
+                                  <p:stCondLst>
+                                    <p:cond delay="0"/>
+                                  </p:stCondLst>
+                                  <p:childTnLst>
+                                    <p:set>
+                                      <p:cBhvr>
+                                        <p:cTn id="10" dur="1" fill="hold">
+                                          <p:stCondLst>
+                                            <p:cond delay="0"/>
+                                          </p:stCondLst>
+                                        </p:cTn>
+                                        <p:tgtEl>
+                                          <p:spTgt spid="10">
+                                            <p:txEl>
+                                              <p:pRg st="0" end="0"/>
+                                            </p:txEl>
+                                          </p:spTgt>
+                                        </p:tgtEl>
+                                        <p:attrNameLst>
+                                          <p:attrName>style.visibility</p:attrName>
+                                        </p:attrNameLst>
+                                      </p:cBhvr>
+                                      <p:to>
+                                        <p:strVal val="visible"/>
+                                      </p:to>
+                                    </p:set>
+                                  </p:childTnLst>
+                                </p:cTn>
+                              </p:par>
+                              <p:par>
+                                <p:cTn id="11" presetID="1" presetClass="entr" presetSubtype="0" fill="hold" nodeType="withEffect">
+                                  <p:stCondLst>
+                                    <p:cond delay="0"/>
+                                  </p:stCondLst>
+                                  <p:childTnLst>
+                                    <p:set>
+                                      <p:cBhvr>
+                                        <p:cTn id="12" dur="1" fill="hold">
+                                          <p:stCondLst>
+                                            <p:cond delay="0"/>
+                                          </p:stCondLst>
+                                        </p:cTn>
+                                        <p:tgtEl>
+                                          <p:spTgt spid="10">
+                                            <p:txEl>
+                                              <p:pRg st="1" end="1"/>
+                                            </p:txEl>
+                                          </p:spTgt>
+                                        </p:tgtEl>
+                                        <p:attrNameLst>
+                                          <p:attrName>style.visibility</p:attrName>
+                                        </p:attrNameLst>
+                                      </p:cBhvr>
+                                      <p:to>
+                                        <p:strVal val="visible"/>
+                                      </p:to>
+                                    </p:set>
+                                  </p:childTnLst>
+                                </p:cTn>
+                              </p:par>
+                              <p:par>
+                                <p:cTn id="13" presetID="1" presetClass="entr" presetSubtype="0" fill="hold" nodeType="withEffect">
+                                  <p:stCondLst>
+                                    <p:cond delay="0"/>
+                                  </p:stCondLst>
+                                  <p:childTnLst>
+                                    <p:set>
+                                      <p:cBhvr>
+                                        <p:cTn id="14" dur="1" fill="hold">
+                                          <p:stCondLst>
+                                            <p:cond delay="0"/>
+                                          </p:stCondLst>
+                                        </p:cTn>
+                                        <p:tgtEl>
+                                          <p:spTgt spid="10">
+                                            <p:txEl>
+                                              <p:pRg st="6" end="6"/>
+                                            </p:txEl>
+                                          </p:spTgt>
+                                        </p:tgtEl>
+                                        <p:attrNameLst>
+                                          <p:attrName>style.visibility</p:attrName>
+                                        </p:attrNameLst>
+                                      </p:cBhvr>
+                                      <p:to>
+                                        <p:strVal val="visible"/>
+                                      </p:to>
+                                    </p:set>
+                                  </p:childTnLst>
+                                </p:cTn>
+                              </p:par>
+                            </p:childTnLst>
+                          </p:cTn>
+                        </p:par>
+                      </p:childTnLst>
+                    </p:cTn>
+                  </p:par>
+                  <p:par>
+                    <p:cTn id="15" fill="hold">
+                      <p:stCondLst>
+                        <p:cond delay="indefinite"/>
+                      </p:stCondLst>
+                      <p:childTnLst>
+                        <p:par>
+                          <p:cTn id="16" fill="hold">
+                            <p:stCondLst>
+                              <p:cond delay="0"/>
+                            </p:stCondLst>
+                            <p:childTnLst>
+                              <p:par>
+                                <p:cTn id="17" presetID="1" presetClass="entr" presetSubtype="0" fill="hold" nodeType="clickEffect">
+                                  <p:stCondLst>
+                                    <p:cond delay="0"/>
+                                  </p:stCondLst>
+                                  <p:childTnLst>
+                                    <p:set>
+                                      <p:cBhvr>
+                                        <p:cTn id="18" dur="1" fill="hold">
+                                          <p:stCondLst>
+                                            <p:cond delay="0"/>
+                                          </p:stCondLst>
+                                        </p:cTn>
+                                        <p:tgtEl>
+                                          <p:spTgt spid="10">
+                                            <p:txEl>
+                                              <p:pRg st="2" end="2"/>
+                                            </p:txEl>
+                                          </p:spTgt>
+                                        </p:tgtEl>
+                                        <p:attrNameLst>
+                                          <p:attrName>style.visibility</p:attrName>
+                                        </p:attrNameLst>
+                                      </p:cBhvr>
+                                      <p:to>
+                                        <p:strVal val="visible"/>
+                                      </p:to>
+                                    </p:set>
+                                  </p:childTnLst>
+                                </p:cTn>
+                              </p:par>
+                            </p:childTnLst>
+                          </p:cTn>
+                        </p:par>
+                      </p:childTnLst>
+                    </p:cTn>
+                  </p:par>
+                  <p:par>
+                    <p:cTn id="19" fill="hold">
+                      <p:stCondLst>
+                        <p:cond delay="indefinite"/>
+                      </p:stCondLst>
+                      <p:childTnLst>
+                        <p:par>
+                          <p:cTn id="20" fill="hold">
+                            <p:stCondLst>
+                              <p:cond delay="0"/>
+                            </p:stCondLst>
+                            <p:childTnLst>
+                              <p:par>
+                                <p:cTn id="21" presetID="1" presetClass="entr" presetSubtype="0" fill="hold" nodeType="clickEffect">
+                                  <p:stCondLst>
+                                    <p:cond delay="0"/>
+                                  </p:stCondLst>
+                                  <p:childTnLst>
+                                    <p:set>
+                                      <p:cBhvr>
+                                        <p:cTn id="22" dur="1" fill="hold">
+                                          <p:stCondLst>
+                                            <p:cond delay="0"/>
+                                          </p:stCondLst>
+                                        </p:cTn>
+                                        <p:tgtEl>
+                                          <p:spTgt spid="10">
+                                            <p:txEl>
+                                              <p:pRg st="3" end="3"/>
+                                            </p:txEl>
+                                          </p:spTgt>
+                                        </p:tgtEl>
+                                        <p:attrNameLst>
+                                          <p:attrName>style.visibility</p:attrName>
+                                        </p:attrNameLst>
+                                      </p:cBhvr>
+                                      <p:to>
+                                        <p:strVal val="visible"/>
+                                      </p:to>
+                                    </p:set>
+                                  </p:childTnLst>
+                                </p:cTn>
+                              </p:par>
+                              <p:par>
+                                <p:cTn id="23" presetID="1" presetClass="entr" presetSubtype="0" fill="hold" nodeType="withEffect">
+                                  <p:stCondLst>
+                                    <p:cond delay="0"/>
+                                  </p:stCondLst>
+                                  <p:childTnLst>
+                                    <p:set>
+                                      <p:cBhvr>
+                                        <p:cTn id="24" dur="1" fill="hold">
+                                          <p:stCondLst>
+                                            <p:cond delay="0"/>
+                                          </p:stCondLst>
+                                        </p:cTn>
+                                        <p:tgtEl>
+                                          <p:spTgt spid="10">
+                                            <p:txEl>
+                                              <p:pRg st="4" end="4"/>
+                                            </p:txEl>
+                                          </p:spTgt>
+                                        </p:tgtEl>
+                                        <p:attrNameLst>
+                                          <p:attrName>style.visibility</p:attrName>
+                                        </p:attrNameLst>
+                                      </p:cBhvr>
+                                      <p:to>
+                                        <p:strVal val="visible"/>
+                                      </p:to>
+                                    </p:set>
+                                  </p:childTnLst>
+                                </p:cTn>
+                              </p:par>
+                            </p:childTnLst>
+                          </p:cTn>
+                        </p:par>
+                      </p:childTnLst>
+                    </p:cTn>
+                  </p:par>
+                  <p:par>
+                    <p:cTn id="25" fill="hold">
+                      <p:stCondLst>
+                        <p:cond delay="indefinite"/>
+                      </p:stCondLst>
+                      <p:childTnLst>
+                        <p:par>
+                          <p:cTn id="26" fill="hold">
+                            <p:stCondLst>
+                              <p:cond delay="0"/>
+                            </p:stCondLst>
+                            <p:childTnLst>
+                              <p:par>
+                                <p:cTn id="27" presetID="1" presetClass="entr" presetSubtype="0" fill="hold" nodeType="clickEffect">
+                                  <p:stCondLst>
+                                    <p:cond delay="0"/>
+                                  </p:stCondLst>
+                                  <p:childTnLst>
+                                    <p:set>
+                                      <p:cBhvr>
+                                        <p:cTn id="28" dur="1" fill="hold">
+                                          <p:stCondLst>
+                                            <p:cond delay="0"/>
+                                          </p:stCondLst>
+                                        </p:cTn>
+                                        <p:tgtEl>
+                                          <p:spTgt spid="10">
+                                            <p:txEl>
+                                              <p:pRg st="5" end="5"/>
+                                            </p:txEl>
+                                          </p:spTgt>
+                                        </p:tgtEl>
+                                        <p:attrNameLst>
+                                          <p:attrName>style.visibility</p:attrName>
+                                        </p:attrNameLst>
+                                      </p:cBhvr>
+                                      <p:to>
+                                        <p:strVal val="visible"/>
+                                      </p:to>
+                                    </p:set>
+                                  </p:childTnLst>
+                                </p:cTn>
+                              </p:par>
+                            </p:childTnLst>
+                          </p:cTn>
+                        </p:par>
+                      </p:childTnLst>
+                    </p:cTn>
+                  </p:par>
+                </p:childTnLst>
+              </p:cTn>
+              <p:prevCondLst>
+                <p:cond evt="onPrev" delay="0">
+                  <p:tgtEl>
+                    <p:sldTgt/>
+                  </p:tgtEl>
+                </p:cond>
+              </p:prevCondLst>
+              <p:nextCondLst>
+                <p:cond evt="onNext" delay="0">
+                  <p:tgtEl>
+                    <p:sldTgt/>
+                  </p:tgtEl>
+                </p:cond>
+              </p:nextCondLst>
+            </p:seq>
+          </p:childTnLst>
+        </p:cTn>
+      </p:par>
+    </p:tnLst>
+    <p:bldLst>
+      <p:bldP spid="10" grpId="0" animBg="1"/>
+    </p:bldLst>
+  </p:timing>
 </p:sld>
 </file>
 
@@ -20466,31 +26055,133 @@
       </p:sp>
       <p:sp>
         <p:nvSpPr>
-          <p:cNvPr id="2" name="Text Placeholder 1"/>
-          <p:cNvSpPr>
-            <a:spLocks noGrp="1"/>
-          </p:cNvSpPr>
-          <p:nvPr>
-            <p:ph type="body" sz="quarter" idx="10"/>
-          </p:nvPr>
+          <p:cNvPr id="6" name="Текстово поле 1">
+            <a:extLst>
+              <a:ext uri="{FF2B5EF4-FFF2-40B4-BE49-F238E27FC236}">
+                <a16:creationId xmlns:a16="http://schemas.microsoft.com/office/drawing/2014/main" id="{0CC356C1-7B08-46A6-BE69-C01F0F3F7D38}"/>
+              </a:ext>
+            </a:extLst>
+          </p:cNvPr>
+          <p:cNvSpPr txBox="1"/>
+          <p:nvPr/>
         </p:nvSpPr>
         <p:spPr>
           <a:xfrm>
-            <a:off x="1529384" y="6400802"/>
-            <a:ext cx="10482604" cy="351754"/>
+            <a:off x="912812" y="6434271"/>
+            <a:ext cx="11216029" cy="369332"/>
           </a:xfrm>
+          <a:prstGeom prst="rect">
+            <a:avLst/>
+          </a:prstGeom>
+          <a:noFill/>
         </p:spPr>
         <p:txBody>
-          <a:bodyPr/>
-          <a:lstStyle/>
-          <a:p>
-            <a:r>
-              <a:rPr lang="en-US">
+          <a:bodyPr wrap="square" rtlCol="0">
+            <a:spAutoFit/>
+          </a:bodyPr>
+          <a:lstStyle>
+            <a:defPPr>
+              <a:defRPr lang="en-US"/>
+            </a:defPPr>
+            <a:lvl1pPr marL="0" algn="l" defTabSz="1218987" rtl="0" eaLnBrk="1" latinLnBrk="0" hangingPunct="1">
+              <a:defRPr sz="2400" kern="1200">
+                <a:solidFill>
+                  <a:schemeClr val="tx1"/>
+                </a:solidFill>
+                <a:latin typeface="+mn-lt"/>
+                <a:ea typeface="+mn-ea"/>
+                <a:cs typeface="+mn-cs"/>
+              </a:defRPr>
+            </a:lvl1pPr>
+            <a:lvl2pPr marL="609493" algn="l" defTabSz="1218987" rtl="0" eaLnBrk="1" latinLnBrk="0" hangingPunct="1">
+              <a:defRPr sz="2400" kern="1200">
+                <a:solidFill>
+                  <a:schemeClr val="tx1"/>
+                </a:solidFill>
+                <a:latin typeface="+mn-lt"/>
+                <a:ea typeface="+mn-ea"/>
+                <a:cs typeface="+mn-cs"/>
+              </a:defRPr>
+            </a:lvl2pPr>
+            <a:lvl3pPr marL="1218987" algn="l" defTabSz="1218987" rtl="0" eaLnBrk="1" latinLnBrk="0" hangingPunct="1">
+              <a:defRPr sz="2400" kern="1200">
+                <a:solidFill>
+                  <a:schemeClr val="tx1"/>
+                </a:solidFill>
+                <a:latin typeface="+mn-lt"/>
+                <a:ea typeface="+mn-ea"/>
+                <a:cs typeface="+mn-cs"/>
+              </a:defRPr>
+            </a:lvl3pPr>
+            <a:lvl4pPr marL="1828480" algn="l" defTabSz="1218987" rtl="0" eaLnBrk="1" latinLnBrk="0" hangingPunct="1">
+              <a:defRPr sz="2400" kern="1200">
+                <a:solidFill>
+                  <a:schemeClr val="tx1"/>
+                </a:solidFill>
+                <a:latin typeface="+mn-lt"/>
+                <a:ea typeface="+mn-ea"/>
+                <a:cs typeface="+mn-cs"/>
+              </a:defRPr>
+            </a:lvl4pPr>
+            <a:lvl5pPr marL="2437973" algn="l" defTabSz="1218987" rtl="0" eaLnBrk="1" latinLnBrk="0" hangingPunct="1">
+              <a:defRPr sz="2400" kern="1200">
+                <a:solidFill>
+                  <a:schemeClr val="tx1"/>
+                </a:solidFill>
+                <a:latin typeface="+mn-lt"/>
+                <a:ea typeface="+mn-ea"/>
+                <a:cs typeface="+mn-cs"/>
+              </a:defRPr>
+            </a:lvl5pPr>
+            <a:lvl6pPr marL="3047467" algn="l" defTabSz="1218987" rtl="0" eaLnBrk="1" latinLnBrk="0" hangingPunct="1">
+              <a:defRPr sz="2400" kern="1200">
+                <a:solidFill>
+                  <a:schemeClr val="tx1"/>
+                </a:solidFill>
+                <a:latin typeface="+mn-lt"/>
+                <a:ea typeface="+mn-ea"/>
+                <a:cs typeface="+mn-cs"/>
+              </a:defRPr>
+            </a:lvl6pPr>
+            <a:lvl7pPr marL="3656960" algn="l" defTabSz="1218987" rtl="0" eaLnBrk="1" latinLnBrk="0" hangingPunct="1">
+              <a:defRPr sz="2400" kern="1200">
+                <a:solidFill>
+                  <a:schemeClr val="tx1"/>
+                </a:solidFill>
+                <a:latin typeface="+mn-lt"/>
+                <a:ea typeface="+mn-ea"/>
+                <a:cs typeface="+mn-cs"/>
+              </a:defRPr>
+            </a:lvl7pPr>
+            <a:lvl8pPr marL="4266453" algn="l" defTabSz="1218987" rtl="0" eaLnBrk="1" latinLnBrk="0" hangingPunct="1">
+              <a:defRPr sz="2400" kern="1200">
+                <a:solidFill>
+                  <a:schemeClr val="tx1"/>
+                </a:solidFill>
+                <a:latin typeface="+mn-lt"/>
+                <a:ea typeface="+mn-ea"/>
+                <a:cs typeface="+mn-cs"/>
+              </a:defRPr>
+            </a:lvl8pPr>
+            <a:lvl9pPr marL="4875947" algn="l" defTabSz="1218987" rtl="0" eaLnBrk="1" latinLnBrk="0" hangingPunct="1">
+              <a:defRPr sz="2400" kern="1200">
+                <a:solidFill>
+                  <a:schemeClr val="tx1"/>
+                </a:solidFill>
+                <a:latin typeface="+mn-lt"/>
+                <a:ea typeface="+mn-ea"/>
+                <a:cs typeface="+mn-cs"/>
+              </a:defRPr>
+            </a:lvl9pPr>
+          </a:lstStyle>
+          <a:p>
+            <a:r>
+              <a:rPr lang="en-US" sz="1800" b="1" dirty="0">
                 <a:hlinkClick r:id="rId3"/>
               </a:rPr>
-              <a:t>https://it-kariera.mon.bg/e-learning/</a:t>
-            </a:r>
-            <a:endParaRPr lang="en-US"/>
+              <a:t>https://github.com/BG-IT-Edu/School-Programming/tree/main/Courses/Applied-Programmer/Programming-Basics</a:t>
+            </a:r>
+            <a:endParaRPr lang="bg-BG" sz="1800" b="1" dirty="0"/>
           </a:p>
         </p:txBody>
       </p:sp>
@@ -21343,6 +27034,85 @@
   <p:clrMapOvr>
     <a:masterClrMapping/>
   </p:clrMapOvr>
+  <p:timing>
+    <p:tnLst>
+      <p:par>
+        <p:cTn id="1" dur="indefinite" restart="never" nodeType="tmRoot">
+          <p:childTnLst>
+            <p:seq concurrent="1" nextAc="seek">
+              <p:cTn id="2" dur="indefinite" nodeType="mainSeq">
+                <p:childTnLst>
+                  <p:par>
+                    <p:cTn id="3" fill="hold">
+                      <p:stCondLst>
+                        <p:cond delay="indefinite"/>
+                      </p:stCondLst>
+                      <p:childTnLst>
+                        <p:par>
+                          <p:cTn id="4" fill="hold">
+                            <p:stCondLst>
+                              <p:cond delay="0"/>
+                            </p:stCondLst>
+                            <p:childTnLst>
+                              <p:par>
+                                <p:cTn id="5" presetID="1" presetClass="entr" presetSubtype="0" fill="hold" nodeType="clickEffect">
+                                  <p:stCondLst>
+                                    <p:cond delay="0"/>
+                                  </p:stCondLst>
+                                  <p:childTnLst>
+                                    <p:set>
+                                      <p:cBhvr>
+                                        <p:cTn id="6" dur="1" fill="hold">
+                                          <p:stCondLst>
+                                            <p:cond delay="0"/>
+                                          </p:stCondLst>
+                                        </p:cTn>
+                                        <p:tgtEl>
+                                          <p:spTgt spid="6">
+                                            <p:txEl>
+                                              <p:pRg st="0" end="0"/>
+                                            </p:txEl>
+                                          </p:spTgt>
+                                        </p:tgtEl>
+                                        <p:attrNameLst>
+                                          <p:attrName>style.visibility</p:attrName>
+                                        </p:attrNameLst>
+                                      </p:cBhvr>
+                                      <p:to>
+                                        <p:strVal val="visible"/>
+                                      </p:to>
+                                    </p:set>
+                                  </p:childTnLst>
+                                </p:cTn>
+                              </p:par>
+                            </p:childTnLst>
+                          </p:cTn>
+                        </p:par>
+                      </p:childTnLst>
+                    </p:cTn>
+                  </p:par>
+                </p:childTnLst>
+              </p:cTn>
+              <p:prevCondLst>
+                <p:cond evt="onPrev" delay="0">
+                  <p:tgtEl>
+                    <p:sldTgt/>
+                  </p:tgtEl>
+                </p:cond>
+              </p:prevCondLst>
+              <p:nextCondLst>
+                <p:cond evt="onNext" delay="0">
+                  <p:tgtEl>
+                    <p:sldTgt/>
+                  </p:tgtEl>
+                </p:cond>
+              </p:nextCondLst>
+            </p:seq>
+          </p:childTnLst>
+        </p:cTn>
+      </p:par>
+    </p:tnLst>
+  </p:timing>
 </p:sld>
 </file>
 
@@ -21992,6 +27762,379 @@
   <p:clrMapOvr>
     <a:masterClrMapping/>
   </p:clrMapOvr>
+  <p:timing>
+    <p:tnLst>
+      <p:par>
+        <p:cTn id="1" dur="indefinite" restart="never" nodeType="tmRoot">
+          <p:childTnLst>
+            <p:seq concurrent="1" nextAc="seek">
+              <p:cTn id="2" dur="indefinite" nodeType="mainSeq">
+                <p:childTnLst>
+                  <p:par>
+                    <p:cTn id="3" fill="hold">
+                      <p:stCondLst>
+                        <p:cond delay="indefinite"/>
+                      </p:stCondLst>
+                      <p:childTnLst>
+                        <p:par>
+                          <p:cTn id="4" fill="hold">
+                            <p:stCondLst>
+                              <p:cond delay="0"/>
+                            </p:stCondLst>
+                            <p:childTnLst>
+                              <p:par>
+                                <p:cTn id="5" presetID="1" presetClass="entr" presetSubtype="0" fill="hold" grpId="0" nodeType="clickEffect">
+                                  <p:stCondLst>
+                                    <p:cond delay="0"/>
+                                  </p:stCondLst>
+                                  <p:childTnLst>
+                                    <p:set>
+                                      <p:cBhvr>
+                                        <p:cTn id="6" dur="1" fill="hold">
+                                          <p:stCondLst>
+                                            <p:cond delay="0"/>
+                                          </p:stCondLst>
+                                        </p:cTn>
+                                        <p:tgtEl>
+                                          <p:spTgt spid="9"/>
+                                        </p:tgtEl>
+                                        <p:attrNameLst>
+                                          <p:attrName>style.visibility</p:attrName>
+                                        </p:attrNameLst>
+                                      </p:cBhvr>
+                                      <p:to>
+                                        <p:strVal val="visible"/>
+                                      </p:to>
+                                    </p:set>
+                                  </p:childTnLst>
+                                </p:cTn>
+                              </p:par>
+                              <p:par>
+                                <p:cTn id="7" presetID="1" presetClass="entr" presetSubtype="0" fill="hold" nodeType="withEffect">
+                                  <p:stCondLst>
+                                    <p:cond delay="0"/>
+                                  </p:stCondLst>
+                                  <p:childTnLst>
+                                    <p:set>
+                                      <p:cBhvr>
+                                        <p:cTn id="8" dur="1" fill="hold">
+                                          <p:stCondLst>
+                                            <p:cond delay="0"/>
+                                          </p:stCondLst>
+                                        </p:cTn>
+                                        <p:tgtEl>
+                                          <p:spTgt spid="6"/>
+                                        </p:tgtEl>
+                                        <p:attrNameLst>
+                                          <p:attrName>style.visibility</p:attrName>
+                                        </p:attrNameLst>
+                                      </p:cBhvr>
+                                      <p:to>
+                                        <p:strVal val="visible"/>
+                                      </p:to>
+                                    </p:set>
+                                  </p:childTnLst>
+                                </p:cTn>
+                              </p:par>
+                              <p:par>
+                                <p:cTn id="9" presetID="1" presetClass="entr" presetSubtype="0" fill="hold" nodeType="withEffect">
+                                  <p:stCondLst>
+                                    <p:cond delay="0"/>
+                                  </p:stCondLst>
+                                  <p:childTnLst>
+                                    <p:set>
+                                      <p:cBhvr>
+                                        <p:cTn id="10" dur="1" fill="hold">
+                                          <p:stCondLst>
+                                            <p:cond delay="0"/>
+                                          </p:stCondLst>
+                                        </p:cTn>
+                                        <p:tgtEl>
+                                          <p:spTgt spid="9">
+                                            <p:txEl>
+                                              <p:pRg st="0" end="0"/>
+                                            </p:txEl>
+                                          </p:spTgt>
+                                        </p:tgtEl>
+                                        <p:attrNameLst>
+                                          <p:attrName>style.visibility</p:attrName>
+                                        </p:attrNameLst>
+                                      </p:cBhvr>
+                                      <p:to>
+                                        <p:strVal val="visible"/>
+                                      </p:to>
+                                    </p:set>
+                                  </p:childTnLst>
+                                </p:cTn>
+                              </p:par>
+                              <p:par>
+                                <p:cTn id="11" presetID="1" presetClass="entr" presetSubtype="0" fill="hold" nodeType="withEffect">
+                                  <p:stCondLst>
+                                    <p:cond delay="0"/>
+                                  </p:stCondLst>
+                                  <p:childTnLst>
+                                    <p:set>
+                                      <p:cBhvr>
+                                        <p:cTn id="12" dur="1" fill="hold">
+                                          <p:stCondLst>
+                                            <p:cond delay="0"/>
+                                          </p:stCondLst>
+                                        </p:cTn>
+                                        <p:tgtEl>
+                                          <p:spTgt spid="9">
+                                            <p:txEl>
+                                              <p:pRg st="1" end="1"/>
+                                            </p:txEl>
+                                          </p:spTgt>
+                                        </p:tgtEl>
+                                        <p:attrNameLst>
+                                          <p:attrName>style.visibility</p:attrName>
+                                        </p:attrNameLst>
+                                      </p:cBhvr>
+                                      <p:to>
+                                        <p:strVal val="visible"/>
+                                      </p:to>
+                                    </p:set>
+                                  </p:childTnLst>
+                                </p:cTn>
+                              </p:par>
+                              <p:par>
+                                <p:cTn id="13" presetID="1" presetClass="entr" presetSubtype="0" fill="hold" nodeType="withEffect">
+                                  <p:stCondLst>
+                                    <p:cond delay="0"/>
+                                  </p:stCondLst>
+                                  <p:childTnLst>
+                                    <p:set>
+                                      <p:cBhvr>
+                                        <p:cTn id="14" dur="1" fill="hold">
+                                          <p:stCondLst>
+                                            <p:cond delay="0"/>
+                                          </p:stCondLst>
+                                        </p:cTn>
+                                        <p:tgtEl>
+                                          <p:spTgt spid="9">
+                                            <p:txEl>
+                                              <p:pRg st="3" end="3"/>
+                                            </p:txEl>
+                                          </p:spTgt>
+                                        </p:tgtEl>
+                                        <p:attrNameLst>
+                                          <p:attrName>style.visibility</p:attrName>
+                                        </p:attrNameLst>
+                                      </p:cBhvr>
+                                      <p:to>
+                                        <p:strVal val="visible"/>
+                                      </p:to>
+                                    </p:set>
+                                  </p:childTnLst>
+                                </p:cTn>
+                              </p:par>
+                            </p:childTnLst>
+                          </p:cTn>
+                        </p:par>
+                      </p:childTnLst>
+                    </p:cTn>
+                  </p:par>
+                  <p:par>
+                    <p:cTn id="15" fill="hold">
+                      <p:stCondLst>
+                        <p:cond delay="indefinite"/>
+                      </p:stCondLst>
+                      <p:childTnLst>
+                        <p:par>
+                          <p:cTn id="16" fill="hold">
+                            <p:stCondLst>
+                              <p:cond delay="0"/>
+                            </p:stCondLst>
+                            <p:childTnLst>
+                              <p:par>
+                                <p:cTn id="17" presetID="1" presetClass="entr" presetSubtype="0" fill="hold" nodeType="clickEffect">
+                                  <p:stCondLst>
+                                    <p:cond delay="0"/>
+                                  </p:stCondLst>
+                                  <p:childTnLst>
+                                    <p:set>
+                                      <p:cBhvr>
+                                        <p:cTn id="18" dur="1" fill="hold">
+                                          <p:stCondLst>
+                                            <p:cond delay="0"/>
+                                          </p:stCondLst>
+                                        </p:cTn>
+                                        <p:tgtEl>
+                                          <p:spTgt spid="9">
+                                            <p:txEl>
+                                              <p:pRg st="2" end="2"/>
+                                            </p:txEl>
+                                          </p:spTgt>
+                                        </p:tgtEl>
+                                        <p:attrNameLst>
+                                          <p:attrName>style.visibility</p:attrName>
+                                        </p:attrNameLst>
+                                      </p:cBhvr>
+                                      <p:to>
+                                        <p:strVal val="visible"/>
+                                      </p:to>
+                                    </p:set>
+                                  </p:childTnLst>
+                                </p:cTn>
+                              </p:par>
+                            </p:childTnLst>
+                          </p:cTn>
+                        </p:par>
+                      </p:childTnLst>
+                    </p:cTn>
+                  </p:par>
+                  <p:par>
+                    <p:cTn id="19" fill="hold">
+                      <p:stCondLst>
+                        <p:cond delay="indefinite"/>
+                      </p:stCondLst>
+                      <p:childTnLst>
+                        <p:par>
+                          <p:cTn id="20" fill="hold">
+                            <p:stCondLst>
+                              <p:cond delay="0"/>
+                            </p:stCondLst>
+                            <p:childTnLst>
+                              <p:par>
+                                <p:cTn id="21" presetID="1" presetClass="entr" presetSubtype="0" fill="hold" nodeType="clickEffect">
+                                  <p:stCondLst>
+                                    <p:cond delay="0"/>
+                                  </p:stCondLst>
+                                  <p:childTnLst>
+                                    <p:set>
+                                      <p:cBhvr>
+                                        <p:cTn id="22" dur="1" fill="hold">
+                                          <p:stCondLst>
+                                            <p:cond delay="0"/>
+                                          </p:stCondLst>
+                                        </p:cTn>
+                                        <p:tgtEl>
+                                          <p:spTgt spid="3">
+                                            <p:txEl>
+                                              <p:pRg st="5" end="5"/>
+                                            </p:txEl>
+                                          </p:spTgt>
+                                        </p:tgtEl>
+                                        <p:attrNameLst>
+                                          <p:attrName>style.visibility</p:attrName>
+                                        </p:attrNameLst>
+                                      </p:cBhvr>
+                                      <p:to>
+                                        <p:strVal val="visible"/>
+                                      </p:to>
+                                    </p:set>
+                                  </p:childTnLst>
+                                </p:cTn>
+                              </p:par>
+                              <p:par>
+                                <p:cTn id="23" presetID="1" presetClass="entr" presetSubtype="0" fill="hold" nodeType="withEffect">
+                                  <p:stCondLst>
+                                    <p:cond delay="0"/>
+                                  </p:stCondLst>
+                                  <p:childTnLst>
+                                    <p:set>
+                                      <p:cBhvr>
+                                        <p:cTn id="24" dur="1" fill="hold">
+                                          <p:stCondLst>
+                                            <p:cond delay="0"/>
+                                          </p:stCondLst>
+                                        </p:cTn>
+                                        <p:tgtEl>
+                                          <p:spTgt spid="3">
+                                            <p:txEl>
+                                              <p:pRg st="6" end="6"/>
+                                            </p:txEl>
+                                          </p:spTgt>
+                                        </p:tgtEl>
+                                        <p:attrNameLst>
+                                          <p:attrName>style.visibility</p:attrName>
+                                        </p:attrNameLst>
+                                      </p:cBhvr>
+                                      <p:to>
+                                        <p:strVal val="visible"/>
+                                      </p:to>
+                                    </p:set>
+                                  </p:childTnLst>
+                                </p:cTn>
+                              </p:par>
+                            </p:childTnLst>
+                          </p:cTn>
+                        </p:par>
+                      </p:childTnLst>
+                    </p:cTn>
+                  </p:par>
+                  <p:par>
+                    <p:cTn id="25" fill="hold">
+                      <p:stCondLst>
+                        <p:cond delay="indefinite"/>
+                      </p:stCondLst>
+                      <p:childTnLst>
+                        <p:par>
+                          <p:cTn id="26" fill="hold">
+                            <p:stCondLst>
+                              <p:cond delay="0"/>
+                            </p:stCondLst>
+                            <p:childTnLst>
+                              <p:par>
+                                <p:cTn id="27" presetID="1" presetClass="entr" presetSubtype="0" fill="hold" grpId="0" nodeType="clickEffect">
+                                  <p:stCondLst>
+                                    <p:cond delay="0"/>
+                                  </p:stCondLst>
+                                  <p:childTnLst>
+                                    <p:set>
+                                      <p:cBhvr>
+                                        <p:cTn id="28" dur="1" fill="hold">
+                                          <p:stCondLst>
+                                            <p:cond delay="0"/>
+                                          </p:stCondLst>
+                                        </p:cTn>
+                                        <p:tgtEl>
+                                          <p:spTgt spid="2"/>
+                                        </p:tgtEl>
+                                        <p:attrNameLst>
+                                          <p:attrName>style.visibility</p:attrName>
+                                        </p:attrNameLst>
+                                      </p:cBhvr>
+                                      <p:to>
+                                        <p:strVal val="visible"/>
+                                      </p:to>
+                                    </p:set>
+                                  </p:childTnLst>
+                                </p:cTn>
+                              </p:par>
+                            </p:childTnLst>
+                          </p:cTn>
+                        </p:par>
+                      </p:childTnLst>
+                    </p:cTn>
+                  </p:par>
+                </p:childTnLst>
+              </p:cTn>
+              <p:prevCondLst>
+                <p:cond evt="onPrev" delay="0">
+                  <p:tgtEl>
+                    <p:sldTgt/>
+                  </p:tgtEl>
+                </p:cond>
+              </p:prevCondLst>
+              <p:nextCondLst>
+                <p:cond evt="onNext" delay="0">
+                  <p:tgtEl>
+                    <p:sldTgt/>
+                  </p:tgtEl>
+                </p:cond>
+              </p:nextCondLst>
+            </p:seq>
+          </p:childTnLst>
+        </p:cTn>
+      </p:par>
+    </p:tnLst>
+    <p:bldLst>
+      <p:bldP spid="9" grpId="0" animBg="1"/>
+      <p:bldP spid="2" grpId="0"/>
+    </p:bldLst>
+  </p:timing>
 </p:sld>
 </file>
 
@@ -22685,6 +28828,379 @@
   <p:clrMapOvr>
     <a:masterClrMapping/>
   </p:clrMapOvr>
+  <p:timing>
+    <p:tnLst>
+      <p:par>
+        <p:cTn id="1" dur="indefinite" restart="never" nodeType="tmRoot">
+          <p:childTnLst>
+            <p:seq concurrent="1" nextAc="seek">
+              <p:cTn id="2" dur="indefinite" nodeType="mainSeq">
+                <p:childTnLst>
+                  <p:par>
+                    <p:cTn id="3" fill="hold">
+                      <p:stCondLst>
+                        <p:cond delay="indefinite"/>
+                      </p:stCondLst>
+                      <p:childTnLst>
+                        <p:par>
+                          <p:cTn id="4" fill="hold">
+                            <p:stCondLst>
+                              <p:cond delay="0"/>
+                            </p:stCondLst>
+                            <p:childTnLst>
+                              <p:par>
+                                <p:cTn id="5" presetID="1" presetClass="entr" presetSubtype="0" fill="hold" grpId="0" nodeType="clickEffect">
+                                  <p:stCondLst>
+                                    <p:cond delay="0"/>
+                                  </p:stCondLst>
+                                  <p:childTnLst>
+                                    <p:set>
+                                      <p:cBhvr>
+                                        <p:cTn id="6" dur="1" fill="hold">
+                                          <p:stCondLst>
+                                            <p:cond delay="0"/>
+                                          </p:stCondLst>
+                                        </p:cTn>
+                                        <p:tgtEl>
+                                          <p:spTgt spid="9"/>
+                                        </p:tgtEl>
+                                        <p:attrNameLst>
+                                          <p:attrName>style.visibility</p:attrName>
+                                        </p:attrNameLst>
+                                      </p:cBhvr>
+                                      <p:to>
+                                        <p:strVal val="visible"/>
+                                      </p:to>
+                                    </p:set>
+                                  </p:childTnLst>
+                                </p:cTn>
+                              </p:par>
+                              <p:par>
+                                <p:cTn id="7" presetID="1" presetClass="entr" presetSubtype="0" fill="hold" nodeType="withEffect">
+                                  <p:stCondLst>
+                                    <p:cond delay="0"/>
+                                  </p:stCondLst>
+                                  <p:childTnLst>
+                                    <p:set>
+                                      <p:cBhvr>
+                                        <p:cTn id="8" dur="1" fill="hold">
+                                          <p:stCondLst>
+                                            <p:cond delay="0"/>
+                                          </p:stCondLst>
+                                        </p:cTn>
+                                        <p:tgtEl>
+                                          <p:spTgt spid="5"/>
+                                        </p:tgtEl>
+                                        <p:attrNameLst>
+                                          <p:attrName>style.visibility</p:attrName>
+                                        </p:attrNameLst>
+                                      </p:cBhvr>
+                                      <p:to>
+                                        <p:strVal val="visible"/>
+                                      </p:to>
+                                    </p:set>
+                                  </p:childTnLst>
+                                </p:cTn>
+                              </p:par>
+                              <p:par>
+                                <p:cTn id="9" presetID="1" presetClass="entr" presetSubtype="0" fill="hold" nodeType="withEffect">
+                                  <p:stCondLst>
+                                    <p:cond delay="0"/>
+                                  </p:stCondLst>
+                                  <p:childTnLst>
+                                    <p:set>
+                                      <p:cBhvr>
+                                        <p:cTn id="10" dur="1" fill="hold">
+                                          <p:stCondLst>
+                                            <p:cond delay="0"/>
+                                          </p:stCondLst>
+                                        </p:cTn>
+                                        <p:tgtEl>
+                                          <p:spTgt spid="9">
+                                            <p:txEl>
+                                              <p:pRg st="0" end="0"/>
+                                            </p:txEl>
+                                          </p:spTgt>
+                                        </p:tgtEl>
+                                        <p:attrNameLst>
+                                          <p:attrName>style.visibility</p:attrName>
+                                        </p:attrNameLst>
+                                      </p:cBhvr>
+                                      <p:to>
+                                        <p:strVal val="visible"/>
+                                      </p:to>
+                                    </p:set>
+                                  </p:childTnLst>
+                                </p:cTn>
+                              </p:par>
+                            </p:childTnLst>
+                          </p:cTn>
+                        </p:par>
+                      </p:childTnLst>
+                    </p:cTn>
+                  </p:par>
+                  <p:par>
+                    <p:cTn id="11" fill="hold">
+                      <p:stCondLst>
+                        <p:cond delay="indefinite"/>
+                      </p:stCondLst>
+                      <p:childTnLst>
+                        <p:par>
+                          <p:cTn id="12" fill="hold">
+                            <p:stCondLst>
+                              <p:cond delay="0"/>
+                            </p:stCondLst>
+                            <p:childTnLst>
+                              <p:par>
+                                <p:cTn id="13" presetID="1" presetClass="entr" presetSubtype="0" fill="hold" nodeType="clickEffect">
+                                  <p:stCondLst>
+                                    <p:cond delay="0"/>
+                                  </p:stCondLst>
+                                  <p:childTnLst>
+                                    <p:set>
+                                      <p:cBhvr>
+                                        <p:cTn id="14" dur="1" fill="hold">
+                                          <p:stCondLst>
+                                            <p:cond delay="0"/>
+                                          </p:stCondLst>
+                                        </p:cTn>
+                                        <p:tgtEl>
+                                          <p:spTgt spid="9">
+                                            <p:txEl>
+                                              <p:pRg st="1" end="1"/>
+                                            </p:txEl>
+                                          </p:spTgt>
+                                        </p:tgtEl>
+                                        <p:attrNameLst>
+                                          <p:attrName>style.visibility</p:attrName>
+                                        </p:attrNameLst>
+                                      </p:cBhvr>
+                                      <p:to>
+                                        <p:strVal val="visible"/>
+                                      </p:to>
+                                    </p:set>
+                                  </p:childTnLst>
+                                </p:cTn>
+                              </p:par>
+                              <p:par>
+                                <p:cTn id="15" presetID="1" presetClass="entr" presetSubtype="0" fill="hold" nodeType="withEffect">
+                                  <p:stCondLst>
+                                    <p:cond delay="0"/>
+                                  </p:stCondLst>
+                                  <p:childTnLst>
+                                    <p:set>
+                                      <p:cBhvr>
+                                        <p:cTn id="16" dur="1" fill="hold">
+                                          <p:stCondLst>
+                                            <p:cond delay="0"/>
+                                          </p:stCondLst>
+                                        </p:cTn>
+                                        <p:tgtEl>
+                                          <p:spTgt spid="9">
+                                            <p:txEl>
+                                              <p:pRg st="2" end="2"/>
+                                            </p:txEl>
+                                          </p:spTgt>
+                                        </p:tgtEl>
+                                        <p:attrNameLst>
+                                          <p:attrName>style.visibility</p:attrName>
+                                        </p:attrNameLst>
+                                      </p:cBhvr>
+                                      <p:to>
+                                        <p:strVal val="visible"/>
+                                      </p:to>
+                                    </p:set>
+                                  </p:childTnLst>
+                                </p:cTn>
+                              </p:par>
+                              <p:par>
+                                <p:cTn id="17" presetID="1" presetClass="entr" presetSubtype="0" fill="hold" nodeType="withEffect">
+                                  <p:stCondLst>
+                                    <p:cond delay="0"/>
+                                  </p:stCondLst>
+                                  <p:childTnLst>
+                                    <p:set>
+                                      <p:cBhvr>
+                                        <p:cTn id="18" dur="1" fill="hold">
+                                          <p:stCondLst>
+                                            <p:cond delay="0"/>
+                                          </p:stCondLst>
+                                        </p:cTn>
+                                        <p:tgtEl>
+                                          <p:spTgt spid="9">
+                                            <p:txEl>
+                                              <p:pRg st="5" end="5"/>
+                                            </p:txEl>
+                                          </p:spTgt>
+                                        </p:tgtEl>
+                                        <p:attrNameLst>
+                                          <p:attrName>style.visibility</p:attrName>
+                                        </p:attrNameLst>
+                                      </p:cBhvr>
+                                      <p:to>
+                                        <p:strVal val="visible"/>
+                                      </p:to>
+                                    </p:set>
+                                  </p:childTnLst>
+                                </p:cTn>
+                              </p:par>
+                            </p:childTnLst>
+                          </p:cTn>
+                        </p:par>
+                      </p:childTnLst>
+                    </p:cTn>
+                  </p:par>
+                  <p:par>
+                    <p:cTn id="19" fill="hold">
+                      <p:stCondLst>
+                        <p:cond delay="indefinite"/>
+                      </p:stCondLst>
+                      <p:childTnLst>
+                        <p:par>
+                          <p:cTn id="20" fill="hold">
+                            <p:stCondLst>
+                              <p:cond delay="0"/>
+                            </p:stCondLst>
+                            <p:childTnLst>
+                              <p:par>
+                                <p:cTn id="21" presetID="1" presetClass="entr" presetSubtype="0" fill="hold" nodeType="clickEffect">
+                                  <p:stCondLst>
+                                    <p:cond delay="0"/>
+                                  </p:stCondLst>
+                                  <p:childTnLst>
+                                    <p:set>
+                                      <p:cBhvr>
+                                        <p:cTn id="22" dur="1" fill="hold">
+                                          <p:stCondLst>
+                                            <p:cond delay="0"/>
+                                          </p:stCondLst>
+                                        </p:cTn>
+                                        <p:tgtEl>
+                                          <p:spTgt spid="9">
+                                            <p:txEl>
+                                              <p:pRg st="3" end="3"/>
+                                            </p:txEl>
+                                          </p:spTgt>
+                                        </p:tgtEl>
+                                        <p:attrNameLst>
+                                          <p:attrName>style.visibility</p:attrName>
+                                        </p:attrNameLst>
+                                      </p:cBhvr>
+                                      <p:to>
+                                        <p:strVal val="visible"/>
+                                      </p:to>
+                                    </p:set>
+                                  </p:childTnLst>
+                                </p:cTn>
+                              </p:par>
+                              <p:par>
+                                <p:cTn id="23" presetID="1" presetClass="entr" presetSubtype="0" fill="hold" nodeType="withEffect">
+                                  <p:stCondLst>
+                                    <p:cond delay="0"/>
+                                  </p:stCondLst>
+                                  <p:childTnLst>
+                                    <p:set>
+                                      <p:cBhvr>
+                                        <p:cTn id="24" dur="1" fill="hold">
+                                          <p:stCondLst>
+                                            <p:cond delay="0"/>
+                                          </p:stCondLst>
+                                        </p:cTn>
+                                        <p:tgtEl>
+                                          <p:spTgt spid="9">
+                                            <p:txEl>
+                                              <p:pRg st="4" end="4"/>
+                                            </p:txEl>
+                                          </p:spTgt>
+                                        </p:tgtEl>
+                                        <p:attrNameLst>
+                                          <p:attrName>style.visibility</p:attrName>
+                                        </p:attrNameLst>
+                                      </p:cBhvr>
+                                      <p:to>
+                                        <p:strVal val="visible"/>
+                                      </p:to>
+                                    </p:set>
+                                  </p:childTnLst>
+                                </p:cTn>
+                              </p:par>
+                            </p:childTnLst>
+                          </p:cTn>
+                        </p:par>
+                      </p:childTnLst>
+                    </p:cTn>
+                  </p:par>
+                  <p:par>
+                    <p:cTn id="25" fill="hold">
+                      <p:stCondLst>
+                        <p:cond delay="indefinite"/>
+                      </p:stCondLst>
+                      <p:childTnLst>
+                        <p:par>
+                          <p:cTn id="26" fill="hold">
+                            <p:stCondLst>
+                              <p:cond delay="0"/>
+                            </p:stCondLst>
+                            <p:childTnLst>
+                              <p:par>
+                                <p:cTn id="27" presetID="1" presetClass="entr" presetSubtype="0" fill="hold" grpId="0" nodeType="clickEffect">
+                                  <p:stCondLst>
+                                    <p:cond delay="0"/>
+                                  </p:stCondLst>
+                                  <p:childTnLst>
+                                    <p:set>
+                                      <p:cBhvr>
+                                        <p:cTn id="28" dur="1" fill="hold">
+                                          <p:stCondLst>
+                                            <p:cond delay="0"/>
+                                          </p:stCondLst>
+                                        </p:cTn>
+                                        <p:tgtEl>
+                                          <p:spTgt spid="6"/>
+                                        </p:tgtEl>
+                                        <p:attrNameLst>
+                                          <p:attrName>style.visibility</p:attrName>
+                                        </p:attrNameLst>
+                                      </p:cBhvr>
+                                      <p:to>
+                                        <p:strVal val="visible"/>
+                                      </p:to>
+                                    </p:set>
+                                  </p:childTnLst>
+                                </p:cTn>
+                              </p:par>
+                            </p:childTnLst>
+                          </p:cTn>
+                        </p:par>
+                      </p:childTnLst>
+                    </p:cTn>
+                  </p:par>
+                </p:childTnLst>
+              </p:cTn>
+              <p:prevCondLst>
+                <p:cond evt="onPrev" delay="0">
+                  <p:tgtEl>
+                    <p:sldTgt/>
+                  </p:tgtEl>
+                </p:cond>
+              </p:prevCondLst>
+              <p:nextCondLst>
+                <p:cond evt="onNext" delay="0">
+                  <p:tgtEl>
+                    <p:sldTgt/>
+                  </p:tgtEl>
+                </p:cond>
+              </p:nextCondLst>
+            </p:seq>
+          </p:childTnLst>
+        </p:cTn>
+      </p:par>
+    </p:tnLst>
+    <p:bldLst>
+      <p:bldP spid="9" grpId="0" animBg="1"/>
+      <p:bldP spid="6" grpId="0"/>
+    </p:bldLst>
+  </p:timing>
 </p:sld>
 </file>
 
@@ -22953,7 +29469,7 @@
         </p:nvSpPr>
         <p:spPr bwMode="auto">
           <a:xfrm>
-            <a:off x="684214" y="3388412"/>
+            <a:off x="608012" y="3359551"/>
             <a:ext cx="10820398" cy="2936188"/>
           </a:xfrm>
           <a:prstGeom prst="rect">
@@ -23776,7 +30292,7 @@
                             </p:stCondLst>
                             <p:childTnLst>
                               <p:par>
-                                <p:cTn id="5" presetID="1" presetClass="entr" presetSubtype="0" fill="hold" grpId="0" nodeType="clickEffect">
+                                <p:cTn id="5" presetID="1" presetClass="entr" presetSubtype="0" fill="hold" nodeType="clickEffect">
                                   <p:stCondLst>
                                     <p:cond delay="0"/>
                                   </p:stCondLst>
@@ -23784,6 +30300,131 @@
                                     <p:set>
                                       <p:cBhvr>
                                         <p:cTn id="6" dur="1" fill="hold">
+                                          <p:stCondLst>
+                                            <p:cond delay="0"/>
+                                          </p:stCondLst>
+                                        </p:cTn>
+                                        <p:tgtEl>
+                                          <p:spTgt spid="3">
+                                            <p:txEl>
+                                              <p:pRg st="1" end="1"/>
+                                            </p:txEl>
+                                          </p:spTgt>
+                                        </p:tgtEl>
+                                        <p:attrNameLst>
+                                          <p:attrName>style.visibility</p:attrName>
+                                        </p:attrNameLst>
+                                      </p:cBhvr>
+                                      <p:to>
+                                        <p:strVal val="visible"/>
+                                      </p:to>
+                                    </p:set>
+                                  </p:childTnLst>
+                                </p:cTn>
+                              </p:par>
+                            </p:childTnLst>
+                          </p:cTn>
+                        </p:par>
+                      </p:childTnLst>
+                    </p:cTn>
+                  </p:par>
+                  <p:par>
+                    <p:cTn id="7" fill="hold">
+                      <p:stCondLst>
+                        <p:cond delay="indefinite"/>
+                      </p:stCondLst>
+                      <p:childTnLst>
+                        <p:par>
+                          <p:cTn id="8" fill="hold">
+                            <p:stCondLst>
+                              <p:cond delay="0"/>
+                            </p:stCondLst>
+                            <p:childTnLst>
+                              <p:par>
+                                <p:cTn id="9" presetID="1" presetClass="entr" presetSubtype="0" fill="hold" nodeType="clickEffect">
+                                  <p:stCondLst>
+                                    <p:cond delay="0"/>
+                                  </p:stCondLst>
+                                  <p:childTnLst>
+                                    <p:set>
+                                      <p:cBhvr>
+                                        <p:cTn id="10" dur="1" fill="hold">
+                                          <p:stCondLst>
+                                            <p:cond delay="0"/>
+                                          </p:stCondLst>
+                                        </p:cTn>
+                                        <p:tgtEl>
+                                          <p:spTgt spid="3">
+                                            <p:txEl>
+                                              <p:pRg st="2" end="2"/>
+                                            </p:txEl>
+                                          </p:spTgt>
+                                        </p:tgtEl>
+                                        <p:attrNameLst>
+                                          <p:attrName>style.visibility</p:attrName>
+                                        </p:attrNameLst>
+                                      </p:cBhvr>
+                                      <p:to>
+                                        <p:strVal val="visible"/>
+                                      </p:to>
+                                    </p:set>
+                                  </p:childTnLst>
+                                </p:cTn>
+                              </p:par>
+                              <p:par>
+                                <p:cTn id="11" presetID="1" presetClass="entr" presetSubtype="0" fill="hold" grpId="0" nodeType="withEffect">
+                                  <p:stCondLst>
+                                    <p:cond delay="0"/>
+                                  </p:stCondLst>
+                                  <p:childTnLst>
+                                    <p:set>
+                                      <p:cBhvr>
+                                        <p:cTn id="12" dur="1" fill="hold">
+                                          <p:stCondLst>
+                                            <p:cond delay="0"/>
+                                          </p:stCondLst>
+                                        </p:cTn>
+                                        <p:tgtEl>
+                                          <p:spTgt spid="5"/>
+                                        </p:tgtEl>
+                                        <p:attrNameLst>
+                                          <p:attrName>style.visibility</p:attrName>
+                                        </p:attrNameLst>
+                                      </p:cBhvr>
+                                      <p:to>
+                                        <p:strVal val="visible"/>
+                                      </p:to>
+                                    </p:set>
+                                  </p:childTnLst>
+                                </p:cTn>
+                              </p:par>
+                            </p:childTnLst>
+                          </p:cTn>
+                        </p:par>
+                      </p:childTnLst>
+                    </p:cTn>
+                  </p:par>
+                  <p:par>
+                    <p:cTn id="13" fill="hold">
+                      <p:stCondLst>
+                        <p:cond delay="indefinite"/>
+                      </p:stCondLst>
+                      <p:childTnLst>
+                        <p:par>
+                          <p:cTn id="14" fill="hold">
+                            <p:stCondLst>
+                              <p:cond delay="0"/>
+                            </p:stCondLst>
+                            <p:childTnLst>
+                              <p:par>
+                                <p:cTn id="15" presetID="1" presetClass="entr" presetSubtype="0" fill="hold" grpId="0" nodeType="clickEffect">
+                                  <p:stCondLst>
+                                    <p:cond delay="0"/>
+                                  </p:stCondLst>
+                                  <p:childTnLst>
+                                    <p:set>
+                                      <p:cBhvr>
+                                        <p:cTn id="16" dur="1" fill="hold">
                                           <p:stCondLst>
                                             <p:cond delay="0"/>
                                           </p:stCondLst>
@@ -23803,14 +30444,14 @@
                                 </p:cTn>
                               </p:par>
                               <p:par>
-                                <p:cTn id="7" presetID="1" presetClass="entr" presetSubtype="0" fill="hold" grpId="0" nodeType="withEffect">
+                                <p:cTn id="17" presetID="1" presetClass="entr" presetSubtype="0" fill="hold" grpId="0" nodeType="withEffect">
                                   <p:stCondLst>
                                     <p:cond delay="0"/>
                                   </p:stCondLst>
                                   <p:childTnLst>
                                     <p:set>
                                       <p:cBhvr>
-                                        <p:cTn id="8" dur="1" fill="hold">
+                                        <p:cTn id="18" dur="1" fill="hold">
                                           <p:stCondLst>
                                             <p:cond delay="0"/>
                                           </p:stCondLst>
@@ -23836,26 +30477,26 @@
                     </p:cTn>
                   </p:par>
                   <p:par>
-                    <p:cTn id="9" fill="hold">
+                    <p:cTn id="19" fill="hold">
                       <p:stCondLst>
                         <p:cond delay="indefinite"/>
                       </p:stCondLst>
                       <p:childTnLst>
                         <p:par>
-                          <p:cTn id="10" fill="hold">
+                          <p:cTn id="20" fill="hold">
                             <p:stCondLst>
                               <p:cond delay="0"/>
                             </p:stCondLst>
                             <p:childTnLst>
                               <p:par>
-                                <p:cTn id="11" presetID="1" presetClass="entr" presetSubtype="0" fill="hold" grpId="0" nodeType="clickEffect">
+                                <p:cTn id="21" presetID="1" presetClass="entr" presetSubtype="0" fill="hold" grpId="0" nodeType="clickEffect">
                                   <p:stCondLst>
                                     <p:cond delay="0"/>
                                   </p:stCondLst>
                                   <p:childTnLst>
                                     <p:set>
                                       <p:cBhvr>
-                                        <p:cTn id="12" dur="1" fill="hold">
+                                        <p:cTn id="22" dur="1" fill="hold">
                                           <p:stCondLst>
                                             <p:cond delay="0"/>
                                           </p:stCondLst>
@@ -23875,14 +30516,14 @@
                                 </p:cTn>
                               </p:par>
                               <p:par>
-                                <p:cTn id="13" presetID="1" presetClass="entr" presetSubtype="0" fill="hold" grpId="0" nodeType="withEffect">
+                                <p:cTn id="23" presetID="1" presetClass="entr" presetSubtype="0" fill="hold" grpId="0" nodeType="withEffect">
                                   <p:stCondLst>
                                     <p:cond delay="0"/>
                                   </p:stCondLst>
                                   <p:childTnLst>
                                     <p:set>
                                       <p:cBhvr>
-                                        <p:cTn id="14" dur="1" fill="hold">
+                                        <p:cTn id="24" dur="1" fill="hold">
                                           <p:stCondLst>
                                             <p:cond delay="0"/>
                                           </p:stCondLst>
@@ -23931,6 +30572,7 @@
     <p:bldLst>
       <p:bldP spid="7" grpId="0" animBg="1"/>
       <p:bldP spid="11" grpId="0" animBg="1"/>
+      <p:bldP spid="5" grpId="0" animBg="1"/>
       <p:bldP spid="8" grpId="0" animBg="1"/>
       <p:bldP spid="10" grpId="0" animBg="1"/>
     </p:bldLst>
@@ -24818,6 +31460,477 @@
   <p:clrMapOvr>
     <a:masterClrMapping/>
   </p:clrMapOvr>
+  <p:timing>
+    <p:tnLst>
+      <p:par>
+        <p:cTn id="1" dur="indefinite" restart="never" nodeType="tmRoot">
+          <p:childTnLst>
+            <p:seq concurrent="1" nextAc="seek">
+              <p:cTn id="2" dur="indefinite" nodeType="mainSeq">
+                <p:childTnLst>
+                  <p:par>
+                    <p:cTn id="3" fill="hold">
+                      <p:stCondLst>
+                        <p:cond delay="indefinite"/>
+                      </p:stCondLst>
+                      <p:childTnLst>
+                        <p:par>
+                          <p:cTn id="4" fill="hold">
+                            <p:stCondLst>
+                              <p:cond delay="0"/>
+                            </p:stCondLst>
+                            <p:childTnLst>
+                              <p:par>
+                                <p:cTn id="5" presetID="1" presetClass="entr" presetSubtype="0" fill="hold" grpId="0" nodeType="clickEffect">
+                                  <p:stCondLst>
+                                    <p:cond delay="0"/>
+                                  </p:stCondLst>
+                                  <p:childTnLst>
+                                    <p:set>
+                                      <p:cBhvr>
+                                        <p:cTn id="6" dur="1" fill="hold">
+                                          <p:stCondLst>
+                                            <p:cond delay="0"/>
+                                          </p:stCondLst>
+                                        </p:cTn>
+                                        <p:tgtEl>
+                                          <p:spTgt spid="6"/>
+                                        </p:tgtEl>
+                                        <p:attrNameLst>
+                                          <p:attrName>style.visibility</p:attrName>
+                                        </p:attrNameLst>
+                                      </p:cBhvr>
+                                      <p:to>
+                                        <p:strVal val="visible"/>
+                                      </p:to>
+                                    </p:set>
+                                  </p:childTnLst>
+                                </p:cTn>
+                              </p:par>
+                              <p:par>
+                                <p:cTn id="7" presetID="1" presetClass="entr" presetSubtype="0" fill="hold" nodeType="withEffect">
+                                  <p:stCondLst>
+                                    <p:cond delay="0"/>
+                                  </p:stCondLst>
+                                  <p:childTnLst>
+                                    <p:set>
+                                      <p:cBhvr>
+                                        <p:cTn id="8" dur="1" fill="hold">
+                                          <p:stCondLst>
+                                            <p:cond delay="0"/>
+                                          </p:stCondLst>
+                                        </p:cTn>
+                                        <p:tgtEl>
+                                          <p:spTgt spid="8"/>
+                                        </p:tgtEl>
+                                        <p:attrNameLst>
+                                          <p:attrName>style.visibility</p:attrName>
+                                        </p:attrNameLst>
+                                      </p:cBhvr>
+                                      <p:to>
+                                        <p:strVal val="visible"/>
+                                      </p:to>
+                                    </p:set>
+                                  </p:childTnLst>
+                                </p:cTn>
+                              </p:par>
+                              <p:par>
+                                <p:cTn id="9" presetID="1" presetClass="entr" presetSubtype="0" fill="hold" nodeType="withEffect">
+                                  <p:stCondLst>
+                                    <p:cond delay="0"/>
+                                  </p:stCondLst>
+                                  <p:childTnLst>
+                                    <p:set>
+                                      <p:cBhvr>
+                                        <p:cTn id="10" dur="1" fill="hold">
+                                          <p:stCondLst>
+                                            <p:cond delay="0"/>
+                                          </p:stCondLst>
+                                        </p:cTn>
+                                        <p:tgtEl>
+                                          <p:spTgt spid="6">
+                                            <p:txEl>
+                                              <p:pRg st="0" end="0"/>
+                                            </p:txEl>
+                                          </p:spTgt>
+                                        </p:tgtEl>
+                                        <p:attrNameLst>
+                                          <p:attrName>style.visibility</p:attrName>
+                                        </p:attrNameLst>
+                                      </p:cBhvr>
+                                      <p:to>
+                                        <p:strVal val="visible"/>
+                                      </p:to>
+                                    </p:set>
+                                  </p:childTnLst>
+                                </p:cTn>
+                              </p:par>
+                            </p:childTnLst>
+                          </p:cTn>
+                        </p:par>
+                      </p:childTnLst>
+                    </p:cTn>
+                  </p:par>
+                  <p:par>
+                    <p:cTn id="11" fill="hold">
+                      <p:stCondLst>
+                        <p:cond delay="indefinite"/>
+                      </p:stCondLst>
+                      <p:childTnLst>
+                        <p:par>
+                          <p:cTn id="12" fill="hold">
+                            <p:stCondLst>
+                              <p:cond delay="0"/>
+                            </p:stCondLst>
+                            <p:childTnLst>
+                              <p:par>
+                                <p:cTn id="13" presetID="1" presetClass="entr" presetSubtype="0" fill="hold" nodeType="clickEffect">
+                                  <p:stCondLst>
+                                    <p:cond delay="0"/>
+                                  </p:stCondLst>
+                                  <p:childTnLst>
+                                    <p:set>
+                                      <p:cBhvr>
+                                        <p:cTn id="14" dur="1" fill="hold">
+                                          <p:stCondLst>
+                                            <p:cond delay="0"/>
+                                          </p:stCondLst>
+                                        </p:cTn>
+                                        <p:tgtEl>
+                                          <p:spTgt spid="6">
+                                            <p:txEl>
+                                              <p:pRg st="1" end="1"/>
+                                            </p:txEl>
+                                          </p:spTgt>
+                                        </p:tgtEl>
+                                        <p:attrNameLst>
+                                          <p:attrName>style.visibility</p:attrName>
+                                        </p:attrNameLst>
+                                      </p:cBhvr>
+                                      <p:to>
+                                        <p:strVal val="visible"/>
+                                      </p:to>
+                                    </p:set>
+                                  </p:childTnLst>
+                                </p:cTn>
+                              </p:par>
+                              <p:par>
+                                <p:cTn id="15" presetID="1" presetClass="entr" presetSubtype="0" fill="hold" nodeType="withEffect">
+                                  <p:stCondLst>
+                                    <p:cond delay="0"/>
+                                  </p:stCondLst>
+                                  <p:childTnLst>
+                                    <p:set>
+                                      <p:cBhvr>
+                                        <p:cTn id="16" dur="1" fill="hold">
+                                          <p:stCondLst>
+                                            <p:cond delay="0"/>
+                                          </p:stCondLst>
+                                        </p:cTn>
+                                        <p:tgtEl>
+                                          <p:spTgt spid="6">
+                                            <p:txEl>
+                                              <p:pRg st="2" end="2"/>
+                                            </p:txEl>
+                                          </p:spTgt>
+                                        </p:tgtEl>
+                                        <p:attrNameLst>
+                                          <p:attrName>style.visibility</p:attrName>
+                                        </p:attrNameLst>
+                                      </p:cBhvr>
+                                      <p:to>
+                                        <p:strVal val="visible"/>
+                                      </p:to>
+                                    </p:set>
+                                  </p:childTnLst>
+                                </p:cTn>
+                              </p:par>
+                              <p:par>
+                                <p:cTn id="17" presetID="1" presetClass="entr" presetSubtype="0" fill="hold" nodeType="withEffect">
+                                  <p:stCondLst>
+                                    <p:cond delay="0"/>
+                                  </p:stCondLst>
+                                  <p:childTnLst>
+                                    <p:set>
+                                      <p:cBhvr>
+                                        <p:cTn id="18" dur="1" fill="hold">
+                                          <p:stCondLst>
+                                            <p:cond delay="0"/>
+                                          </p:stCondLst>
+                                        </p:cTn>
+                                        <p:tgtEl>
+                                          <p:spTgt spid="6">
+                                            <p:txEl>
+                                              <p:pRg st="7" end="7"/>
+                                            </p:txEl>
+                                          </p:spTgt>
+                                        </p:tgtEl>
+                                        <p:attrNameLst>
+                                          <p:attrName>style.visibility</p:attrName>
+                                        </p:attrNameLst>
+                                      </p:cBhvr>
+                                      <p:to>
+                                        <p:strVal val="visible"/>
+                                      </p:to>
+                                    </p:set>
+                                  </p:childTnLst>
+                                </p:cTn>
+                              </p:par>
+                            </p:childTnLst>
+                          </p:cTn>
+                        </p:par>
+                      </p:childTnLst>
+                    </p:cTn>
+                  </p:par>
+                  <p:par>
+                    <p:cTn id="19" fill="hold">
+                      <p:stCondLst>
+                        <p:cond delay="indefinite"/>
+                      </p:stCondLst>
+                      <p:childTnLst>
+                        <p:par>
+                          <p:cTn id="20" fill="hold">
+                            <p:stCondLst>
+                              <p:cond delay="0"/>
+                            </p:stCondLst>
+                            <p:childTnLst>
+                              <p:par>
+                                <p:cTn id="21" presetID="1" presetClass="entr" presetSubtype="0" fill="hold" nodeType="clickEffect">
+                                  <p:stCondLst>
+                                    <p:cond delay="0"/>
+                                  </p:stCondLst>
+                                  <p:childTnLst>
+                                    <p:set>
+                                      <p:cBhvr>
+                                        <p:cTn id="22" dur="1" fill="hold">
+                                          <p:stCondLst>
+                                            <p:cond delay="0"/>
+                                          </p:stCondLst>
+                                        </p:cTn>
+                                        <p:tgtEl>
+                                          <p:spTgt spid="6">
+                                            <p:txEl>
+                                              <p:pRg st="3" end="3"/>
+                                            </p:txEl>
+                                          </p:spTgt>
+                                        </p:tgtEl>
+                                        <p:attrNameLst>
+                                          <p:attrName>style.visibility</p:attrName>
+                                        </p:attrNameLst>
+                                      </p:cBhvr>
+                                      <p:to>
+                                        <p:strVal val="visible"/>
+                                      </p:to>
+                                    </p:set>
+                                  </p:childTnLst>
+                                </p:cTn>
+                              </p:par>
+                            </p:childTnLst>
+                          </p:cTn>
+                        </p:par>
+                      </p:childTnLst>
+                    </p:cTn>
+                  </p:par>
+                  <p:par>
+                    <p:cTn id="23" fill="hold">
+                      <p:stCondLst>
+                        <p:cond delay="indefinite"/>
+                      </p:stCondLst>
+                      <p:childTnLst>
+                        <p:par>
+                          <p:cTn id="24" fill="hold">
+                            <p:stCondLst>
+                              <p:cond delay="0"/>
+                            </p:stCondLst>
+                            <p:childTnLst>
+                              <p:par>
+                                <p:cTn id="25" presetID="1" presetClass="entr" presetSubtype="0" fill="hold" nodeType="clickEffect">
+                                  <p:stCondLst>
+                                    <p:cond delay="0"/>
+                                  </p:stCondLst>
+                                  <p:childTnLst>
+                                    <p:set>
+                                      <p:cBhvr>
+                                        <p:cTn id="26" dur="1" fill="hold">
+                                          <p:stCondLst>
+                                            <p:cond delay="0"/>
+                                          </p:stCondLst>
+                                        </p:cTn>
+                                        <p:tgtEl>
+                                          <p:spTgt spid="6">
+                                            <p:txEl>
+                                              <p:pRg st="4" end="4"/>
+                                            </p:txEl>
+                                          </p:spTgt>
+                                        </p:tgtEl>
+                                        <p:attrNameLst>
+                                          <p:attrName>style.visibility</p:attrName>
+                                        </p:attrNameLst>
+                                      </p:cBhvr>
+                                      <p:to>
+                                        <p:strVal val="visible"/>
+                                      </p:to>
+                                    </p:set>
+                                  </p:childTnLst>
+                                </p:cTn>
+                              </p:par>
+                              <p:par>
+                                <p:cTn id="27" presetID="1" presetClass="entr" presetSubtype="0" fill="hold" nodeType="withEffect">
+                                  <p:stCondLst>
+                                    <p:cond delay="0"/>
+                                  </p:stCondLst>
+                                  <p:childTnLst>
+                                    <p:set>
+                                      <p:cBhvr>
+                                        <p:cTn id="28" dur="1" fill="hold">
+                                          <p:stCondLst>
+                                            <p:cond delay="0"/>
+                                          </p:stCondLst>
+                                        </p:cTn>
+                                        <p:tgtEl>
+                                          <p:spTgt spid="6">
+                                            <p:txEl>
+                                              <p:pRg st="5" end="5"/>
+                                            </p:txEl>
+                                          </p:spTgt>
+                                        </p:tgtEl>
+                                        <p:attrNameLst>
+                                          <p:attrName>style.visibility</p:attrName>
+                                        </p:attrNameLst>
+                                      </p:cBhvr>
+                                      <p:to>
+                                        <p:strVal val="visible"/>
+                                      </p:to>
+                                    </p:set>
+                                  </p:childTnLst>
+                                </p:cTn>
+                              </p:par>
+                            </p:childTnLst>
+                          </p:cTn>
+                        </p:par>
+                      </p:childTnLst>
+                    </p:cTn>
+                  </p:par>
+                  <p:par>
+                    <p:cTn id="29" fill="hold">
+                      <p:stCondLst>
+                        <p:cond delay="indefinite"/>
+                      </p:stCondLst>
+                      <p:childTnLst>
+                        <p:par>
+                          <p:cTn id="30" fill="hold">
+                            <p:stCondLst>
+                              <p:cond delay="0"/>
+                            </p:stCondLst>
+                            <p:childTnLst>
+                              <p:par>
+                                <p:cTn id="31" presetID="1" presetClass="entr" presetSubtype="0" fill="hold" nodeType="clickEffect">
+                                  <p:stCondLst>
+                                    <p:cond delay="0"/>
+                                  </p:stCondLst>
+                                  <p:childTnLst>
+                                    <p:set>
+                                      <p:cBhvr>
+                                        <p:cTn id="32" dur="1" fill="hold">
+                                          <p:stCondLst>
+                                            <p:cond delay="0"/>
+                                          </p:stCondLst>
+                                        </p:cTn>
+                                        <p:tgtEl>
+                                          <p:spTgt spid="6">
+                                            <p:txEl>
+                                              <p:pRg st="6" end="6"/>
+                                            </p:txEl>
+                                          </p:spTgt>
+                                        </p:tgtEl>
+                                        <p:attrNameLst>
+                                          <p:attrName>style.visibility</p:attrName>
+                                        </p:attrNameLst>
+                                      </p:cBhvr>
+                                      <p:to>
+                                        <p:strVal val="visible"/>
+                                      </p:to>
+                                    </p:set>
+                                  </p:childTnLst>
+                                </p:cTn>
+                              </p:par>
+                            </p:childTnLst>
+                          </p:cTn>
+                        </p:par>
+                      </p:childTnLst>
+                    </p:cTn>
+                  </p:par>
+                  <p:par>
+                    <p:cTn id="33" fill="hold">
+                      <p:stCondLst>
+                        <p:cond delay="indefinite"/>
+                      </p:stCondLst>
+                      <p:childTnLst>
+                        <p:par>
+                          <p:cTn id="34" fill="hold">
+                            <p:stCondLst>
+                              <p:cond delay="0"/>
+                            </p:stCondLst>
+                            <p:childTnLst>
+                              <p:par>
+                                <p:cTn id="35" presetID="1" presetClass="entr" presetSubtype="0" fill="hold" grpId="0" nodeType="clickEffect">
+                                  <p:stCondLst>
+                                    <p:cond delay="0"/>
+                                  </p:stCondLst>
+                                  <p:childTnLst>
+                                    <p:set>
+                                      <p:cBhvr>
+                                        <p:cTn id="36" dur="1" fill="hold">
+                                          <p:stCondLst>
+                                            <p:cond delay="0"/>
+                                          </p:stCondLst>
+                                        </p:cTn>
+                                        <p:tgtEl>
+                                          <p:spTgt spid="3"/>
+                                        </p:tgtEl>
+                                        <p:attrNameLst>
+                                          <p:attrName>style.visibility</p:attrName>
+                                        </p:attrNameLst>
+                                      </p:cBhvr>
+                                      <p:to>
+                                        <p:strVal val="visible"/>
+                                      </p:to>
+                                    </p:set>
+                                  </p:childTnLst>
+                                </p:cTn>
+                              </p:par>
+                            </p:childTnLst>
+                          </p:cTn>
+                        </p:par>
+                      </p:childTnLst>
+                    </p:cTn>
+                  </p:par>
+                </p:childTnLst>
+              </p:cTn>
+              <p:prevCondLst>
+                <p:cond evt="onPrev" delay="0">
+                  <p:tgtEl>
+                    <p:sldTgt/>
+                  </p:tgtEl>
+                </p:cond>
+              </p:prevCondLst>
+              <p:nextCondLst>
+                <p:cond evt="onNext" delay="0">
+                  <p:tgtEl>
+                    <p:sldTgt/>
+                  </p:tgtEl>
+                </p:cond>
+              </p:nextCondLst>
+            </p:seq>
+          </p:childTnLst>
+        </p:cTn>
+      </p:par>
+    </p:tnLst>
+    <p:bldLst>
+      <p:bldP spid="6" grpId="0" animBg="1"/>
+      <p:bldP spid="3" grpId="0"/>
+    </p:bldLst>
+  </p:timing>
 </p:sld>
 </file>
 
@@ -25972,6 +33085,552 @@
   <p:clrMapOvr>
     <a:masterClrMapping/>
   </p:clrMapOvr>
+  <p:timing>
+    <p:tnLst>
+      <p:par>
+        <p:cTn id="1" dur="indefinite" restart="never" nodeType="tmRoot">
+          <p:childTnLst>
+            <p:seq concurrent="1" nextAc="seek">
+              <p:cTn id="2" dur="indefinite" nodeType="mainSeq">
+                <p:childTnLst>
+                  <p:par>
+                    <p:cTn id="3" fill="hold">
+                      <p:stCondLst>
+                        <p:cond delay="indefinite"/>
+                      </p:stCondLst>
+                      <p:childTnLst>
+                        <p:par>
+                          <p:cTn id="4" fill="hold">
+                            <p:stCondLst>
+                              <p:cond delay="0"/>
+                            </p:stCondLst>
+                            <p:childTnLst>
+                              <p:par>
+                                <p:cTn id="5" presetID="1" presetClass="entr" presetSubtype="0" fill="hold" grpId="0" nodeType="clickEffect">
+                                  <p:stCondLst>
+                                    <p:cond delay="0"/>
+                                  </p:stCondLst>
+                                  <p:childTnLst>
+                                    <p:set>
+                                      <p:cBhvr>
+                                        <p:cTn id="6" dur="1" fill="hold">
+                                          <p:stCondLst>
+                                            <p:cond delay="0"/>
+                                          </p:stCondLst>
+                                        </p:cTn>
+                                        <p:tgtEl>
+                                          <p:spTgt spid="7"/>
+                                        </p:tgtEl>
+                                        <p:attrNameLst>
+                                          <p:attrName>style.visibility</p:attrName>
+                                        </p:attrNameLst>
+                                      </p:cBhvr>
+                                      <p:to>
+                                        <p:strVal val="visible"/>
+                                      </p:to>
+                                    </p:set>
+                                  </p:childTnLst>
+                                </p:cTn>
+                              </p:par>
+                              <p:par>
+                                <p:cTn id="7" presetID="1" presetClass="entr" presetSubtype="0" fill="hold" grpId="0" nodeType="withEffect">
+                                  <p:stCondLst>
+                                    <p:cond delay="0"/>
+                                  </p:stCondLst>
+                                  <p:childTnLst>
+                                    <p:set>
+                                      <p:cBhvr>
+                                        <p:cTn id="8" dur="1" fill="hold">
+                                          <p:stCondLst>
+                                            <p:cond delay="0"/>
+                                          </p:stCondLst>
+                                        </p:cTn>
+                                        <p:tgtEl>
+                                          <p:spTgt spid="3"/>
+                                        </p:tgtEl>
+                                        <p:attrNameLst>
+                                          <p:attrName>style.visibility</p:attrName>
+                                        </p:attrNameLst>
+                                      </p:cBhvr>
+                                      <p:to>
+                                        <p:strVal val="visible"/>
+                                      </p:to>
+                                    </p:set>
+                                  </p:childTnLst>
+                                </p:cTn>
+                              </p:par>
+                              <p:par>
+                                <p:cTn id="9" presetID="1" presetClass="entr" presetSubtype="0" fill="hold" grpId="0" nodeType="withEffect">
+                                  <p:stCondLst>
+                                    <p:cond delay="0"/>
+                                  </p:stCondLst>
+                                  <p:childTnLst>
+                                    <p:set>
+                                      <p:cBhvr>
+                                        <p:cTn id="10" dur="1" fill="hold">
+                                          <p:stCondLst>
+                                            <p:cond delay="0"/>
+                                          </p:stCondLst>
+                                        </p:cTn>
+                                        <p:tgtEl>
+                                          <p:spTgt spid="6"/>
+                                        </p:tgtEl>
+                                        <p:attrNameLst>
+                                          <p:attrName>style.visibility</p:attrName>
+                                        </p:attrNameLst>
+                                      </p:cBhvr>
+                                      <p:to>
+                                        <p:strVal val="visible"/>
+                                      </p:to>
+                                    </p:set>
+                                  </p:childTnLst>
+                                </p:cTn>
+                              </p:par>
+                            </p:childTnLst>
+                          </p:cTn>
+                        </p:par>
+                      </p:childTnLst>
+                    </p:cTn>
+                  </p:par>
+                  <p:par>
+                    <p:cTn id="11" fill="hold">
+                      <p:stCondLst>
+                        <p:cond delay="indefinite"/>
+                      </p:stCondLst>
+                      <p:childTnLst>
+                        <p:par>
+                          <p:cTn id="12" fill="hold">
+                            <p:stCondLst>
+                              <p:cond delay="0"/>
+                            </p:stCondLst>
+                            <p:childTnLst>
+                              <p:par>
+                                <p:cTn id="13" presetID="1" presetClass="entr" presetSubtype="0" fill="hold" grpId="0" nodeType="clickEffect">
+                                  <p:stCondLst>
+                                    <p:cond delay="0"/>
+                                  </p:stCondLst>
+                                  <p:childTnLst>
+                                    <p:set>
+                                      <p:cBhvr>
+                                        <p:cTn id="14" dur="1" fill="hold">
+                                          <p:stCondLst>
+                                            <p:cond delay="0"/>
+                                          </p:stCondLst>
+                                        </p:cTn>
+                                        <p:tgtEl>
+                                          <p:spTgt spid="8"/>
+                                        </p:tgtEl>
+                                        <p:attrNameLst>
+                                          <p:attrName>style.visibility</p:attrName>
+                                        </p:attrNameLst>
+                                      </p:cBhvr>
+                                      <p:to>
+                                        <p:strVal val="visible"/>
+                                      </p:to>
+                                    </p:set>
+                                  </p:childTnLst>
+                                </p:cTn>
+                              </p:par>
+                              <p:par>
+                                <p:cTn id="15" presetID="1" presetClass="entr" presetSubtype="0" fill="hold" nodeType="withEffect">
+                                  <p:stCondLst>
+                                    <p:cond delay="0"/>
+                                  </p:stCondLst>
+                                  <p:childTnLst>
+                                    <p:set>
+                                      <p:cBhvr>
+                                        <p:cTn id="16" dur="1" fill="hold">
+                                          <p:stCondLst>
+                                            <p:cond delay="0"/>
+                                          </p:stCondLst>
+                                        </p:cTn>
+                                        <p:tgtEl>
+                                          <p:spTgt spid="8">
+                                            <p:txEl>
+                                              <p:pRg st="0" end="0"/>
+                                            </p:txEl>
+                                          </p:spTgt>
+                                        </p:tgtEl>
+                                        <p:attrNameLst>
+                                          <p:attrName>style.visibility</p:attrName>
+                                        </p:attrNameLst>
+                                      </p:cBhvr>
+                                      <p:to>
+                                        <p:strVal val="visible"/>
+                                      </p:to>
+                                    </p:set>
+                                  </p:childTnLst>
+                                </p:cTn>
+                              </p:par>
+                            </p:childTnLst>
+                          </p:cTn>
+                        </p:par>
+                      </p:childTnLst>
+                    </p:cTn>
+                  </p:par>
+                  <p:par>
+                    <p:cTn id="17" fill="hold">
+                      <p:stCondLst>
+                        <p:cond delay="indefinite"/>
+                      </p:stCondLst>
+                      <p:childTnLst>
+                        <p:par>
+                          <p:cTn id="18" fill="hold">
+                            <p:stCondLst>
+                              <p:cond delay="0"/>
+                            </p:stCondLst>
+                            <p:childTnLst>
+                              <p:par>
+                                <p:cTn id="19" presetID="1" presetClass="entr" presetSubtype="0" fill="hold" nodeType="clickEffect">
+                                  <p:stCondLst>
+                                    <p:cond delay="0"/>
+                                  </p:stCondLst>
+                                  <p:childTnLst>
+                                    <p:set>
+                                      <p:cBhvr>
+                                        <p:cTn id="20" dur="1" fill="hold">
+                                          <p:stCondLst>
+                                            <p:cond delay="0"/>
+                                          </p:stCondLst>
+                                        </p:cTn>
+                                        <p:tgtEl>
+                                          <p:spTgt spid="8">
+                                            <p:txEl>
+                                              <p:pRg st="1" end="1"/>
+                                            </p:txEl>
+                                          </p:spTgt>
+                                        </p:tgtEl>
+                                        <p:attrNameLst>
+                                          <p:attrName>style.visibility</p:attrName>
+                                        </p:attrNameLst>
+                                      </p:cBhvr>
+                                      <p:to>
+                                        <p:strVal val="visible"/>
+                                      </p:to>
+                                    </p:set>
+                                  </p:childTnLst>
+                                </p:cTn>
+                              </p:par>
+                              <p:par>
+                                <p:cTn id="21" presetID="1" presetClass="entr" presetSubtype="0" fill="hold" nodeType="withEffect">
+                                  <p:stCondLst>
+                                    <p:cond delay="0"/>
+                                  </p:stCondLst>
+                                  <p:childTnLst>
+                                    <p:set>
+                                      <p:cBhvr>
+                                        <p:cTn id="22" dur="1" fill="hold">
+                                          <p:stCondLst>
+                                            <p:cond delay="0"/>
+                                          </p:stCondLst>
+                                        </p:cTn>
+                                        <p:tgtEl>
+                                          <p:spTgt spid="8">
+                                            <p:txEl>
+                                              <p:pRg st="2" end="2"/>
+                                            </p:txEl>
+                                          </p:spTgt>
+                                        </p:tgtEl>
+                                        <p:attrNameLst>
+                                          <p:attrName>style.visibility</p:attrName>
+                                        </p:attrNameLst>
+                                      </p:cBhvr>
+                                      <p:to>
+                                        <p:strVal val="visible"/>
+                                      </p:to>
+                                    </p:set>
+                                  </p:childTnLst>
+                                </p:cTn>
+                              </p:par>
+                              <p:par>
+                                <p:cTn id="23" presetID="1" presetClass="entr" presetSubtype="0" fill="hold" nodeType="withEffect">
+                                  <p:stCondLst>
+                                    <p:cond delay="0"/>
+                                  </p:stCondLst>
+                                  <p:childTnLst>
+                                    <p:set>
+                                      <p:cBhvr>
+                                        <p:cTn id="24" dur="1" fill="hold">
+                                          <p:stCondLst>
+                                            <p:cond delay="0"/>
+                                          </p:stCondLst>
+                                        </p:cTn>
+                                        <p:tgtEl>
+                                          <p:spTgt spid="8">
+                                            <p:txEl>
+                                              <p:pRg st="7" end="7"/>
+                                            </p:txEl>
+                                          </p:spTgt>
+                                        </p:tgtEl>
+                                        <p:attrNameLst>
+                                          <p:attrName>style.visibility</p:attrName>
+                                        </p:attrNameLst>
+                                      </p:cBhvr>
+                                      <p:to>
+                                        <p:strVal val="visible"/>
+                                      </p:to>
+                                    </p:set>
+                                  </p:childTnLst>
+                                </p:cTn>
+                              </p:par>
+                            </p:childTnLst>
+                          </p:cTn>
+                        </p:par>
+                      </p:childTnLst>
+                    </p:cTn>
+                  </p:par>
+                  <p:par>
+                    <p:cTn id="25" fill="hold">
+                      <p:stCondLst>
+                        <p:cond delay="indefinite"/>
+                      </p:stCondLst>
+                      <p:childTnLst>
+                        <p:par>
+                          <p:cTn id="26" fill="hold">
+                            <p:stCondLst>
+                              <p:cond delay="0"/>
+                            </p:stCondLst>
+                            <p:childTnLst>
+                              <p:par>
+                                <p:cTn id="27" presetID="1" presetClass="entr" presetSubtype="0" fill="hold" nodeType="clickEffect">
+                                  <p:stCondLst>
+                                    <p:cond delay="0"/>
+                                  </p:stCondLst>
+                                  <p:childTnLst>
+                                    <p:set>
+                                      <p:cBhvr>
+                                        <p:cTn id="28" dur="1" fill="hold">
+                                          <p:stCondLst>
+                                            <p:cond delay="0"/>
+                                          </p:stCondLst>
+                                        </p:cTn>
+                                        <p:tgtEl>
+                                          <p:spTgt spid="8">
+                                            <p:txEl>
+                                              <p:pRg st="3" end="3"/>
+                                            </p:txEl>
+                                          </p:spTgt>
+                                        </p:tgtEl>
+                                        <p:attrNameLst>
+                                          <p:attrName>style.visibility</p:attrName>
+                                        </p:attrNameLst>
+                                      </p:cBhvr>
+                                      <p:to>
+                                        <p:strVal val="visible"/>
+                                      </p:to>
+                                    </p:set>
+                                  </p:childTnLst>
+                                </p:cTn>
+                              </p:par>
+                            </p:childTnLst>
+                          </p:cTn>
+                        </p:par>
+                      </p:childTnLst>
+                    </p:cTn>
+                  </p:par>
+                  <p:par>
+                    <p:cTn id="29" fill="hold">
+                      <p:stCondLst>
+                        <p:cond delay="indefinite"/>
+                      </p:stCondLst>
+                      <p:childTnLst>
+                        <p:par>
+                          <p:cTn id="30" fill="hold">
+                            <p:stCondLst>
+                              <p:cond delay="0"/>
+                            </p:stCondLst>
+                            <p:childTnLst>
+                              <p:par>
+                                <p:cTn id="31" presetID="1" presetClass="entr" presetSubtype="0" fill="hold" nodeType="clickEffect">
+                                  <p:stCondLst>
+                                    <p:cond delay="0"/>
+                                  </p:stCondLst>
+                                  <p:childTnLst>
+                                    <p:set>
+                                      <p:cBhvr>
+                                        <p:cTn id="32" dur="1" fill="hold">
+                                          <p:stCondLst>
+                                            <p:cond delay="0"/>
+                                          </p:stCondLst>
+                                        </p:cTn>
+                                        <p:tgtEl>
+                                          <p:spTgt spid="8">
+                                            <p:txEl>
+                                              <p:pRg st="4" end="4"/>
+                                            </p:txEl>
+                                          </p:spTgt>
+                                        </p:tgtEl>
+                                        <p:attrNameLst>
+                                          <p:attrName>style.visibility</p:attrName>
+                                        </p:attrNameLst>
+                                      </p:cBhvr>
+                                      <p:to>
+                                        <p:strVal val="visible"/>
+                                      </p:to>
+                                    </p:set>
+                                  </p:childTnLst>
+                                </p:cTn>
+                              </p:par>
+                              <p:par>
+                                <p:cTn id="33" presetID="1" presetClass="entr" presetSubtype="0" fill="hold" nodeType="withEffect">
+                                  <p:stCondLst>
+                                    <p:cond delay="0"/>
+                                  </p:stCondLst>
+                                  <p:childTnLst>
+                                    <p:set>
+                                      <p:cBhvr>
+                                        <p:cTn id="34" dur="1" fill="hold">
+                                          <p:stCondLst>
+                                            <p:cond delay="0"/>
+                                          </p:stCondLst>
+                                        </p:cTn>
+                                        <p:tgtEl>
+                                          <p:spTgt spid="8">
+                                            <p:txEl>
+                                              <p:pRg st="5" end="5"/>
+                                            </p:txEl>
+                                          </p:spTgt>
+                                        </p:tgtEl>
+                                        <p:attrNameLst>
+                                          <p:attrName>style.visibility</p:attrName>
+                                        </p:attrNameLst>
+                                      </p:cBhvr>
+                                      <p:to>
+                                        <p:strVal val="visible"/>
+                                      </p:to>
+                                    </p:set>
+                                  </p:childTnLst>
+                                </p:cTn>
+                              </p:par>
+                            </p:childTnLst>
+                          </p:cTn>
+                        </p:par>
+                      </p:childTnLst>
+                    </p:cTn>
+                  </p:par>
+                  <p:par>
+                    <p:cTn id="35" fill="hold">
+                      <p:stCondLst>
+                        <p:cond delay="indefinite"/>
+                      </p:stCondLst>
+                      <p:childTnLst>
+                        <p:par>
+                          <p:cTn id="36" fill="hold">
+                            <p:stCondLst>
+                              <p:cond delay="0"/>
+                            </p:stCondLst>
+                            <p:childTnLst>
+                              <p:par>
+                                <p:cTn id="37" presetID="1" presetClass="entr" presetSubtype="0" fill="hold" nodeType="clickEffect">
+                                  <p:stCondLst>
+                                    <p:cond delay="0"/>
+                                  </p:stCondLst>
+                                  <p:childTnLst>
+                                    <p:set>
+                                      <p:cBhvr>
+                                        <p:cTn id="38" dur="1" fill="hold">
+                                          <p:stCondLst>
+                                            <p:cond delay="0"/>
+                                          </p:stCondLst>
+                                        </p:cTn>
+                                        <p:tgtEl>
+                                          <p:spTgt spid="8">
+                                            <p:txEl>
+                                              <p:pRg st="6" end="6"/>
+                                            </p:txEl>
+                                          </p:spTgt>
+                                        </p:tgtEl>
+                                        <p:attrNameLst>
+                                          <p:attrName>style.visibility</p:attrName>
+                                        </p:attrNameLst>
+                                      </p:cBhvr>
+                                      <p:to>
+                                        <p:strVal val="visible"/>
+                                      </p:to>
+                                    </p:set>
+                                  </p:childTnLst>
+                                </p:cTn>
+                              </p:par>
+                            </p:childTnLst>
+                          </p:cTn>
+                        </p:par>
+                      </p:childTnLst>
+                    </p:cTn>
+                  </p:par>
+                  <p:par>
+                    <p:cTn id="39" fill="hold">
+                      <p:stCondLst>
+                        <p:cond delay="indefinite"/>
+                      </p:stCondLst>
+                      <p:childTnLst>
+                        <p:par>
+                          <p:cTn id="40" fill="hold">
+                            <p:stCondLst>
+                              <p:cond delay="0"/>
+                            </p:stCondLst>
+                            <p:childTnLst>
+                              <p:par>
+                                <p:cTn id="41" presetID="1" presetClass="entr" presetSubtype="0" fill="hold" grpId="0" nodeType="clickEffect">
+                                  <p:stCondLst>
+                                    <p:cond delay="0"/>
+                                  </p:stCondLst>
+                                  <p:childTnLst>
+                                    <p:set>
+                                      <p:cBhvr>
+                                        <p:cTn id="42" dur="1" fill="hold">
+                                          <p:stCondLst>
+                                            <p:cond delay="0"/>
+                                          </p:stCondLst>
+                                        </p:cTn>
+                                        <p:tgtEl>
+                                          <p:spTgt spid="11"/>
+                                        </p:tgtEl>
+                                        <p:attrNameLst>
+                                          <p:attrName>style.visibility</p:attrName>
+                                        </p:attrNameLst>
+                                      </p:cBhvr>
+                                      <p:to>
+                                        <p:strVal val="visible"/>
+                                      </p:to>
+                                    </p:set>
+                                  </p:childTnLst>
+                                </p:cTn>
+                              </p:par>
+                            </p:childTnLst>
+                          </p:cTn>
+                        </p:par>
+                      </p:childTnLst>
+                    </p:cTn>
+                  </p:par>
+                </p:childTnLst>
+              </p:cTn>
+              <p:prevCondLst>
+                <p:cond evt="onPrev" delay="0">
+                  <p:tgtEl>
+                    <p:sldTgt/>
+                  </p:tgtEl>
+                </p:cond>
+              </p:prevCondLst>
+              <p:nextCondLst>
+                <p:cond evt="onNext" delay="0">
+                  <p:tgtEl>
+                    <p:sldTgt/>
+                  </p:tgtEl>
+                </p:cond>
+              </p:nextCondLst>
+            </p:seq>
+          </p:childTnLst>
+        </p:cTn>
+      </p:par>
+    </p:tnLst>
+    <p:bldLst>
+      <p:bldP spid="6" grpId="0" animBg="1"/>
+      <p:bldP spid="7" grpId="0" animBg="1"/>
+      <p:bldP spid="3" grpId="0" animBg="1"/>
+      <p:bldP spid="8" grpId="0" animBg="1"/>
+      <p:bldP spid="11" grpId="0"/>
+    </p:bldLst>
+  </p:timing>
 </p:sld>
 </file>
 
@@ -26945,6 +34604,570 @@
   <p:clrMapOvr>
     <a:masterClrMapping/>
   </p:clrMapOvr>
+  <p:timing>
+    <p:tnLst>
+      <p:par>
+        <p:cTn id="1" dur="indefinite" restart="never" nodeType="tmRoot">
+          <p:childTnLst>
+            <p:seq concurrent="1" nextAc="seek">
+              <p:cTn id="2" dur="indefinite" nodeType="mainSeq">
+                <p:childTnLst>
+                  <p:par>
+                    <p:cTn id="3" fill="hold">
+                      <p:stCondLst>
+                        <p:cond delay="indefinite"/>
+                      </p:stCondLst>
+                      <p:childTnLst>
+                        <p:par>
+                          <p:cTn id="4" fill="hold">
+                            <p:stCondLst>
+                              <p:cond delay="0"/>
+                            </p:stCondLst>
+                            <p:childTnLst>
+                              <p:par>
+                                <p:cTn id="5" presetID="1" presetClass="entr" presetSubtype="0" fill="hold" grpId="0" nodeType="clickEffect">
+                                  <p:stCondLst>
+                                    <p:cond delay="0"/>
+                                  </p:stCondLst>
+                                  <p:childTnLst>
+                                    <p:set>
+                                      <p:cBhvr>
+                                        <p:cTn id="6" dur="1" fill="hold">
+                                          <p:stCondLst>
+                                            <p:cond delay="0"/>
+                                          </p:stCondLst>
+                                        </p:cTn>
+                                        <p:tgtEl>
+                                          <p:spTgt spid="6"/>
+                                        </p:tgtEl>
+                                        <p:attrNameLst>
+                                          <p:attrName>style.visibility</p:attrName>
+                                        </p:attrNameLst>
+                                      </p:cBhvr>
+                                      <p:to>
+                                        <p:strVal val="visible"/>
+                                      </p:to>
+                                    </p:set>
+                                  </p:childTnLst>
+                                </p:cTn>
+                              </p:par>
+                              <p:par>
+                                <p:cTn id="7" presetID="1" presetClass="entr" presetSubtype="0" fill="hold" grpId="0" nodeType="withEffect">
+                                  <p:stCondLst>
+                                    <p:cond delay="0"/>
+                                  </p:stCondLst>
+                                  <p:childTnLst>
+                                    <p:set>
+                                      <p:cBhvr>
+                                        <p:cTn id="8" dur="1" fill="hold">
+                                          <p:stCondLst>
+                                            <p:cond delay="0"/>
+                                          </p:stCondLst>
+                                        </p:cTn>
+                                        <p:tgtEl>
+                                          <p:spTgt spid="7"/>
+                                        </p:tgtEl>
+                                        <p:attrNameLst>
+                                          <p:attrName>style.visibility</p:attrName>
+                                        </p:attrNameLst>
+                                      </p:cBhvr>
+                                      <p:to>
+                                        <p:strVal val="visible"/>
+                                      </p:to>
+                                    </p:set>
+                                  </p:childTnLst>
+                                </p:cTn>
+                              </p:par>
+                              <p:par>
+                                <p:cTn id="9" presetID="1" presetClass="entr" presetSubtype="0" fill="hold" grpId="0" nodeType="withEffect">
+                                  <p:stCondLst>
+                                    <p:cond delay="0"/>
+                                  </p:stCondLst>
+                                  <p:childTnLst>
+                                    <p:set>
+                                      <p:cBhvr>
+                                        <p:cTn id="10" dur="1" fill="hold">
+                                          <p:stCondLst>
+                                            <p:cond delay="0"/>
+                                          </p:stCondLst>
+                                        </p:cTn>
+                                        <p:tgtEl>
+                                          <p:spTgt spid="5"/>
+                                        </p:tgtEl>
+                                        <p:attrNameLst>
+                                          <p:attrName>style.visibility</p:attrName>
+                                        </p:attrNameLst>
+                                      </p:cBhvr>
+                                      <p:to>
+                                        <p:strVal val="visible"/>
+                                      </p:to>
+                                    </p:set>
+                                  </p:childTnLst>
+                                </p:cTn>
+                              </p:par>
+                            </p:childTnLst>
+                          </p:cTn>
+                        </p:par>
+                      </p:childTnLst>
+                    </p:cTn>
+                  </p:par>
+                  <p:par>
+                    <p:cTn id="11" fill="hold">
+                      <p:stCondLst>
+                        <p:cond delay="indefinite"/>
+                      </p:stCondLst>
+                      <p:childTnLst>
+                        <p:par>
+                          <p:cTn id="12" fill="hold">
+                            <p:stCondLst>
+                              <p:cond delay="0"/>
+                            </p:stCondLst>
+                            <p:childTnLst>
+                              <p:par>
+                                <p:cTn id="13" presetID="1" presetClass="entr" presetSubtype="0" fill="hold" grpId="0" nodeType="clickEffect">
+                                  <p:stCondLst>
+                                    <p:cond delay="0"/>
+                                  </p:stCondLst>
+                                  <p:childTnLst>
+                                    <p:set>
+                                      <p:cBhvr>
+                                        <p:cTn id="14" dur="1" fill="hold">
+                                          <p:stCondLst>
+                                            <p:cond delay="0"/>
+                                          </p:stCondLst>
+                                        </p:cTn>
+                                        <p:tgtEl>
+                                          <p:spTgt spid="8"/>
+                                        </p:tgtEl>
+                                        <p:attrNameLst>
+                                          <p:attrName>style.visibility</p:attrName>
+                                        </p:attrNameLst>
+                                      </p:cBhvr>
+                                      <p:to>
+                                        <p:strVal val="visible"/>
+                                      </p:to>
+                                    </p:set>
+                                  </p:childTnLst>
+                                </p:cTn>
+                              </p:par>
+                              <p:par>
+                                <p:cTn id="15" presetID="1" presetClass="entr" presetSubtype="0" fill="hold" nodeType="withEffect">
+                                  <p:stCondLst>
+                                    <p:cond delay="0"/>
+                                  </p:stCondLst>
+                                  <p:childTnLst>
+                                    <p:set>
+                                      <p:cBhvr>
+                                        <p:cTn id="16" dur="1" fill="hold">
+                                          <p:stCondLst>
+                                            <p:cond delay="0"/>
+                                          </p:stCondLst>
+                                        </p:cTn>
+                                        <p:tgtEl>
+                                          <p:spTgt spid="8">
+                                            <p:txEl>
+                                              <p:pRg st="0" end="0"/>
+                                            </p:txEl>
+                                          </p:spTgt>
+                                        </p:tgtEl>
+                                        <p:attrNameLst>
+                                          <p:attrName>style.visibility</p:attrName>
+                                        </p:attrNameLst>
+                                      </p:cBhvr>
+                                      <p:to>
+                                        <p:strVal val="visible"/>
+                                      </p:to>
+                                    </p:set>
+                                  </p:childTnLst>
+                                </p:cTn>
+                              </p:par>
+                            </p:childTnLst>
+                          </p:cTn>
+                        </p:par>
+                      </p:childTnLst>
+                    </p:cTn>
+                  </p:par>
+                  <p:par>
+                    <p:cTn id="17" fill="hold">
+                      <p:stCondLst>
+                        <p:cond delay="indefinite"/>
+                      </p:stCondLst>
+                      <p:childTnLst>
+                        <p:par>
+                          <p:cTn id="18" fill="hold">
+                            <p:stCondLst>
+                              <p:cond delay="0"/>
+                            </p:stCondLst>
+                            <p:childTnLst>
+                              <p:par>
+                                <p:cTn id="19" presetID="1" presetClass="entr" presetSubtype="0" fill="hold" nodeType="clickEffect">
+                                  <p:stCondLst>
+                                    <p:cond delay="0"/>
+                                  </p:stCondLst>
+                                  <p:childTnLst>
+                                    <p:set>
+                                      <p:cBhvr>
+                                        <p:cTn id="20" dur="1" fill="hold">
+                                          <p:stCondLst>
+                                            <p:cond delay="0"/>
+                                          </p:stCondLst>
+                                        </p:cTn>
+                                        <p:tgtEl>
+                                          <p:spTgt spid="8">
+                                            <p:txEl>
+                                              <p:pRg st="1" end="1"/>
+                                            </p:txEl>
+                                          </p:spTgt>
+                                        </p:tgtEl>
+                                        <p:attrNameLst>
+                                          <p:attrName>style.visibility</p:attrName>
+                                        </p:attrNameLst>
+                                      </p:cBhvr>
+                                      <p:to>
+                                        <p:strVal val="visible"/>
+                                      </p:to>
+                                    </p:set>
+                                  </p:childTnLst>
+                                </p:cTn>
+                              </p:par>
+                            </p:childTnLst>
+                          </p:cTn>
+                        </p:par>
+                      </p:childTnLst>
+                    </p:cTn>
+                  </p:par>
+                  <p:par>
+                    <p:cTn id="21" fill="hold">
+                      <p:stCondLst>
+                        <p:cond delay="indefinite"/>
+                      </p:stCondLst>
+                      <p:childTnLst>
+                        <p:par>
+                          <p:cTn id="22" fill="hold">
+                            <p:stCondLst>
+                              <p:cond delay="0"/>
+                            </p:stCondLst>
+                            <p:childTnLst>
+                              <p:par>
+                                <p:cTn id="23" presetID="1" presetClass="entr" presetSubtype="0" fill="hold" nodeType="clickEffect">
+                                  <p:stCondLst>
+                                    <p:cond delay="0"/>
+                                  </p:stCondLst>
+                                  <p:childTnLst>
+                                    <p:set>
+                                      <p:cBhvr>
+                                        <p:cTn id="24" dur="1" fill="hold">
+                                          <p:stCondLst>
+                                            <p:cond delay="0"/>
+                                          </p:stCondLst>
+                                        </p:cTn>
+                                        <p:tgtEl>
+                                          <p:spTgt spid="8">
+                                            <p:txEl>
+                                              <p:pRg st="2" end="2"/>
+                                            </p:txEl>
+                                          </p:spTgt>
+                                        </p:tgtEl>
+                                        <p:attrNameLst>
+                                          <p:attrName>style.visibility</p:attrName>
+                                        </p:attrNameLst>
+                                      </p:cBhvr>
+                                      <p:to>
+                                        <p:strVal val="visible"/>
+                                      </p:to>
+                                    </p:set>
+                                  </p:childTnLst>
+                                </p:cTn>
+                              </p:par>
+                              <p:par>
+                                <p:cTn id="25" presetID="1" presetClass="entr" presetSubtype="0" fill="hold" nodeType="withEffect">
+                                  <p:stCondLst>
+                                    <p:cond delay="0"/>
+                                  </p:stCondLst>
+                                  <p:childTnLst>
+                                    <p:set>
+                                      <p:cBhvr>
+                                        <p:cTn id="26" dur="1" fill="hold">
+                                          <p:stCondLst>
+                                            <p:cond delay="0"/>
+                                          </p:stCondLst>
+                                        </p:cTn>
+                                        <p:tgtEl>
+                                          <p:spTgt spid="8">
+                                            <p:txEl>
+                                              <p:pRg st="3" end="3"/>
+                                            </p:txEl>
+                                          </p:spTgt>
+                                        </p:tgtEl>
+                                        <p:attrNameLst>
+                                          <p:attrName>style.visibility</p:attrName>
+                                        </p:attrNameLst>
+                                      </p:cBhvr>
+                                      <p:to>
+                                        <p:strVal val="visible"/>
+                                      </p:to>
+                                    </p:set>
+                                  </p:childTnLst>
+                                </p:cTn>
+                              </p:par>
+                            </p:childTnLst>
+                          </p:cTn>
+                        </p:par>
+                      </p:childTnLst>
+                    </p:cTn>
+                  </p:par>
+                  <p:par>
+                    <p:cTn id="27" fill="hold">
+                      <p:stCondLst>
+                        <p:cond delay="indefinite"/>
+                      </p:stCondLst>
+                      <p:childTnLst>
+                        <p:par>
+                          <p:cTn id="28" fill="hold">
+                            <p:stCondLst>
+                              <p:cond delay="0"/>
+                            </p:stCondLst>
+                            <p:childTnLst>
+                              <p:par>
+                                <p:cTn id="29" presetID="1" presetClass="entr" presetSubtype="0" fill="hold" nodeType="clickEffect">
+                                  <p:stCondLst>
+                                    <p:cond delay="0"/>
+                                  </p:stCondLst>
+                                  <p:childTnLst>
+                                    <p:set>
+                                      <p:cBhvr>
+                                        <p:cTn id="30" dur="1" fill="hold">
+                                          <p:stCondLst>
+                                            <p:cond delay="0"/>
+                                          </p:stCondLst>
+                                        </p:cTn>
+                                        <p:tgtEl>
+                                          <p:spTgt spid="8">
+                                            <p:txEl>
+                                              <p:pRg st="4" end="4"/>
+                                            </p:txEl>
+                                          </p:spTgt>
+                                        </p:tgtEl>
+                                        <p:attrNameLst>
+                                          <p:attrName>style.visibility</p:attrName>
+                                        </p:attrNameLst>
+                                      </p:cBhvr>
+                                      <p:to>
+                                        <p:strVal val="visible"/>
+                                      </p:to>
+                                    </p:set>
+                                  </p:childTnLst>
+                                </p:cTn>
+                              </p:par>
+                            </p:childTnLst>
+                          </p:cTn>
+                        </p:par>
+                      </p:childTnLst>
+                    </p:cTn>
+                  </p:par>
+                  <p:par>
+                    <p:cTn id="31" fill="hold">
+                      <p:stCondLst>
+                        <p:cond delay="indefinite"/>
+                      </p:stCondLst>
+                      <p:childTnLst>
+                        <p:par>
+                          <p:cTn id="32" fill="hold">
+                            <p:stCondLst>
+                              <p:cond delay="0"/>
+                            </p:stCondLst>
+                            <p:childTnLst>
+                              <p:par>
+                                <p:cTn id="33" presetID="1" presetClass="entr" presetSubtype="0" fill="hold" nodeType="clickEffect">
+                                  <p:stCondLst>
+                                    <p:cond delay="0"/>
+                                  </p:stCondLst>
+                                  <p:childTnLst>
+                                    <p:set>
+                                      <p:cBhvr>
+                                        <p:cTn id="34" dur="1" fill="hold">
+                                          <p:stCondLst>
+                                            <p:cond delay="0"/>
+                                          </p:stCondLst>
+                                        </p:cTn>
+                                        <p:tgtEl>
+                                          <p:spTgt spid="8">
+                                            <p:txEl>
+                                              <p:pRg st="5" end="5"/>
+                                            </p:txEl>
+                                          </p:spTgt>
+                                        </p:tgtEl>
+                                        <p:attrNameLst>
+                                          <p:attrName>style.visibility</p:attrName>
+                                        </p:attrNameLst>
+                                      </p:cBhvr>
+                                      <p:to>
+                                        <p:strVal val="visible"/>
+                                      </p:to>
+                                    </p:set>
+                                  </p:childTnLst>
+                                </p:cTn>
+                              </p:par>
+                              <p:par>
+                                <p:cTn id="35" presetID="1" presetClass="entr" presetSubtype="0" fill="hold" nodeType="withEffect">
+                                  <p:stCondLst>
+                                    <p:cond delay="0"/>
+                                  </p:stCondLst>
+                                  <p:childTnLst>
+                                    <p:set>
+                                      <p:cBhvr>
+                                        <p:cTn id="36" dur="1" fill="hold">
+                                          <p:stCondLst>
+                                            <p:cond delay="0"/>
+                                          </p:stCondLst>
+                                        </p:cTn>
+                                        <p:tgtEl>
+                                          <p:spTgt spid="8">
+                                            <p:txEl>
+                                              <p:pRg st="6" end="6"/>
+                                            </p:txEl>
+                                          </p:spTgt>
+                                        </p:tgtEl>
+                                        <p:attrNameLst>
+                                          <p:attrName>style.visibility</p:attrName>
+                                        </p:attrNameLst>
+                                      </p:cBhvr>
+                                      <p:to>
+                                        <p:strVal val="visible"/>
+                                      </p:to>
+                                    </p:set>
+                                  </p:childTnLst>
+                                </p:cTn>
+                              </p:par>
+                            </p:childTnLst>
+                          </p:cTn>
+                        </p:par>
+                      </p:childTnLst>
+                    </p:cTn>
+                  </p:par>
+                  <p:par>
+                    <p:cTn id="37" fill="hold">
+                      <p:stCondLst>
+                        <p:cond delay="indefinite"/>
+                      </p:stCondLst>
+                      <p:childTnLst>
+                        <p:par>
+                          <p:cTn id="38" fill="hold">
+                            <p:stCondLst>
+                              <p:cond delay="0"/>
+                            </p:stCondLst>
+                            <p:childTnLst>
+                              <p:par>
+                                <p:cTn id="39" presetID="1" presetClass="entr" presetSubtype="0" fill="hold" nodeType="clickEffect">
+                                  <p:stCondLst>
+                                    <p:cond delay="0"/>
+                                  </p:stCondLst>
+                                  <p:childTnLst>
+                                    <p:set>
+                                      <p:cBhvr>
+                                        <p:cTn id="40" dur="1" fill="hold">
+                                          <p:stCondLst>
+                                            <p:cond delay="0"/>
+                                          </p:stCondLst>
+                                        </p:cTn>
+                                        <p:tgtEl>
+                                          <p:spTgt spid="8">
+                                            <p:txEl>
+                                              <p:pRg st="7" end="7"/>
+                                            </p:txEl>
+                                          </p:spTgt>
+                                        </p:tgtEl>
+                                        <p:attrNameLst>
+                                          <p:attrName>style.visibility</p:attrName>
+                                        </p:attrNameLst>
+                                      </p:cBhvr>
+                                      <p:to>
+                                        <p:strVal val="visible"/>
+                                      </p:to>
+                                    </p:set>
+                                  </p:childTnLst>
+                                </p:cTn>
+                              </p:par>
+                            </p:childTnLst>
+                          </p:cTn>
+                        </p:par>
+                      </p:childTnLst>
+                    </p:cTn>
+                  </p:par>
+                  <p:par>
+                    <p:cTn id="41" fill="hold">
+                      <p:stCondLst>
+                        <p:cond delay="indefinite"/>
+                      </p:stCondLst>
+                      <p:childTnLst>
+                        <p:par>
+                          <p:cTn id="42" fill="hold">
+                            <p:stCondLst>
+                              <p:cond delay="0"/>
+                            </p:stCondLst>
+                            <p:childTnLst>
+                              <p:par>
+                                <p:cTn id="43" presetID="1" presetClass="entr" presetSubtype="0" fill="hold" grpId="0" nodeType="clickEffect">
+                                  <p:stCondLst>
+                                    <p:cond delay="0"/>
+                                  </p:stCondLst>
+                                  <p:childTnLst>
+                                    <p:set>
+                                      <p:cBhvr>
+                                        <p:cTn id="44" dur="1" fill="hold">
+                                          <p:stCondLst>
+                                            <p:cond delay="0"/>
+                                          </p:stCondLst>
+                                        </p:cTn>
+                                        <p:tgtEl>
+                                          <p:spTgt spid="11"/>
+                                        </p:tgtEl>
+                                        <p:attrNameLst>
+                                          <p:attrName>style.visibility</p:attrName>
+                                        </p:attrNameLst>
+                                      </p:cBhvr>
+                                      <p:to>
+                                        <p:strVal val="visible"/>
+                                      </p:to>
+                                    </p:set>
+                                  </p:childTnLst>
+                                </p:cTn>
+                              </p:par>
+                            </p:childTnLst>
+                          </p:cTn>
+                        </p:par>
+                      </p:childTnLst>
+                    </p:cTn>
+                  </p:par>
+                </p:childTnLst>
+              </p:cTn>
+              <p:prevCondLst>
+                <p:cond evt="onPrev" delay="0">
+                  <p:tgtEl>
+                    <p:sldTgt/>
+                  </p:tgtEl>
+                </p:cond>
+              </p:prevCondLst>
+              <p:nextCondLst>
+                <p:cond evt="onNext" delay="0">
+                  <p:tgtEl>
+                    <p:sldTgt/>
+                  </p:tgtEl>
+                </p:cond>
+              </p:nextCondLst>
+            </p:seq>
+          </p:childTnLst>
+        </p:cTn>
+      </p:par>
+    </p:tnLst>
+    <p:bldLst>
+      <p:bldP spid="5" grpId="0" animBg="1"/>
+      <p:bldP spid="6" grpId="0" animBg="1"/>
+      <p:bldP spid="7" grpId="0" animBg="1"/>
+      <p:bldP spid="8" grpId="0" animBg="1"/>
+      <p:bldP spid="11" grpId="0"/>
+    </p:bldLst>
+  </p:timing>
 </p:sld>
 </file>
 
